--- a/CSPastPresentFuture.pptx
+++ b/CSPastPresentFuture.pptx
@@ -5,7 +5,7 @@
     <p:sldMasterId id="2147483672" r:id="rId1"/>
   </p:sldMasterIdLst>
   <p:notesMasterIdLst>
-    <p:notesMasterId r:id="rId11"/>
+    <p:notesMasterId r:id="rId12"/>
   </p:notesMasterIdLst>
   <p:sldIdLst>
     <p:sldId id="286" r:id="rId2"/>
@@ -13,10 +13,11 @@
     <p:sldId id="313" r:id="rId4"/>
     <p:sldId id="308" r:id="rId5"/>
     <p:sldId id="314" r:id="rId6"/>
-    <p:sldId id="310" r:id="rId7"/>
-    <p:sldId id="315" r:id="rId8"/>
-    <p:sldId id="263" r:id="rId9"/>
-    <p:sldId id="287" r:id="rId10"/>
+    <p:sldId id="316" r:id="rId7"/>
+    <p:sldId id="310" r:id="rId8"/>
+    <p:sldId id="315" r:id="rId9"/>
+    <p:sldId id="263" r:id="rId10"/>
+    <p:sldId id="287" r:id="rId11"/>
   </p:sldIdLst>
   <p:sldSz cx="12192000" cy="6858000"/>
   <p:notesSz cx="6858000" cy="9144000"/>
@@ -17815,6 +17816,542 @@
 </p:sld>
 </file>
 
+<file path=ppt/slides/slide10.xml><?xml version="1.0" encoding="utf-8"?>
+<p:sld xmlns:a="http://schemas.openxmlformats.org/drawingml/2006/main" xmlns:r="http://schemas.openxmlformats.org/officeDocument/2006/relationships" xmlns:p="http://schemas.openxmlformats.org/presentationml/2006/main">
+  <p:cSld>
+    <p:spTree>
+      <p:nvGrpSpPr>
+        <p:cNvPr id="1" name=""/>
+        <p:cNvGrpSpPr/>
+        <p:nvPr/>
+      </p:nvGrpSpPr>
+      <p:grpSpPr>
+        <a:xfrm>
+          <a:off x="0" y="0"/>
+          <a:ext cx="0" cy="0"/>
+          <a:chOff x="0" y="0"/>
+          <a:chExt cx="0" cy="0"/>
+        </a:xfrm>
+      </p:grpSpPr>
+      <p:pic>
+        <p:nvPicPr>
+          <p:cNvPr id="4" name="Picture 3"/>
+          <p:cNvPicPr>
+            <a:picLocks noChangeAspect="1"/>
+          </p:cNvPicPr>
+          <p:nvPr/>
+        </p:nvPicPr>
+        <p:blipFill>
+          <a:blip r:embed="rId2">
+            <a:extLst>
+              <a:ext uri="{28A0092B-C50C-407E-A947-70E740481C1C}">
+                <a14:useLocalDpi xmlns:a14="http://schemas.microsoft.com/office/drawing/2010/main" val="0"/>
+              </a:ext>
+            </a:extLst>
+          </a:blip>
+          <a:stretch>
+            <a:fillRect/>
+          </a:stretch>
+        </p:blipFill>
+        <p:spPr>
+          <a:xfrm>
+            <a:off x="0" y="0"/>
+            <a:ext cx="12192000" cy="6858000"/>
+          </a:xfrm>
+          <a:prstGeom prst="rect">
+            <a:avLst/>
+          </a:prstGeom>
+        </p:spPr>
+      </p:pic>
+      <p:pic>
+        <p:nvPicPr>
+          <p:cNvPr id="5" name="Picture 2" descr="\\WOOLEYHOMESVR\Photos\MVP_Logo_Kit\MVP Logo Kit\MVP_FullColor_ForScreen.png"/>
+          <p:cNvPicPr>
+            <a:picLocks noChangeAspect="1" noChangeArrowheads="1"/>
+          </p:cNvPicPr>
+          <p:nvPr/>
+        </p:nvPicPr>
+        <p:blipFill>
+          <a:blip r:embed="rId3" cstate="print">
+            <a:extLst>
+              <a:ext uri="{28A0092B-C50C-407E-A947-70E740481C1C}">
+                <a14:useLocalDpi xmlns:a14="http://schemas.microsoft.com/office/drawing/2010/main" val="0"/>
+              </a:ext>
+            </a:extLst>
+          </a:blip>
+          <a:srcRect/>
+          <a:stretch>
+            <a:fillRect/>
+          </a:stretch>
+        </p:blipFill>
+        <p:spPr bwMode="auto">
+          <a:xfrm>
+            <a:off x="10961040" y="12555"/>
+            <a:ext cx="1230960" cy="1931970"/>
+          </a:xfrm>
+          <a:prstGeom prst="rect">
+            <a:avLst/>
+          </a:prstGeom>
+          <a:noFill/>
+          <a:extLst>
+            <a:ext uri="{909E8E84-426E-40DD-AFC4-6F175D3DCCD1}">
+              <a14:hiddenFill xmlns:a14="http://schemas.microsoft.com/office/drawing/2010/main">
+                <a:solidFill>
+                  <a:srgbClr val="FFFFFF"/>
+                </a:solidFill>
+              </a14:hiddenFill>
+            </a:ext>
+          </a:extLst>
+        </p:spPr>
+      </p:pic>
+      <p:pic>
+        <p:nvPicPr>
+          <p:cNvPr id="6" name="Picture 3" descr="\\WOOLEYHOMESVR\Photos\Misc Jims Pictures\LinqInActionCover.jpg"/>
+          <p:cNvPicPr>
+            <a:picLocks noChangeAspect="1" noChangeArrowheads="1"/>
+          </p:cNvPicPr>
+          <p:nvPr/>
+        </p:nvPicPr>
+        <p:blipFill>
+          <a:blip r:embed="rId4">
+            <a:extLst>
+              <a:ext uri="{28A0092B-C50C-407E-A947-70E740481C1C}">
+                <a14:useLocalDpi xmlns:a14="http://schemas.microsoft.com/office/drawing/2010/main" val="0"/>
+              </a:ext>
+            </a:extLst>
+          </a:blip>
+          <a:srcRect/>
+          <a:stretch>
+            <a:fillRect/>
+          </a:stretch>
+        </p:blipFill>
+        <p:spPr bwMode="auto">
+          <a:xfrm>
+            <a:off x="9360840" y="12555"/>
+            <a:ext cx="1600200" cy="2005584"/>
+          </a:xfrm>
+          <a:prstGeom prst="rect">
+            <a:avLst/>
+          </a:prstGeom>
+          <a:noFill/>
+          <a:extLst>
+            <a:ext uri="{909E8E84-426E-40DD-AFC4-6F175D3DCCD1}">
+              <a14:hiddenFill xmlns:a14="http://schemas.microsoft.com/office/drawing/2010/main">
+                <a:solidFill>
+                  <a:srgbClr val="FFFFFF"/>
+                </a:solidFill>
+              </a14:hiddenFill>
+            </a:ext>
+          </a:extLst>
+        </p:spPr>
+      </p:pic>
+      <p:sp>
+        <p:nvSpPr>
+          <p:cNvPr id="7" name="Subtitle 2"/>
+          <p:cNvSpPr txBox="1">
+            <a:spLocks/>
+          </p:cNvSpPr>
+          <p:nvPr/>
+        </p:nvSpPr>
+        <p:spPr>
+          <a:xfrm>
+            <a:off x="76200" y="5410642"/>
+            <a:ext cx="2895600" cy="1368798"/>
+          </a:xfrm>
+          <a:prstGeom prst="rect">
+            <a:avLst/>
+          </a:prstGeom>
+        </p:spPr>
+        <p:style>
+          <a:lnRef idx="0">
+            <a:schemeClr val="dk1"/>
+          </a:lnRef>
+          <a:fillRef idx="3">
+            <a:schemeClr val="dk1"/>
+          </a:fillRef>
+          <a:effectRef idx="3">
+            <a:schemeClr val="dk1"/>
+          </a:effectRef>
+          <a:fontRef idx="minor">
+            <a:schemeClr val="lt1"/>
+          </a:fontRef>
+        </p:style>
+        <p:txBody>
+          <a:bodyPr vert="horz" lIns="91440" tIns="45720" rIns="91440" bIns="45720" rtlCol="0">
+            <a:normAutofit/>
+          </a:bodyPr>
+          <a:lstStyle>
+            <a:lvl1pPr marL="0" indent="0" algn="l" defTabSz="914400" rtl="0" eaLnBrk="1" latinLnBrk="0" hangingPunct="1">
+              <a:spcBef>
+                <a:spcPct val="20000"/>
+              </a:spcBef>
+              <a:buClr>
+                <a:schemeClr val="accent1">
+                  <a:lumMod val="60000"/>
+                  <a:lumOff val="40000"/>
+                </a:schemeClr>
+              </a:buClr>
+              <a:buFont typeface="Arial" pitchFamily="34" charset="0"/>
+              <a:buNone/>
+              <a:defRPr sz="2200" kern="1200">
+                <a:solidFill>
+                  <a:srgbClr val="FFFFFF"/>
+                </a:solidFill>
+                <a:latin typeface="+mn-lt"/>
+                <a:ea typeface="+mn-ea"/>
+                <a:cs typeface="+mn-cs"/>
+              </a:defRPr>
+            </a:lvl1pPr>
+            <a:lvl2pPr marL="457200" indent="0" algn="ctr" defTabSz="914400" rtl="0" eaLnBrk="1" latinLnBrk="0" hangingPunct="1">
+              <a:spcBef>
+                <a:spcPct val="20000"/>
+              </a:spcBef>
+              <a:buClr>
+                <a:schemeClr val="accent1">
+                  <a:lumMod val="60000"/>
+                  <a:lumOff val="40000"/>
+                </a:schemeClr>
+              </a:buClr>
+              <a:buFont typeface="Arial" pitchFamily="34" charset="0"/>
+              <a:buNone/>
+              <a:defRPr sz="2000" kern="1200">
+                <a:solidFill>
+                  <a:schemeClr val="tx1">
+                    <a:tint val="75000"/>
+                  </a:schemeClr>
+                </a:solidFill>
+                <a:latin typeface="+mn-lt"/>
+                <a:ea typeface="+mn-ea"/>
+                <a:cs typeface="+mn-cs"/>
+              </a:defRPr>
+            </a:lvl2pPr>
+            <a:lvl3pPr marL="914400" indent="0" algn="ctr" defTabSz="914400" rtl="0" eaLnBrk="1" latinLnBrk="0" hangingPunct="1">
+              <a:spcBef>
+                <a:spcPct val="20000"/>
+              </a:spcBef>
+              <a:buClr>
+                <a:schemeClr val="accent2"/>
+              </a:buClr>
+              <a:buFont typeface="Arial" pitchFamily="34" charset="0"/>
+              <a:buNone/>
+              <a:defRPr sz="2000" kern="1200">
+                <a:solidFill>
+                  <a:schemeClr val="tx1">
+                    <a:tint val="75000"/>
+                  </a:schemeClr>
+                </a:solidFill>
+                <a:latin typeface="+mn-lt"/>
+                <a:ea typeface="+mn-ea"/>
+                <a:cs typeface="+mn-cs"/>
+              </a:defRPr>
+            </a:lvl3pPr>
+            <a:lvl4pPr marL="1371600" indent="0" algn="ctr" defTabSz="914400" rtl="0" eaLnBrk="1" latinLnBrk="0" hangingPunct="1">
+              <a:spcBef>
+                <a:spcPct val="20000"/>
+              </a:spcBef>
+              <a:buClr>
+                <a:schemeClr val="accent3"/>
+              </a:buClr>
+              <a:buFont typeface="Arial" pitchFamily="34" charset="0"/>
+              <a:buNone/>
+              <a:defRPr sz="1800" kern="1200">
+                <a:solidFill>
+                  <a:schemeClr val="tx1">
+                    <a:tint val="75000"/>
+                  </a:schemeClr>
+                </a:solidFill>
+                <a:latin typeface="+mn-lt"/>
+                <a:ea typeface="+mn-ea"/>
+                <a:cs typeface="+mn-cs"/>
+              </a:defRPr>
+            </a:lvl4pPr>
+            <a:lvl5pPr marL="1828800" indent="0" algn="ctr" defTabSz="914400" rtl="0" eaLnBrk="1" latinLnBrk="0" hangingPunct="1">
+              <a:spcBef>
+                <a:spcPct val="20000"/>
+              </a:spcBef>
+              <a:buClr>
+                <a:schemeClr val="accent4"/>
+              </a:buClr>
+              <a:buFont typeface="Arial" pitchFamily="34" charset="0"/>
+              <a:buNone/>
+              <a:defRPr sz="1600" kern="1200" baseline="0">
+                <a:solidFill>
+                  <a:schemeClr val="tx1">
+                    <a:tint val="75000"/>
+                  </a:schemeClr>
+                </a:solidFill>
+                <a:latin typeface="+mn-lt"/>
+                <a:ea typeface="+mn-ea"/>
+                <a:cs typeface="+mn-cs"/>
+              </a:defRPr>
+            </a:lvl5pPr>
+            <a:lvl6pPr marL="2286000" indent="0" algn="ctr" defTabSz="914400" rtl="0" eaLnBrk="1" latinLnBrk="0" hangingPunct="1">
+              <a:spcBef>
+                <a:spcPct val="20000"/>
+              </a:spcBef>
+              <a:buClr>
+                <a:schemeClr val="accent5"/>
+              </a:buClr>
+              <a:buFont typeface="Arial" pitchFamily="34" charset="0"/>
+              <a:buNone/>
+              <a:defRPr sz="1600" kern="1200">
+                <a:solidFill>
+                  <a:schemeClr val="tx1">
+                    <a:tint val="75000"/>
+                  </a:schemeClr>
+                </a:solidFill>
+                <a:latin typeface="+mn-lt"/>
+                <a:ea typeface="+mn-ea"/>
+                <a:cs typeface="+mn-cs"/>
+              </a:defRPr>
+            </a:lvl6pPr>
+            <a:lvl7pPr marL="2743200" indent="0" algn="ctr" defTabSz="914400" rtl="0" eaLnBrk="1" latinLnBrk="0" hangingPunct="1">
+              <a:spcBef>
+                <a:spcPct val="20000"/>
+              </a:spcBef>
+              <a:buClr>
+                <a:schemeClr val="accent6"/>
+              </a:buClr>
+              <a:buFont typeface="Arial" pitchFamily="34" charset="0"/>
+              <a:buNone/>
+              <a:defRPr sz="1600" kern="1200">
+                <a:solidFill>
+                  <a:schemeClr val="tx1">
+                    <a:tint val="75000"/>
+                  </a:schemeClr>
+                </a:solidFill>
+                <a:latin typeface="+mn-lt"/>
+                <a:ea typeface="+mn-ea"/>
+                <a:cs typeface="+mn-cs"/>
+              </a:defRPr>
+            </a:lvl7pPr>
+            <a:lvl8pPr marL="3200400" indent="0" algn="ctr" defTabSz="914400" rtl="0" eaLnBrk="1" latinLnBrk="0" hangingPunct="1">
+              <a:spcBef>
+                <a:spcPct val="20000"/>
+              </a:spcBef>
+              <a:buClr>
+                <a:schemeClr val="accent3"/>
+              </a:buClr>
+              <a:buFont typeface="Arial" pitchFamily="34" charset="0"/>
+              <a:buNone/>
+              <a:defRPr sz="1600" kern="1200">
+                <a:solidFill>
+                  <a:schemeClr val="tx1">
+                    <a:tint val="75000"/>
+                  </a:schemeClr>
+                </a:solidFill>
+                <a:latin typeface="+mn-lt"/>
+                <a:ea typeface="+mn-ea"/>
+                <a:cs typeface="+mn-cs"/>
+              </a:defRPr>
+            </a:lvl8pPr>
+            <a:lvl9pPr marL="3657600" indent="0" algn="ctr" defTabSz="914400" rtl="0" eaLnBrk="1" latinLnBrk="0" hangingPunct="1">
+              <a:spcBef>
+                <a:spcPct val="20000"/>
+              </a:spcBef>
+              <a:buClr>
+                <a:schemeClr val="accent6"/>
+              </a:buClr>
+              <a:buFont typeface="Arial" pitchFamily="34" charset="0"/>
+              <a:buNone/>
+              <a:defRPr sz="1600" kern="1200">
+                <a:solidFill>
+                  <a:schemeClr val="tx1">
+                    <a:tint val="75000"/>
+                  </a:schemeClr>
+                </a:solidFill>
+                <a:latin typeface="+mn-lt"/>
+                <a:ea typeface="+mn-ea"/>
+                <a:cs typeface="+mn-cs"/>
+              </a:defRPr>
+            </a:lvl9pPr>
+          </a:lstStyle>
+          <a:p>
+            <a:pPr algn="r"/>
+            <a:r>
+              <a:rPr lang="en-US" dirty="0"/>
+              <a:t>Jim Wooley</a:t>
+            </a:r>
+          </a:p>
+          <a:p>
+            <a:pPr algn="r"/>
+            <a:r>
+              <a:rPr lang="en-US" dirty="0">
+                <a:hlinkClick r:id="rId5"/>
+              </a:rPr>
+              <a:t>www.ThinqLinq.com</a:t>
+            </a:r>
+            <a:endParaRPr lang="en-US" dirty="0"/>
+          </a:p>
+          <a:p>
+            <a:pPr algn="r"/>
+            <a:r>
+              <a:rPr lang="en-US" dirty="0"/>
+              <a:t>Twitter: @</a:t>
+            </a:r>
+            <a:r>
+              <a:rPr lang="en-US" dirty="0" err="1"/>
+              <a:t>JimWooley</a:t>
+            </a:r>
+            <a:endParaRPr lang="en-US" dirty="0"/>
+          </a:p>
+        </p:txBody>
+      </p:sp>
+      <p:sp>
+        <p:nvSpPr>
+          <p:cNvPr id="11" name="Title 1"/>
+          <p:cNvSpPr>
+            <a:spLocks noGrp="1"/>
+          </p:cNvSpPr>
+          <p:nvPr>
+            <p:ph type="ctrTitle"/>
+          </p:nvPr>
+        </p:nvSpPr>
+        <p:spPr>
+          <a:xfrm>
+            <a:off x="2590800" y="2133600"/>
+            <a:ext cx="7848600" cy="2362200"/>
+          </a:xfrm>
+          <a:solidFill>
+            <a:srgbClr val="000000">
+              <a:alpha val="69804"/>
+            </a:srgbClr>
+          </a:solidFill>
+          <a:effectLst>
+            <a:softEdge rad="63500"/>
+          </a:effectLst>
+        </p:spPr>
+        <p:style>
+          <a:lnRef idx="1">
+            <a:schemeClr val="accent1"/>
+          </a:lnRef>
+          <a:fillRef idx="2">
+            <a:schemeClr val="accent1"/>
+          </a:fillRef>
+          <a:effectRef idx="1">
+            <a:schemeClr val="accent1"/>
+          </a:effectRef>
+          <a:fontRef idx="minor">
+            <a:schemeClr val="dk1"/>
+          </a:fontRef>
+        </p:style>
+        <p:txBody>
+          <a:bodyPr anchor="ctr">
+            <a:normAutofit fontScale="90000"/>
+          </a:bodyPr>
+          <a:lstStyle/>
+          <a:p>
+            <a:pPr algn="ctr"/>
+            <a:r>
+              <a:rPr lang="en-US" cap="small" dirty="0" err="1">
+                <a:solidFill>
+                  <a:schemeClr val="tx1"/>
+                </a:solidFill>
+              </a:rPr>
+              <a:t>.Net</a:t>
+            </a:r>
+            <a:r>
+              <a:rPr lang="en-US" cap="small" dirty="0">
+                <a:solidFill>
+                  <a:schemeClr val="tx1"/>
+                </a:solidFill>
+              </a:rPr>
+              <a:t> Compiler Platform</a:t>
+            </a:r>
+            <a:br>
+              <a:rPr lang="en-US" cap="small" dirty="0">
+                <a:solidFill>
+                  <a:schemeClr val="tx1"/>
+                </a:solidFill>
+              </a:rPr>
+            </a:br>
+            <a:r>
+              <a:rPr lang="en-US" cap="small" dirty="0">
+                <a:solidFill>
+                  <a:schemeClr val="tx1"/>
+                </a:solidFill>
+              </a:rPr>
+              <a:t>(Roslyn)</a:t>
+            </a:r>
+            <a:br>
+              <a:rPr lang="en-US" cap="small" dirty="0">
+                <a:solidFill>
+                  <a:schemeClr val="tx1"/>
+                </a:solidFill>
+              </a:rPr>
+            </a:br>
+            <a:r>
+              <a:rPr lang="en-US" cap="small" dirty="0">
+                <a:solidFill>
+                  <a:schemeClr val="tx1"/>
+                </a:solidFill>
+              </a:rPr>
+              <a:t>And You</a:t>
+            </a:r>
+            <a:br>
+              <a:rPr lang="en-US" cap="small" dirty="0">
+                <a:solidFill>
+                  <a:schemeClr val="tx1"/>
+                </a:solidFill>
+              </a:rPr>
+            </a:br>
+            <a:r>
+              <a:rPr lang="en-US" sz="2200" dirty="0">
+                <a:solidFill>
+                  <a:schemeClr val="tx1"/>
+                </a:solidFill>
+                <a:latin typeface="Segoe UI" panose="020B0502040204020203" pitchFamily="34" charset="0"/>
+                <a:hlinkClick r:id="rId6"/>
+              </a:rPr>
+              <a:t>https://github.com/jwooley/RoslynAndYou</a:t>
+            </a:r>
+            <a:br>
+              <a:rPr lang="en-US" sz="2200" dirty="0">
+                <a:solidFill>
+                  <a:schemeClr val="tx1"/>
+                </a:solidFill>
+                <a:latin typeface="Segoe UI" panose="020B0502040204020203" pitchFamily="34" charset="0"/>
+              </a:rPr>
+            </a:br>
+            <a:r>
+              <a:rPr lang="en-US" sz="2400" dirty="0">
+                <a:solidFill>
+                  <a:schemeClr val="tx1"/>
+                </a:solidFill>
+                <a:hlinkClick r:id="rId7"/>
+              </a:rPr>
+              <a:t>https://jwooley.github.io</a:t>
+            </a:r>
+            <a:r>
+              <a:rPr lang="en-US" sz="2400" cap="small" dirty="0">
+                <a:solidFill>
+                  <a:schemeClr val="tx1"/>
+                </a:solidFill>
+                <a:hlinkClick r:id="rId7"/>
+              </a:rPr>
+              <a:t>/</a:t>
+            </a:r>
+            <a:endParaRPr lang="en-US" sz="2200" cap="small" dirty="0">
+              <a:solidFill>
+                <a:schemeClr val="tx1"/>
+              </a:solidFill>
+            </a:endParaRPr>
+          </a:p>
+        </p:txBody>
+      </p:sp>
+    </p:spTree>
+    <p:extLst>
+      <p:ext uri="{BB962C8B-B14F-4D97-AF65-F5344CB8AC3E}">
+        <p14:creationId xmlns:p14="http://schemas.microsoft.com/office/powerpoint/2010/main" val="2613547704"/>
+      </p:ext>
+    </p:extLst>
+  </p:cSld>
+  <p:clrMapOvr>
+    <a:masterClrMapping/>
+  </p:clrMapOvr>
+</p:sld>
+</file>
+
 <file path=ppt/slides/slide2.xml><?xml version="1.0" encoding="utf-8"?>
 <p:sld xmlns:a="http://schemas.openxmlformats.org/drawingml/2006/main" xmlns:r="http://schemas.openxmlformats.org/officeDocument/2006/relationships" xmlns:p="http://schemas.openxmlformats.org/presentationml/2006/main">
   <p:cSld>
@@ -17856,7 +18393,7 @@
           <a:graphicData uri="http://schemas.openxmlformats.org/presentationml/2006/ole">
             <mc:AlternateContent xmlns:mc="http://schemas.openxmlformats.org/markup-compatibility/2006">
               <mc:Choice xmlns:v="urn:schemas-microsoft-com:vml" Requires="v">
-                <p:oleObj spid="_x0000_s1028" r:id="rId3" imgW="11694960" imgH="9847440" progId="">
+                <p:oleObj spid="_x0000_s1029" r:id="rId3" imgW="11694960" imgH="9847440" progId="">
                   <p:embed/>
                 </p:oleObj>
               </mc:Choice>
@@ -25577,6 +26114,86 @@
       </p:grpSpPr>
       <p:sp>
         <p:nvSpPr>
+          <p:cNvPr id="2" name="Title 1">
+            <a:extLst>
+              <a:ext uri="{FF2B5EF4-FFF2-40B4-BE49-F238E27FC236}">
+                <a16:creationId xmlns:a16="http://schemas.microsoft.com/office/drawing/2014/main" id="{F193A8D0-CF8E-4923-BF65-4AF4D47116B9}"/>
+              </a:ext>
+            </a:extLst>
+          </p:cNvPr>
+          <p:cNvSpPr>
+            <a:spLocks noGrp="1"/>
+          </p:cNvSpPr>
+          <p:nvPr>
+            <p:ph type="title"/>
+          </p:nvPr>
+        </p:nvSpPr>
+        <p:spPr/>
+        <p:txBody>
+          <a:bodyPr/>
+          <a:lstStyle/>
+          <a:p>
+            <a:endParaRPr lang="en-US"/>
+          </a:p>
+        </p:txBody>
+      </p:sp>
+      <p:sp>
+        <p:nvSpPr>
+          <p:cNvPr id="3" name="Content Placeholder 2">
+            <a:extLst>
+              <a:ext uri="{FF2B5EF4-FFF2-40B4-BE49-F238E27FC236}">
+                <a16:creationId xmlns:a16="http://schemas.microsoft.com/office/drawing/2014/main" id="{C1E52E38-E0EE-45D9-B4A8-AFF2F4183D9A}"/>
+              </a:ext>
+            </a:extLst>
+          </p:cNvPr>
+          <p:cNvSpPr>
+            <a:spLocks noGrp="1"/>
+          </p:cNvSpPr>
+          <p:nvPr>
+            <p:ph idx="1"/>
+          </p:nvPr>
+        </p:nvSpPr>
+        <p:spPr/>
+        <p:txBody>
+          <a:bodyPr/>
+          <a:lstStyle/>
+          <a:p>
+            <a:endParaRPr lang="en-US"/>
+          </a:p>
+        </p:txBody>
+      </p:sp>
+    </p:spTree>
+    <p:extLst>
+      <p:ext uri="{BB962C8B-B14F-4D97-AF65-F5344CB8AC3E}">
+        <p14:creationId xmlns:p14="http://schemas.microsoft.com/office/powerpoint/2010/main" val="4078815954"/>
+      </p:ext>
+    </p:extLst>
+  </p:cSld>
+  <p:clrMapOvr>
+    <a:masterClrMapping/>
+  </p:clrMapOvr>
+</p:sld>
+</file>
+
+<file path=ppt/slides/slide7.xml><?xml version="1.0" encoding="utf-8"?>
+<p:sld xmlns:a="http://schemas.openxmlformats.org/drawingml/2006/main" xmlns:r="http://schemas.openxmlformats.org/officeDocument/2006/relationships" xmlns:p="http://schemas.openxmlformats.org/presentationml/2006/main">
+  <p:cSld>
+    <p:spTree>
+      <p:nvGrpSpPr>
+        <p:cNvPr id="1" name=""/>
+        <p:cNvGrpSpPr/>
+        <p:nvPr/>
+      </p:nvGrpSpPr>
+      <p:grpSpPr>
+        <a:xfrm>
+          <a:off x="0" y="0"/>
+          <a:ext cx="0" cy="0"/>
+          <a:chOff x="0" y="0"/>
+          <a:chExt cx="0" cy="0"/>
+        </a:xfrm>
+      </p:grpSpPr>
+      <p:sp>
+        <p:nvSpPr>
           <p:cNvPr id="3" name="Content Placeholder 2"/>
           <p:cNvSpPr>
             <a:spLocks noGrp="1"/>
@@ -27683,7 +28300,7 @@
 </p:sld>
 </file>
 
-<file path=ppt/slides/slide7.xml><?xml version="1.0" encoding="utf-8"?>
+<file path=ppt/slides/slide8.xml><?xml version="1.0" encoding="utf-8"?>
 <p:sld xmlns:a="http://schemas.openxmlformats.org/drawingml/2006/main" xmlns:r="http://schemas.openxmlformats.org/officeDocument/2006/relationships" xmlns:p="http://schemas.openxmlformats.org/presentationml/2006/main">
   <p:cSld>
     <p:spTree>
@@ -27816,7 +28433,7 @@
 </p:sld>
 </file>
 
-<file path=ppt/slides/slide8.xml><?xml version="1.0" encoding="utf-8"?>
+<file path=ppt/slides/slide9.xml><?xml version="1.0" encoding="utf-8"?>
 <p:sld xmlns:a="http://schemas.openxmlformats.org/drawingml/2006/main" xmlns:r="http://schemas.openxmlformats.org/officeDocument/2006/relationships" xmlns:p="http://schemas.openxmlformats.org/presentationml/2006/main">
   <p:cSld>
     <p:spTree>
@@ -28116,542 +28733,6 @@
     <p:extLst>
       <p:ext uri="{BB962C8B-B14F-4D97-AF65-F5344CB8AC3E}">
         <p14:creationId xmlns:p14="http://schemas.microsoft.com/office/powerpoint/2010/main" val="2537536581"/>
-      </p:ext>
-    </p:extLst>
-  </p:cSld>
-  <p:clrMapOvr>
-    <a:masterClrMapping/>
-  </p:clrMapOvr>
-</p:sld>
-</file>
-
-<file path=ppt/slides/slide9.xml><?xml version="1.0" encoding="utf-8"?>
-<p:sld xmlns:a="http://schemas.openxmlformats.org/drawingml/2006/main" xmlns:r="http://schemas.openxmlformats.org/officeDocument/2006/relationships" xmlns:p="http://schemas.openxmlformats.org/presentationml/2006/main">
-  <p:cSld>
-    <p:spTree>
-      <p:nvGrpSpPr>
-        <p:cNvPr id="1" name=""/>
-        <p:cNvGrpSpPr/>
-        <p:nvPr/>
-      </p:nvGrpSpPr>
-      <p:grpSpPr>
-        <a:xfrm>
-          <a:off x="0" y="0"/>
-          <a:ext cx="0" cy="0"/>
-          <a:chOff x="0" y="0"/>
-          <a:chExt cx="0" cy="0"/>
-        </a:xfrm>
-      </p:grpSpPr>
-      <p:pic>
-        <p:nvPicPr>
-          <p:cNvPr id="4" name="Picture 3"/>
-          <p:cNvPicPr>
-            <a:picLocks noChangeAspect="1"/>
-          </p:cNvPicPr>
-          <p:nvPr/>
-        </p:nvPicPr>
-        <p:blipFill>
-          <a:blip r:embed="rId2">
-            <a:extLst>
-              <a:ext uri="{28A0092B-C50C-407E-A947-70E740481C1C}">
-                <a14:useLocalDpi xmlns:a14="http://schemas.microsoft.com/office/drawing/2010/main" val="0"/>
-              </a:ext>
-            </a:extLst>
-          </a:blip>
-          <a:stretch>
-            <a:fillRect/>
-          </a:stretch>
-        </p:blipFill>
-        <p:spPr>
-          <a:xfrm>
-            <a:off x="0" y="0"/>
-            <a:ext cx="12192000" cy="6858000"/>
-          </a:xfrm>
-          <a:prstGeom prst="rect">
-            <a:avLst/>
-          </a:prstGeom>
-        </p:spPr>
-      </p:pic>
-      <p:pic>
-        <p:nvPicPr>
-          <p:cNvPr id="5" name="Picture 2" descr="\\WOOLEYHOMESVR\Photos\MVP_Logo_Kit\MVP Logo Kit\MVP_FullColor_ForScreen.png"/>
-          <p:cNvPicPr>
-            <a:picLocks noChangeAspect="1" noChangeArrowheads="1"/>
-          </p:cNvPicPr>
-          <p:nvPr/>
-        </p:nvPicPr>
-        <p:blipFill>
-          <a:blip r:embed="rId3" cstate="print">
-            <a:extLst>
-              <a:ext uri="{28A0092B-C50C-407E-A947-70E740481C1C}">
-                <a14:useLocalDpi xmlns:a14="http://schemas.microsoft.com/office/drawing/2010/main" val="0"/>
-              </a:ext>
-            </a:extLst>
-          </a:blip>
-          <a:srcRect/>
-          <a:stretch>
-            <a:fillRect/>
-          </a:stretch>
-        </p:blipFill>
-        <p:spPr bwMode="auto">
-          <a:xfrm>
-            <a:off x="10961040" y="12555"/>
-            <a:ext cx="1230960" cy="1931970"/>
-          </a:xfrm>
-          <a:prstGeom prst="rect">
-            <a:avLst/>
-          </a:prstGeom>
-          <a:noFill/>
-          <a:extLst>
-            <a:ext uri="{909E8E84-426E-40DD-AFC4-6F175D3DCCD1}">
-              <a14:hiddenFill xmlns:a14="http://schemas.microsoft.com/office/drawing/2010/main">
-                <a:solidFill>
-                  <a:srgbClr val="FFFFFF"/>
-                </a:solidFill>
-              </a14:hiddenFill>
-            </a:ext>
-          </a:extLst>
-        </p:spPr>
-      </p:pic>
-      <p:pic>
-        <p:nvPicPr>
-          <p:cNvPr id="6" name="Picture 3" descr="\\WOOLEYHOMESVR\Photos\Misc Jims Pictures\LinqInActionCover.jpg"/>
-          <p:cNvPicPr>
-            <a:picLocks noChangeAspect="1" noChangeArrowheads="1"/>
-          </p:cNvPicPr>
-          <p:nvPr/>
-        </p:nvPicPr>
-        <p:blipFill>
-          <a:blip r:embed="rId4">
-            <a:extLst>
-              <a:ext uri="{28A0092B-C50C-407E-A947-70E740481C1C}">
-                <a14:useLocalDpi xmlns:a14="http://schemas.microsoft.com/office/drawing/2010/main" val="0"/>
-              </a:ext>
-            </a:extLst>
-          </a:blip>
-          <a:srcRect/>
-          <a:stretch>
-            <a:fillRect/>
-          </a:stretch>
-        </p:blipFill>
-        <p:spPr bwMode="auto">
-          <a:xfrm>
-            <a:off x="9360840" y="12555"/>
-            <a:ext cx="1600200" cy="2005584"/>
-          </a:xfrm>
-          <a:prstGeom prst="rect">
-            <a:avLst/>
-          </a:prstGeom>
-          <a:noFill/>
-          <a:extLst>
-            <a:ext uri="{909E8E84-426E-40DD-AFC4-6F175D3DCCD1}">
-              <a14:hiddenFill xmlns:a14="http://schemas.microsoft.com/office/drawing/2010/main">
-                <a:solidFill>
-                  <a:srgbClr val="FFFFFF"/>
-                </a:solidFill>
-              </a14:hiddenFill>
-            </a:ext>
-          </a:extLst>
-        </p:spPr>
-      </p:pic>
-      <p:sp>
-        <p:nvSpPr>
-          <p:cNvPr id="7" name="Subtitle 2"/>
-          <p:cNvSpPr txBox="1">
-            <a:spLocks/>
-          </p:cNvSpPr>
-          <p:nvPr/>
-        </p:nvSpPr>
-        <p:spPr>
-          <a:xfrm>
-            <a:off x="76200" y="5410642"/>
-            <a:ext cx="2895600" cy="1368798"/>
-          </a:xfrm>
-          <a:prstGeom prst="rect">
-            <a:avLst/>
-          </a:prstGeom>
-        </p:spPr>
-        <p:style>
-          <a:lnRef idx="0">
-            <a:schemeClr val="dk1"/>
-          </a:lnRef>
-          <a:fillRef idx="3">
-            <a:schemeClr val="dk1"/>
-          </a:fillRef>
-          <a:effectRef idx="3">
-            <a:schemeClr val="dk1"/>
-          </a:effectRef>
-          <a:fontRef idx="minor">
-            <a:schemeClr val="lt1"/>
-          </a:fontRef>
-        </p:style>
-        <p:txBody>
-          <a:bodyPr vert="horz" lIns="91440" tIns="45720" rIns="91440" bIns="45720" rtlCol="0">
-            <a:normAutofit/>
-          </a:bodyPr>
-          <a:lstStyle>
-            <a:lvl1pPr marL="0" indent="0" algn="l" defTabSz="914400" rtl="0" eaLnBrk="1" latinLnBrk="0" hangingPunct="1">
-              <a:spcBef>
-                <a:spcPct val="20000"/>
-              </a:spcBef>
-              <a:buClr>
-                <a:schemeClr val="accent1">
-                  <a:lumMod val="60000"/>
-                  <a:lumOff val="40000"/>
-                </a:schemeClr>
-              </a:buClr>
-              <a:buFont typeface="Arial" pitchFamily="34" charset="0"/>
-              <a:buNone/>
-              <a:defRPr sz="2200" kern="1200">
-                <a:solidFill>
-                  <a:srgbClr val="FFFFFF"/>
-                </a:solidFill>
-                <a:latin typeface="+mn-lt"/>
-                <a:ea typeface="+mn-ea"/>
-                <a:cs typeface="+mn-cs"/>
-              </a:defRPr>
-            </a:lvl1pPr>
-            <a:lvl2pPr marL="457200" indent="0" algn="ctr" defTabSz="914400" rtl="0" eaLnBrk="1" latinLnBrk="0" hangingPunct="1">
-              <a:spcBef>
-                <a:spcPct val="20000"/>
-              </a:spcBef>
-              <a:buClr>
-                <a:schemeClr val="accent1">
-                  <a:lumMod val="60000"/>
-                  <a:lumOff val="40000"/>
-                </a:schemeClr>
-              </a:buClr>
-              <a:buFont typeface="Arial" pitchFamily="34" charset="0"/>
-              <a:buNone/>
-              <a:defRPr sz="2000" kern="1200">
-                <a:solidFill>
-                  <a:schemeClr val="tx1">
-                    <a:tint val="75000"/>
-                  </a:schemeClr>
-                </a:solidFill>
-                <a:latin typeface="+mn-lt"/>
-                <a:ea typeface="+mn-ea"/>
-                <a:cs typeface="+mn-cs"/>
-              </a:defRPr>
-            </a:lvl2pPr>
-            <a:lvl3pPr marL="914400" indent="0" algn="ctr" defTabSz="914400" rtl="0" eaLnBrk="1" latinLnBrk="0" hangingPunct="1">
-              <a:spcBef>
-                <a:spcPct val="20000"/>
-              </a:spcBef>
-              <a:buClr>
-                <a:schemeClr val="accent2"/>
-              </a:buClr>
-              <a:buFont typeface="Arial" pitchFamily="34" charset="0"/>
-              <a:buNone/>
-              <a:defRPr sz="2000" kern="1200">
-                <a:solidFill>
-                  <a:schemeClr val="tx1">
-                    <a:tint val="75000"/>
-                  </a:schemeClr>
-                </a:solidFill>
-                <a:latin typeface="+mn-lt"/>
-                <a:ea typeface="+mn-ea"/>
-                <a:cs typeface="+mn-cs"/>
-              </a:defRPr>
-            </a:lvl3pPr>
-            <a:lvl4pPr marL="1371600" indent="0" algn="ctr" defTabSz="914400" rtl="0" eaLnBrk="1" latinLnBrk="0" hangingPunct="1">
-              <a:spcBef>
-                <a:spcPct val="20000"/>
-              </a:spcBef>
-              <a:buClr>
-                <a:schemeClr val="accent3"/>
-              </a:buClr>
-              <a:buFont typeface="Arial" pitchFamily="34" charset="0"/>
-              <a:buNone/>
-              <a:defRPr sz="1800" kern="1200">
-                <a:solidFill>
-                  <a:schemeClr val="tx1">
-                    <a:tint val="75000"/>
-                  </a:schemeClr>
-                </a:solidFill>
-                <a:latin typeface="+mn-lt"/>
-                <a:ea typeface="+mn-ea"/>
-                <a:cs typeface="+mn-cs"/>
-              </a:defRPr>
-            </a:lvl4pPr>
-            <a:lvl5pPr marL="1828800" indent="0" algn="ctr" defTabSz="914400" rtl="0" eaLnBrk="1" latinLnBrk="0" hangingPunct="1">
-              <a:spcBef>
-                <a:spcPct val="20000"/>
-              </a:spcBef>
-              <a:buClr>
-                <a:schemeClr val="accent4"/>
-              </a:buClr>
-              <a:buFont typeface="Arial" pitchFamily="34" charset="0"/>
-              <a:buNone/>
-              <a:defRPr sz="1600" kern="1200" baseline="0">
-                <a:solidFill>
-                  <a:schemeClr val="tx1">
-                    <a:tint val="75000"/>
-                  </a:schemeClr>
-                </a:solidFill>
-                <a:latin typeface="+mn-lt"/>
-                <a:ea typeface="+mn-ea"/>
-                <a:cs typeface="+mn-cs"/>
-              </a:defRPr>
-            </a:lvl5pPr>
-            <a:lvl6pPr marL="2286000" indent="0" algn="ctr" defTabSz="914400" rtl="0" eaLnBrk="1" latinLnBrk="0" hangingPunct="1">
-              <a:spcBef>
-                <a:spcPct val="20000"/>
-              </a:spcBef>
-              <a:buClr>
-                <a:schemeClr val="accent5"/>
-              </a:buClr>
-              <a:buFont typeface="Arial" pitchFamily="34" charset="0"/>
-              <a:buNone/>
-              <a:defRPr sz="1600" kern="1200">
-                <a:solidFill>
-                  <a:schemeClr val="tx1">
-                    <a:tint val="75000"/>
-                  </a:schemeClr>
-                </a:solidFill>
-                <a:latin typeface="+mn-lt"/>
-                <a:ea typeface="+mn-ea"/>
-                <a:cs typeface="+mn-cs"/>
-              </a:defRPr>
-            </a:lvl6pPr>
-            <a:lvl7pPr marL="2743200" indent="0" algn="ctr" defTabSz="914400" rtl="0" eaLnBrk="1" latinLnBrk="0" hangingPunct="1">
-              <a:spcBef>
-                <a:spcPct val="20000"/>
-              </a:spcBef>
-              <a:buClr>
-                <a:schemeClr val="accent6"/>
-              </a:buClr>
-              <a:buFont typeface="Arial" pitchFamily="34" charset="0"/>
-              <a:buNone/>
-              <a:defRPr sz="1600" kern="1200">
-                <a:solidFill>
-                  <a:schemeClr val="tx1">
-                    <a:tint val="75000"/>
-                  </a:schemeClr>
-                </a:solidFill>
-                <a:latin typeface="+mn-lt"/>
-                <a:ea typeface="+mn-ea"/>
-                <a:cs typeface="+mn-cs"/>
-              </a:defRPr>
-            </a:lvl7pPr>
-            <a:lvl8pPr marL="3200400" indent="0" algn="ctr" defTabSz="914400" rtl="0" eaLnBrk="1" latinLnBrk="0" hangingPunct="1">
-              <a:spcBef>
-                <a:spcPct val="20000"/>
-              </a:spcBef>
-              <a:buClr>
-                <a:schemeClr val="accent3"/>
-              </a:buClr>
-              <a:buFont typeface="Arial" pitchFamily="34" charset="0"/>
-              <a:buNone/>
-              <a:defRPr sz="1600" kern="1200">
-                <a:solidFill>
-                  <a:schemeClr val="tx1">
-                    <a:tint val="75000"/>
-                  </a:schemeClr>
-                </a:solidFill>
-                <a:latin typeface="+mn-lt"/>
-                <a:ea typeface="+mn-ea"/>
-                <a:cs typeface="+mn-cs"/>
-              </a:defRPr>
-            </a:lvl8pPr>
-            <a:lvl9pPr marL="3657600" indent="0" algn="ctr" defTabSz="914400" rtl="0" eaLnBrk="1" latinLnBrk="0" hangingPunct="1">
-              <a:spcBef>
-                <a:spcPct val="20000"/>
-              </a:spcBef>
-              <a:buClr>
-                <a:schemeClr val="accent6"/>
-              </a:buClr>
-              <a:buFont typeface="Arial" pitchFamily="34" charset="0"/>
-              <a:buNone/>
-              <a:defRPr sz="1600" kern="1200">
-                <a:solidFill>
-                  <a:schemeClr val="tx1">
-                    <a:tint val="75000"/>
-                  </a:schemeClr>
-                </a:solidFill>
-                <a:latin typeface="+mn-lt"/>
-                <a:ea typeface="+mn-ea"/>
-                <a:cs typeface="+mn-cs"/>
-              </a:defRPr>
-            </a:lvl9pPr>
-          </a:lstStyle>
-          <a:p>
-            <a:pPr algn="r"/>
-            <a:r>
-              <a:rPr lang="en-US" dirty="0"/>
-              <a:t>Jim Wooley</a:t>
-            </a:r>
-          </a:p>
-          <a:p>
-            <a:pPr algn="r"/>
-            <a:r>
-              <a:rPr lang="en-US" dirty="0">
-                <a:hlinkClick r:id="rId5"/>
-              </a:rPr>
-              <a:t>www.ThinqLinq.com</a:t>
-            </a:r>
-            <a:endParaRPr lang="en-US" dirty="0"/>
-          </a:p>
-          <a:p>
-            <a:pPr algn="r"/>
-            <a:r>
-              <a:rPr lang="en-US" dirty="0"/>
-              <a:t>Twitter: @</a:t>
-            </a:r>
-            <a:r>
-              <a:rPr lang="en-US" dirty="0" err="1"/>
-              <a:t>JimWooley</a:t>
-            </a:r>
-            <a:endParaRPr lang="en-US" dirty="0"/>
-          </a:p>
-        </p:txBody>
-      </p:sp>
-      <p:sp>
-        <p:nvSpPr>
-          <p:cNvPr id="11" name="Title 1"/>
-          <p:cNvSpPr>
-            <a:spLocks noGrp="1"/>
-          </p:cNvSpPr>
-          <p:nvPr>
-            <p:ph type="ctrTitle"/>
-          </p:nvPr>
-        </p:nvSpPr>
-        <p:spPr>
-          <a:xfrm>
-            <a:off x="2590800" y="2133600"/>
-            <a:ext cx="7848600" cy="2362200"/>
-          </a:xfrm>
-          <a:solidFill>
-            <a:srgbClr val="000000">
-              <a:alpha val="69804"/>
-            </a:srgbClr>
-          </a:solidFill>
-          <a:effectLst>
-            <a:softEdge rad="63500"/>
-          </a:effectLst>
-        </p:spPr>
-        <p:style>
-          <a:lnRef idx="1">
-            <a:schemeClr val="accent1"/>
-          </a:lnRef>
-          <a:fillRef idx="2">
-            <a:schemeClr val="accent1"/>
-          </a:fillRef>
-          <a:effectRef idx="1">
-            <a:schemeClr val="accent1"/>
-          </a:effectRef>
-          <a:fontRef idx="minor">
-            <a:schemeClr val="dk1"/>
-          </a:fontRef>
-        </p:style>
-        <p:txBody>
-          <a:bodyPr anchor="ctr">
-            <a:normAutofit fontScale="90000"/>
-          </a:bodyPr>
-          <a:lstStyle/>
-          <a:p>
-            <a:pPr algn="ctr"/>
-            <a:r>
-              <a:rPr lang="en-US" cap="small" dirty="0" err="1">
-                <a:solidFill>
-                  <a:schemeClr val="tx1"/>
-                </a:solidFill>
-              </a:rPr>
-              <a:t>.Net</a:t>
-            </a:r>
-            <a:r>
-              <a:rPr lang="en-US" cap="small" dirty="0">
-                <a:solidFill>
-                  <a:schemeClr val="tx1"/>
-                </a:solidFill>
-              </a:rPr>
-              <a:t> Compiler Platform</a:t>
-            </a:r>
-            <a:br>
-              <a:rPr lang="en-US" cap="small" dirty="0">
-                <a:solidFill>
-                  <a:schemeClr val="tx1"/>
-                </a:solidFill>
-              </a:rPr>
-            </a:br>
-            <a:r>
-              <a:rPr lang="en-US" cap="small" dirty="0">
-                <a:solidFill>
-                  <a:schemeClr val="tx1"/>
-                </a:solidFill>
-              </a:rPr>
-              <a:t>(Roslyn)</a:t>
-            </a:r>
-            <a:br>
-              <a:rPr lang="en-US" cap="small" dirty="0">
-                <a:solidFill>
-                  <a:schemeClr val="tx1"/>
-                </a:solidFill>
-              </a:rPr>
-            </a:br>
-            <a:r>
-              <a:rPr lang="en-US" cap="small" dirty="0">
-                <a:solidFill>
-                  <a:schemeClr val="tx1"/>
-                </a:solidFill>
-              </a:rPr>
-              <a:t>And You</a:t>
-            </a:r>
-            <a:br>
-              <a:rPr lang="en-US" cap="small" dirty="0">
-                <a:solidFill>
-                  <a:schemeClr val="tx1"/>
-                </a:solidFill>
-              </a:rPr>
-            </a:br>
-            <a:r>
-              <a:rPr lang="en-US" sz="2200" dirty="0">
-                <a:solidFill>
-                  <a:schemeClr val="tx1"/>
-                </a:solidFill>
-                <a:latin typeface="Segoe UI" panose="020B0502040204020203" pitchFamily="34" charset="0"/>
-                <a:hlinkClick r:id="rId6"/>
-              </a:rPr>
-              <a:t>https://github.com/jwooley/RoslynAndYou</a:t>
-            </a:r>
-            <a:br>
-              <a:rPr lang="en-US" sz="2200" dirty="0">
-                <a:solidFill>
-                  <a:schemeClr val="tx1"/>
-                </a:solidFill>
-                <a:latin typeface="Segoe UI" panose="020B0502040204020203" pitchFamily="34" charset="0"/>
-              </a:rPr>
-            </a:br>
-            <a:r>
-              <a:rPr lang="en-US" sz="2400" dirty="0">
-                <a:solidFill>
-                  <a:schemeClr val="tx1"/>
-                </a:solidFill>
-                <a:hlinkClick r:id="rId7"/>
-              </a:rPr>
-              <a:t>https://jwooley.github.io</a:t>
-            </a:r>
-            <a:r>
-              <a:rPr lang="en-US" sz="2400" cap="small" dirty="0">
-                <a:solidFill>
-                  <a:schemeClr val="tx1"/>
-                </a:solidFill>
-                <a:hlinkClick r:id="rId7"/>
-              </a:rPr>
-              <a:t>/</a:t>
-            </a:r>
-            <a:endParaRPr lang="en-US" sz="2200" cap="small" dirty="0">
-              <a:solidFill>
-                <a:schemeClr val="tx1"/>
-              </a:solidFill>
-            </a:endParaRPr>
-          </a:p>
-        </p:txBody>
-      </p:sp>
-    </p:spTree>
-    <p:extLst>
-      <p:ext uri="{BB962C8B-B14F-4D97-AF65-F5344CB8AC3E}">
-        <p14:creationId xmlns:p14="http://schemas.microsoft.com/office/powerpoint/2010/main" val="2613547704"/>
       </p:ext>
     </p:extLst>
   </p:cSld>

--- a/CSPastPresentFuture.pptx
+++ b/CSPastPresentFuture.pptx
@@ -5,19 +5,16 @@
     <p:sldMasterId id="2147483672" r:id="rId1"/>
   </p:sldMasterIdLst>
   <p:notesMasterIdLst>
-    <p:notesMasterId r:id="rId12"/>
+    <p:notesMasterId r:id="rId9"/>
   </p:notesMasterIdLst>
   <p:sldIdLst>
     <p:sldId id="286" r:id="rId2"/>
-    <p:sldId id="256" r:id="rId3"/>
-    <p:sldId id="313" r:id="rId4"/>
-    <p:sldId id="308" r:id="rId5"/>
-    <p:sldId id="314" r:id="rId6"/>
-    <p:sldId id="316" r:id="rId7"/>
-    <p:sldId id="310" r:id="rId8"/>
-    <p:sldId id="315" r:id="rId9"/>
-    <p:sldId id="263" r:id="rId10"/>
-    <p:sldId id="287" r:id="rId11"/>
+    <p:sldId id="313" r:id="rId3"/>
+    <p:sldId id="308" r:id="rId4"/>
+    <p:sldId id="314" r:id="rId5"/>
+    <p:sldId id="317" r:id="rId6"/>
+    <p:sldId id="263" r:id="rId7"/>
+    <p:sldId id="287" r:id="rId8"/>
   </p:sldIdLst>
   <p:sldSz cx="12192000" cy="6858000"/>
   <p:notesSz cx="6858000" cy="9144000"/>
@@ -883,6 +880,753 @@
 </file>
 
 <file path=ppt/diagrams/colors2.xml><?xml version="1.0" encoding="utf-8"?>
+<dgm:colorsDef xmlns:dgm="http://schemas.openxmlformats.org/drawingml/2006/diagram" xmlns:a="http://schemas.openxmlformats.org/drawingml/2006/main" uniqueId="urn:microsoft.com/office/officeart/2005/8/colors/accent1_2">
+  <dgm:title val=""/>
+  <dgm:desc val=""/>
+  <dgm:catLst>
+    <dgm:cat type="accent1" pri="11200"/>
+  </dgm:catLst>
+  <dgm:styleLbl name="node0">
+    <dgm:fillClrLst meth="repeat">
+      <a:schemeClr val="accent1"/>
+    </dgm:fillClrLst>
+    <dgm:linClrLst meth="repeat">
+      <a:schemeClr val="lt1"/>
+    </dgm:linClrLst>
+    <dgm:effectClrLst/>
+    <dgm:txLinClrLst/>
+    <dgm:txFillClrLst/>
+    <dgm:txEffectClrLst/>
+  </dgm:styleLbl>
+  <dgm:styleLbl name="alignNode1">
+    <dgm:fillClrLst meth="repeat">
+      <a:schemeClr val="accent1"/>
+    </dgm:fillClrLst>
+    <dgm:linClrLst meth="repeat">
+      <a:schemeClr val="accent1"/>
+    </dgm:linClrLst>
+    <dgm:effectClrLst/>
+    <dgm:txLinClrLst/>
+    <dgm:txFillClrLst/>
+    <dgm:txEffectClrLst/>
+  </dgm:styleLbl>
+  <dgm:styleLbl name="node1">
+    <dgm:fillClrLst meth="repeat">
+      <a:schemeClr val="accent1"/>
+    </dgm:fillClrLst>
+    <dgm:linClrLst meth="repeat">
+      <a:schemeClr val="lt1"/>
+    </dgm:linClrLst>
+    <dgm:effectClrLst/>
+    <dgm:txLinClrLst/>
+    <dgm:txFillClrLst/>
+    <dgm:txEffectClrLst/>
+  </dgm:styleLbl>
+  <dgm:styleLbl name="lnNode1">
+    <dgm:fillClrLst meth="repeat">
+      <a:schemeClr val="accent1"/>
+    </dgm:fillClrLst>
+    <dgm:linClrLst meth="repeat">
+      <a:schemeClr val="lt1"/>
+    </dgm:linClrLst>
+    <dgm:effectClrLst/>
+    <dgm:txLinClrLst/>
+    <dgm:txFillClrLst/>
+    <dgm:txEffectClrLst/>
+  </dgm:styleLbl>
+  <dgm:styleLbl name="vennNode1">
+    <dgm:fillClrLst meth="repeat">
+      <a:schemeClr val="accent1">
+        <a:alpha val="50000"/>
+      </a:schemeClr>
+    </dgm:fillClrLst>
+    <dgm:linClrLst meth="repeat">
+      <a:schemeClr val="lt1"/>
+    </dgm:linClrLst>
+    <dgm:effectClrLst/>
+    <dgm:txLinClrLst/>
+    <dgm:txFillClrLst/>
+    <dgm:txEffectClrLst/>
+  </dgm:styleLbl>
+  <dgm:styleLbl name="node2">
+    <dgm:fillClrLst meth="repeat">
+      <a:schemeClr val="accent1"/>
+    </dgm:fillClrLst>
+    <dgm:linClrLst meth="repeat">
+      <a:schemeClr val="lt1"/>
+    </dgm:linClrLst>
+    <dgm:effectClrLst/>
+    <dgm:txLinClrLst/>
+    <dgm:txFillClrLst/>
+    <dgm:txEffectClrLst/>
+  </dgm:styleLbl>
+  <dgm:styleLbl name="node3">
+    <dgm:fillClrLst meth="repeat">
+      <a:schemeClr val="accent1"/>
+    </dgm:fillClrLst>
+    <dgm:linClrLst meth="repeat">
+      <a:schemeClr val="lt1"/>
+    </dgm:linClrLst>
+    <dgm:effectClrLst/>
+    <dgm:txLinClrLst/>
+    <dgm:txFillClrLst/>
+    <dgm:txEffectClrLst/>
+  </dgm:styleLbl>
+  <dgm:styleLbl name="node4">
+    <dgm:fillClrLst meth="repeat">
+      <a:schemeClr val="accent1"/>
+    </dgm:fillClrLst>
+    <dgm:linClrLst meth="repeat">
+      <a:schemeClr val="lt1"/>
+    </dgm:linClrLst>
+    <dgm:effectClrLst/>
+    <dgm:txLinClrLst/>
+    <dgm:txFillClrLst/>
+    <dgm:txEffectClrLst/>
+  </dgm:styleLbl>
+  <dgm:styleLbl name="fgImgPlace1">
+    <dgm:fillClrLst meth="repeat">
+      <a:schemeClr val="accent1">
+        <a:tint val="50000"/>
+      </a:schemeClr>
+    </dgm:fillClrLst>
+    <dgm:linClrLst meth="repeat">
+      <a:schemeClr val="lt1"/>
+    </dgm:linClrLst>
+    <dgm:effectClrLst/>
+    <dgm:txLinClrLst/>
+    <dgm:txFillClrLst meth="repeat">
+      <a:schemeClr val="lt1"/>
+    </dgm:txFillClrLst>
+    <dgm:txEffectClrLst/>
+  </dgm:styleLbl>
+  <dgm:styleLbl name="alignImgPlace1">
+    <dgm:fillClrLst meth="repeat">
+      <a:schemeClr val="accent1">
+        <a:tint val="50000"/>
+      </a:schemeClr>
+    </dgm:fillClrLst>
+    <dgm:linClrLst meth="repeat">
+      <a:schemeClr val="lt1"/>
+    </dgm:linClrLst>
+    <dgm:effectClrLst/>
+    <dgm:txLinClrLst/>
+    <dgm:txFillClrLst meth="repeat">
+      <a:schemeClr val="lt1"/>
+    </dgm:txFillClrLst>
+    <dgm:txEffectClrLst/>
+  </dgm:styleLbl>
+  <dgm:styleLbl name="bgImgPlace1">
+    <dgm:fillClrLst meth="repeat">
+      <a:schemeClr val="accent1">
+        <a:tint val="50000"/>
+      </a:schemeClr>
+    </dgm:fillClrLst>
+    <dgm:linClrLst meth="repeat">
+      <a:schemeClr val="lt1"/>
+    </dgm:linClrLst>
+    <dgm:effectClrLst/>
+    <dgm:txLinClrLst/>
+    <dgm:txFillClrLst meth="repeat">
+      <a:schemeClr val="lt1"/>
+    </dgm:txFillClrLst>
+    <dgm:txEffectClrLst/>
+  </dgm:styleLbl>
+  <dgm:styleLbl name="sibTrans2D1">
+    <dgm:fillClrLst meth="repeat">
+      <a:schemeClr val="accent1">
+        <a:tint val="60000"/>
+      </a:schemeClr>
+    </dgm:fillClrLst>
+    <dgm:linClrLst meth="repeat">
+      <a:schemeClr val="accent1">
+        <a:tint val="60000"/>
+      </a:schemeClr>
+    </dgm:linClrLst>
+    <dgm:effectClrLst/>
+    <dgm:txLinClrLst/>
+    <dgm:txFillClrLst/>
+    <dgm:txEffectClrLst/>
+  </dgm:styleLbl>
+  <dgm:styleLbl name="fgSibTrans2D1">
+    <dgm:fillClrLst meth="repeat">
+      <a:schemeClr val="accent1">
+        <a:tint val="60000"/>
+      </a:schemeClr>
+    </dgm:fillClrLst>
+    <dgm:linClrLst meth="repeat">
+      <a:schemeClr val="accent1">
+        <a:tint val="60000"/>
+      </a:schemeClr>
+    </dgm:linClrLst>
+    <dgm:effectClrLst/>
+    <dgm:txLinClrLst/>
+    <dgm:txFillClrLst/>
+    <dgm:txEffectClrLst/>
+  </dgm:styleLbl>
+  <dgm:styleLbl name="bgSibTrans2D1">
+    <dgm:fillClrLst meth="repeat">
+      <a:schemeClr val="accent1">
+        <a:tint val="60000"/>
+      </a:schemeClr>
+    </dgm:fillClrLst>
+    <dgm:linClrLst meth="repeat">
+      <a:schemeClr val="accent1">
+        <a:tint val="60000"/>
+      </a:schemeClr>
+    </dgm:linClrLst>
+    <dgm:effectClrLst/>
+    <dgm:txLinClrLst/>
+    <dgm:txFillClrLst/>
+    <dgm:txEffectClrLst/>
+  </dgm:styleLbl>
+  <dgm:styleLbl name="sibTrans1D1">
+    <dgm:fillClrLst meth="repeat">
+      <a:schemeClr val="accent1"/>
+    </dgm:fillClrLst>
+    <dgm:linClrLst meth="repeat">
+      <a:schemeClr val="accent1"/>
+    </dgm:linClrLst>
+    <dgm:effectClrLst/>
+    <dgm:txLinClrLst/>
+    <dgm:txFillClrLst meth="repeat">
+      <a:schemeClr val="tx1"/>
+    </dgm:txFillClrLst>
+    <dgm:txEffectClrLst/>
+  </dgm:styleLbl>
+  <dgm:styleLbl name="callout">
+    <dgm:fillClrLst meth="repeat">
+      <a:schemeClr val="accent1"/>
+    </dgm:fillClrLst>
+    <dgm:linClrLst meth="repeat">
+      <a:schemeClr val="accent1">
+        <a:tint val="50000"/>
+      </a:schemeClr>
+    </dgm:linClrLst>
+    <dgm:effectClrLst/>
+    <dgm:txLinClrLst/>
+    <dgm:txFillClrLst meth="repeat">
+      <a:schemeClr val="tx1"/>
+    </dgm:txFillClrLst>
+    <dgm:txEffectClrLst/>
+  </dgm:styleLbl>
+  <dgm:styleLbl name="asst0">
+    <dgm:fillClrLst meth="repeat">
+      <a:schemeClr val="accent1"/>
+    </dgm:fillClrLst>
+    <dgm:linClrLst meth="repeat">
+      <a:schemeClr val="lt1"/>
+    </dgm:linClrLst>
+    <dgm:effectClrLst/>
+    <dgm:txLinClrLst/>
+    <dgm:txFillClrLst/>
+    <dgm:txEffectClrLst/>
+  </dgm:styleLbl>
+  <dgm:styleLbl name="asst1">
+    <dgm:fillClrLst meth="repeat">
+      <a:schemeClr val="accent1"/>
+    </dgm:fillClrLst>
+    <dgm:linClrLst meth="repeat">
+      <a:schemeClr val="lt1"/>
+    </dgm:linClrLst>
+    <dgm:effectClrLst/>
+    <dgm:txLinClrLst/>
+    <dgm:txFillClrLst/>
+    <dgm:txEffectClrLst/>
+  </dgm:styleLbl>
+  <dgm:styleLbl name="asst2">
+    <dgm:fillClrLst meth="repeat">
+      <a:schemeClr val="accent1"/>
+    </dgm:fillClrLst>
+    <dgm:linClrLst meth="repeat">
+      <a:schemeClr val="lt1"/>
+    </dgm:linClrLst>
+    <dgm:effectClrLst/>
+    <dgm:txLinClrLst/>
+    <dgm:txFillClrLst/>
+    <dgm:txEffectClrLst/>
+  </dgm:styleLbl>
+  <dgm:styleLbl name="asst3">
+    <dgm:fillClrLst meth="repeat">
+      <a:schemeClr val="accent1"/>
+    </dgm:fillClrLst>
+    <dgm:linClrLst meth="repeat">
+      <a:schemeClr val="lt1"/>
+    </dgm:linClrLst>
+    <dgm:effectClrLst/>
+    <dgm:txLinClrLst/>
+    <dgm:txFillClrLst/>
+    <dgm:txEffectClrLst/>
+  </dgm:styleLbl>
+  <dgm:styleLbl name="asst4">
+    <dgm:fillClrLst meth="repeat">
+      <a:schemeClr val="accent1"/>
+    </dgm:fillClrLst>
+    <dgm:linClrLst meth="repeat">
+      <a:schemeClr val="lt1"/>
+    </dgm:linClrLst>
+    <dgm:effectClrLst/>
+    <dgm:txLinClrLst/>
+    <dgm:txFillClrLst/>
+    <dgm:txEffectClrLst/>
+  </dgm:styleLbl>
+  <dgm:styleLbl name="parChTrans2D1">
+    <dgm:fillClrLst meth="repeat">
+      <a:schemeClr val="accent1">
+        <a:tint val="60000"/>
+      </a:schemeClr>
+    </dgm:fillClrLst>
+    <dgm:linClrLst meth="repeat">
+      <a:schemeClr val="accent1">
+        <a:tint val="60000"/>
+      </a:schemeClr>
+    </dgm:linClrLst>
+    <dgm:effectClrLst/>
+    <dgm:txLinClrLst/>
+    <dgm:txFillClrLst meth="repeat">
+      <a:schemeClr val="lt1"/>
+    </dgm:txFillClrLst>
+    <dgm:txEffectClrLst/>
+  </dgm:styleLbl>
+  <dgm:styleLbl name="parChTrans2D2">
+    <dgm:fillClrLst meth="repeat">
+      <a:schemeClr val="accent1"/>
+    </dgm:fillClrLst>
+    <dgm:linClrLst meth="repeat">
+      <a:schemeClr val="accent1"/>
+    </dgm:linClrLst>
+    <dgm:effectClrLst/>
+    <dgm:txLinClrLst/>
+    <dgm:txFillClrLst meth="repeat">
+      <a:schemeClr val="lt1"/>
+    </dgm:txFillClrLst>
+    <dgm:txEffectClrLst/>
+  </dgm:styleLbl>
+  <dgm:styleLbl name="parChTrans2D3">
+    <dgm:fillClrLst meth="repeat">
+      <a:schemeClr val="accent1"/>
+    </dgm:fillClrLst>
+    <dgm:linClrLst meth="repeat">
+      <a:schemeClr val="accent1"/>
+    </dgm:linClrLst>
+    <dgm:effectClrLst/>
+    <dgm:txLinClrLst/>
+    <dgm:txFillClrLst meth="repeat">
+      <a:schemeClr val="lt1"/>
+    </dgm:txFillClrLst>
+    <dgm:txEffectClrLst/>
+  </dgm:styleLbl>
+  <dgm:styleLbl name="parChTrans2D4">
+    <dgm:fillClrLst meth="repeat">
+      <a:schemeClr val="accent1"/>
+    </dgm:fillClrLst>
+    <dgm:linClrLst meth="repeat">
+      <a:schemeClr val="accent1"/>
+    </dgm:linClrLst>
+    <dgm:effectClrLst/>
+    <dgm:txLinClrLst/>
+    <dgm:txFillClrLst meth="repeat">
+      <a:schemeClr val="lt1"/>
+    </dgm:txFillClrLst>
+    <dgm:txEffectClrLst/>
+  </dgm:styleLbl>
+  <dgm:styleLbl name="parChTrans1D1">
+    <dgm:fillClrLst meth="repeat">
+      <a:schemeClr val="accent1"/>
+    </dgm:fillClrLst>
+    <dgm:linClrLst meth="repeat">
+      <a:schemeClr val="accent1">
+        <a:shade val="60000"/>
+      </a:schemeClr>
+    </dgm:linClrLst>
+    <dgm:effectClrLst/>
+    <dgm:txLinClrLst/>
+    <dgm:txFillClrLst meth="repeat">
+      <a:schemeClr val="tx1"/>
+    </dgm:txFillClrLst>
+    <dgm:txEffectClrLst/>
+  </dgm:styleLbl>
+  <dgm:styleLbl name="parChTrans1D2">
+    <dgm:fillClrLst meth="repeat">
+      <a:schemeClr val="accent1"/>
+    </dgm:fillClrLst>
+    <dgm:linClrLst meth="repeat">
+      <a:schemeClr val="accent1">
+        <a:shade val="60000"/>
+      </a:schemeClr>
+    </dgm:linClrLst>
+    <dgm:effectClrLst/>
+    <dgm:txLinClrLst/>
+    <dgm:txFillClrLst meth="repeat">
+      <a:schemeClr val="tx1"/>
+    </dgm:txFillClrLst>
+    <dgm:txEffectClrLst/>
+  </dgm:styleLbl>
+  <dgm:styleLbl name="parChTrans1D3">
+    <dgm:fillClrLst meth="repeat">
+      <a:schemeClr val="accent1"/>
+    </dgm:fillClrLst>
+    <dgm:linClrLst meth="repeat">
+      <a:schemeClr val="accent1">
+        <a:shade val="80000"/>
+      </a:schemeClr>
+    </dgm:linClrLst>
+    <dgm:effectClrLst/>
+    <dgm:txLinClrLst/>
+    <dgm:txFillClrLst meth="repeat">
+      <a:schemeClr val="tx1"/>
+    </dgm:txFillClrLst>
+    <dgm:txEffectClrLst/>
+  </dgm:styleLbl>
+  <dgm:styleLbl name="parChTrans1D4">
+    <dgm:fillClrLst meth="repeat">
+      <a:schemeClr val="accent1"/>
+    </dgm:fillClrLst>
+    <dgm:linClrLst meth="repeat">
+      <a:schemeClr val="accent1">
+        <a:shade val="80000"/>
+      </a:schemeClr>
+    </dgm:linClrLst>
+    <dgm:effectClrLst/>
+    <dgm:txLinClrLst/>
+    <dgm:txFillClrLst meth="repeat">
+      <a:schemeClr val="tx1"/>
+    </dgm:txFillClrLst>
+    <dgm:txEffectClrLst/>
+  </dgm:styleLbl>
+  <dgm:styleLbl name="fgAcc1">
+    <dgm:fillClrLst meth="repeat">
+      <a:schemeClr val="lt1">
+        <a:alpha val="90000"/>
+      </a:schemeClr>
+    </dgm:fillClrLst>
+    <dgm:linClrLst meth="repeat">
+      <a:schemeClr val="accent1"/>
+    </dgm:linClrLst>
+    <dgm:effectClrLst/>
+    <dgm:txLinClrLst/>
+    <dgm:txFillClrLst meth="repeat">
+      <a:schemeClr val="dk1"/>
+    </dgm:txFillClrLst>
+    <dgm:txEffectClrLst/>
+  </dgm:styleLbl>
+  <dgm:styleLbl name="conFgAcc1">
+    <dgm:fillClrLst meth="repeat">
+      <a:schemeClr val="lt1">
+        <a:alpha val="90000"/>
+      </a:schemeClr>
+    </dgm:fillClrLst>
+    <dgm:linClrLst meth="repeat">
+      <a:schemeClr val="accent1"/>
+    </dgm:linClrLst>
+    <dgm:effectClrLst/>
+    <dgm:txLinClrLst/>
+    <dgm:txFillClrLst meth="repeat">
+      <a:schemeClr val="dk1"/>
+    </dgm:txFillClrLst>
+    <dgm:txEffectClrLst/>
+  </dgm:styleLbl>
+  <dgm:styleLbl name="alignAcc1">
+    <dgm:fillClrLst meth="repeat">
+      <a:schemeClr val="lt1">
+        <a:alpha val="90000"/>
+      </a:schemeClr>
+    </dgm:fillClrLst>
+    <dgm:linClrLst meth="repeat">
+      <a:schemeClr val="accent1"/>
+    </dgm:linClrLst>
+    <dgm:effectClrLst/>
+    <dgm:txLinClrLst/>
+    <dgm:txFillClrLst meth="repeat">
+      <a:schemeClr val="dk1"/>
+    </dgm:txFillClrLst>
+    <dgm:txEffectClrLst/>
+  </dgm:styleLbl>
+  <dgm:styleLbl name="trAlignAcc1">
+    <dgm:fillClrLst meth="repeat">
+      <a:schemeClr val="lt1">
+        <a:alpha val="40000"/>
+      </a:schemeClr>
+    </dgm:fillClrLst>
+    <dgm:linClrLst meth="repeat">
+      <a:schemeClr val="accent1"/>
+    </dgm:linClrLst>
+    <dgm:effectClrLst/>
+    <dgm:txLinClrLst/>
+    <dgm:txFillClrLst meth="repeat">
+      <a:schemeClr val="dk1"/>
+    </dgm:txFillClrLst>
+    <dgm:txEffectClrLst/>
+  </dgm:styleLbl>
+  <dgm:styleLbl name="bgAcc1">
+    <dgm:fillClrLst meth="repeat">
+      <a:schemeClr val="lt1">
+        <a:alpha val="90000"/>
+      </a:schemeClr>
+    </dgm:fillClrLst>
+    <dgm:linClrLst meth="repeat">
+      <a:schemeClr val="accent1"/>
+    </dgm:linClrLst>
+    <dgm:effectClrLst/>
+    <dgm:txLinClrLst/>
+    <dgm:txFillClrLst meth="repeat">
+      <a:schemeClr val="dk1"/>
+    </dgm:txFillClrLst>
+    <dgm:txEffectClrLst/>
+  </dgm:styleLbl>
+  <dgm:styleLbl name="solidFgAcc1">
+    <dgm:fillClrLst meth="repeat">
+      <a:schemeClr val="lt1"/>
+    </dgm:fillClrLst>
+    <dgm:linClrLst meth="repeat">
+      <a:schemeClr val="accent1"/>
+    </dgm:linClrLst>
+    <dgm:effectClrLst/>
+    <dgm:txLinClrLst/>
+    <dgm:txFillClrLst meth="repeat">
+      <a:schemeClr val="dk1"/>
+    </dgm:txFillClrLst>
+    <dgm:txEffectClrLst/>
+  </dgm:styleLbl>
+  <dgm:styleLbl name="solidAlignAcc1">
+    <dgm:fillClrLst meth="repeat">
+      <a:schemeClr val="lt1"/>
+    </dgm:fillClrLst>
+    <dgm:linClrLst meth="repeat">
+      <a:schemeClr val="accent1"/>
+    </dgm:linClrLst>
+    <dgm:effectClrLst/>
+    <dgm:txLinClrLst/>
+    <dgm:txFillClrLst meth="repeat">
+      <a:schemeClr val="dk1"/>
+    </dgm:txFillClrLst>
+    <dgm:txEffectClrLst/>
+  </dgm:styleLbl>
+  <dgm:styleLbl name="solidBgAcc1">
+    <dgm:fillClrLst meth="repeat">
+      <a:schemeClr val="lt1"/>
+    </dgm:fillClrLst>
+    <dgm:linClrLst meth="repeat">
+      <a:schemeClr val="accent1"/>
+    </dgm:linClrLst>
+    <dgm:effectClrLst/>
+    <dgm:txLinClrLst/>
+    <dgm:txFillClrLst meth="repeat">
+      <a:schemeClr val="dk1"/>
+    </dgm:txFillClrLst>
+    <dgm:txEffectClrLst/>
+  </dgm:styleLbl>
+  <dgm:styleLbl name="fgAccFollowNode1">
+    <dgm:fillClrLst meth="repeat">
+      <a:schemeClr val="accent1">
+        <a:alpha val="90000"/>
+        <a:tint val="40000"/>
+      </a:schemeClr>
+    </dgm:fillClrLst>
+    <dgm:linClrLst meth="repeat">
+      <a:schemeClr val="accent1">
+        <a:alpha val="90000"/>
+        <a:tint val="40000"/>
+      </a:schemeClr>
+    </dgm:linClrLst>
+    <dgm:effectClrLst/>
+    <dgm:txLinClrLst/>
+    <dgm:txFillClrLst meth="repeat">
+      <a:schemeClr val="dk1"/>
+    </dgm:txFillClrLst>
+    <dgm:txEffectClrLst/>
+  </dgm:styleLbl>
+  <dgm:styleLbl name="alignAccFollowNode1">
+    <dgm:fillClrLst meth="repeat">
+      <a:schemeClr val="accent1">
+        <a:alpha val="90000"/>
+        <a:tint val="40000"/>
+      </a:schemeClr>
+    </dgm:fillClrLst>
+    <dgm:linClrLst meth="repeat">
+      <a:schemeClr val="accent1">
+        <a:alpha val="90000"/>
+        <a:tint val="40000"/>
+      </a:schemeClr>
+    </dgm:linClrLst>
+    <dgm:effectClrLst/>
+    <dgm:txLinClrLst/>
+    <dgm:txFillClrLst meth="repeat">
+      <a:schemeClr val="dk1"/>
+    </dgm:txFillClrLst>
+    <dgm:txEffectClrLst/>
+  </dgm:styleLbl>
+  <dgm:styleLbl name="bgAccFollowNode1">
+    <dgm:fillClrLst meth="repeat">
+      <a:schemeClr val="accent1">
+        <a:alpha val="90000"/>
+        <a:tint val="40000"/>
+      </a:schemeClr>
+    </dgm:fillClrLst>
+    <dgm:linClrLst meth="repeat">
+      <a:schemeClr val="accent1">
+        <a:alpha val="90000"/>
+        <a:tint val="40000"/>
+      </a:schemeClr>
+    </dgm:linClrLst>
+    <dgm:effectClrLst/>
+    <dgm:txLinClrLst/>
+    <dgm:txFillClrLst meth="repeat">
+      <a:schemeClr val="dk1"/>
+    </dgm:txFillClrLst>
+    <dgm:txEffectClrLst/>
+  </dgm:styleLbl>
+  <dgm:styleLbl name="fgAcc0">
+    <dgm:fillClrLst meth="repeat">
+      <a:schemeClr val="lt1">
+        <a:alpha val="90000"/>
+      </a:schemeClr>
+    </dgm:fillClrLst>
+    <dgm:linClrLst meth="repeat">
+      <a:schemeClr val="accent1"/>
+    </dgm:linClrLst>
+    <dgm:effectClrLst/>
+    <dgm:txLinClrLst/>
+    <dgm:txFillClrLst meth="repeat">
+      <a:schemeClr val="dk1"/>
+    </dgm:txFillClrLst>
+    <dgm:txEffectClrLst/>
+  </dgm:styleLbl>
+  <dgm:styleLbl name="fgAcc2">
+    <dgm:fillClrLst meth="repeat">
+      <a:schemeClr val="lt1">
+        <a:alpha val="90000"/>
+      </a:schemeClr>
+    </dgm:fillClrLst>
+    <dgm:linClrLst meth="repeat">
+      <a:schemeClr val="accent1"/>
+    </dgm:linClrLst>
+    <dgm:effectClrLst/>
+    <dgm:txLinClrLst/>
+    <dgm:txFillClrLst meth="repeat">
+      <a:schemeClr val="dk1"/>
+    </dgm:txFillClrLst>
+    <dgm:txEffectClrLst/>
+  </dgm:styleLbl>
+  <dgm:styleLbl name="fgAcc3">
+    <dgm:fillClrLst meth="repeat">
+      <a:schemeClr val="lt1">
+        <a:alpha val="90000"/>
+      </a:schemeClr>
+    </dgm:fillClrLst>
+    <dgm:linClrLst meth="repeat">
+      <a:schemeClr val="accent1"/>
+    </dgm:linClrLst>
+    <dgm:effectClrLst/>
+    <dgm:txLinClrLst/>
+    <dgm:txFillClrLst meth="repeat">
+      <a:schemeClr val="dk1"/>
+    </dgm:txFillClrLst>
+    <dgm:txEffectClrLst/>
+  </dgm:styleLbl>
+  <dgm:styleLbl name="fgAcc4">
+    <dgm:fillClrLst meth="repeat">
+      <a:schemeClr val="lt1">
+        <a:alpha val="90000"/>
+      </a:schemeClr>
+    </dgm:fillClrLst>
+    <dgm:linClrLst meth="repeat">
+      <a:schemeClr val="accent1"/>
+    </dgm:linClrLst>
+    <dgm:effectClrLst/>
+    <dgm:txLinClrLst/>
+    <dgm:txFillClrLst meth="repeat">
+      <a:schemeClr val="dk1"/>
+    </dgm:txFillClrLst>
+    <dgm:txEffectClrLst/>
+  </dgm:styleLbl>
+  <dgm:styleLbl name="bgShp">
+    <dgm:fillClrLst meth="repeat">
+      <a:schemeClr val="accent1">
+        <a:tint val="40000"/>
+      </a:schemeClr>
+    </dgm:fillClrLst>
+    <dgm:linClrLst meth="repeat">
+      <a:schemeClr val="accent1"/>
+    </dgm:linClrLst>
+    <dgm:effectClrLst/>
+    <dgm:txLinClrLst/>
+    <dgm:txFillClrLst meth="repeat">
+      <a:schemeClr val="dk1"/>
+    </dgm:txFillClrLst>
+    <dgm:txEffectClrLst/>
+  </dgm:styleLbl>
+  <dgm:styleLbl name="dkBgShp">
+    <dgm:fillClrLst meth="repeat">
+      <a:schemeClr val="accent1">
+        <a:shade val="80000"/>
+      </a:schemeClr>
+    </dgm:fillClrLst>
+    <dgm:linClrLst meth="repeat">
+      <a:schemeClr val="accent1"/>
+    </dgm:linClrLst>
+    <dgm:effectClrLst/>
+    <dgm:txLinClrLst/>
+    <dgm:txFillClrLst meth="repeat">
+      <a:schemeClr val="lt1"/>
+    </dgm:txFillClrLst>
+    <dgm:txEffectClrLst/>
+  </dgm:styleLbl>
+  <dgm:styleLbl name="trBgShp">
+    <dgm:fillClrLst meth="repeat">
+      <a:schemeClr val="accent1">
+        <a:tint val="50000"/>
+        <a:alpha val="40000"/>
+      </a:schemeClr>
+    </dgm:fillClrLst>
+    <dgm:linClrLst meth="repeat">
+      <a:schemeClr val="accent1"/>
+    </dgm:linClrLst>
+    <dgm:effectClrLst/>
+    <dgm:txLinClrLst/>
+    <dgm:txFillClrLst meth="repeat">
+      <a:schemeClr val="lt1"/>
+    </dgm:txFillClrLst>
+    <dgm:txEffectClrLst/>
+  </dgm:styleLbl>
+  <dgm:styleLbl name="fgShp">
+    <dgm:fillClrLst meth="repeat">
+      <a:schemeClr val="accent1">
+        <a:tint val="60000"/>
+      </a:schemeClr>
+    </dgm:fillClrLst>
+    <dgm:linClrLst meth="repeat">
+      <a:schemeClr val="lt1"/>
+    </dgm:linClrLst>
+    <dgm:effectClrLst/>
+    <dgm:txLinClrLst/>
+    <dgm:txFillClrLst meth="repeat">
+      <a:schemeClr val="dk1"/>
+    </dgm:txFillClrLst>
+    <dgm:txEffectClrLst/>
+  </dgm:styleLbl>
+  <dgm:styleLbl name="revTx">
+    <dgm:fillClrLst meth="repeat">
+      <a:schemeClr val="lt1">
+        <a:alpha val="0"/>
+      </a:schemeClr>
+    </dgm:fillClrLst>
+    <dgm:linClrLst meth="repeat">
+      <a:schemeClr val="dk1">
+        <a:alpha val="0"/>
+      </a:schemeClr>
+    </dgm:linClrLst>
+    <dgm:effectClrLst/>
+    <dgm:txLinClrLst/>
+    <dgm:txFillClrLst meth="repeat">
+      <a:schemeClr val="tx1"/>
+    </dgm:txFillClrLst>
+    <dgm:txEffectClrLst/>
+  </dgm:styleLbl>
+</dgm:colorsDef>
+</file>
+
+<file path=ppt/diagrams/colors3.xml><?xml version="1.0" encoding="utf-8"?>
 <dgm:colorsDef xmlns:dgm="http://schemas.openxmlformats.org/drawingml/2006/diagram" xmlns:a="http://schemas.openxmlformats.org/drawingml/2006/main" uniqueId="urn:microsoft.com/office/officeart/2005/8/colors/accent1_2">
   <dgm:title val=""/>
   <dgm:desc val=""/>
@@ -2501,7 +3245,7 @@
         <a:p>
           <a:r>
             <a:rPr lang="en-US" dirty="0"/>
-            <a:t>8/2017</a:t>
+            <a:t>2017</a:t>
           </a:r>
         </a:p>
       </dgm:t>
@@ -2537,7 +3281,7 @@
         <a:p>
           <a:r>
             <a:rPr lang="en-US" dirty="0"/>
-            <a:t>8/2017</a:t>
+            <a:t>2017</a:t>
           </a:r>
         </a:p>
       </dgm:t>
@@ -2730,7 +3474,7 @@
         <a:p>
           <a:r>
             <a:rPr lang="en-US" dirty="0"/>
-            <a:t>??</a:t>
+            <a:t>2018</a:t>
           </a:r>
         </a:p>
       </dgm:t>
@@ -2802,7 +3546,7 @@
         <a:p>
           <a:r>
             <a:rPr lang="en-US" dirty="0"/>
-            <a:t>???</a:t>
+            <a:t>2019</a:t>
           </a:r>
         </a:p>
       </dgm:t>
@@ -2964,7 +3708,7 @@
       <dgm:spPr/>
     </dgm:pt>
     <dgm:pt modelId="{DAD2E2F8-54E6-4FAE-A9BD-86AF88168CB8}" type="pres">
-      <dgm:prSet presAssocID="{EADE0D2D-1205-40C5-86CE-1D93146D1A90}" presName="descendantText" presStyleLbl="alignAcc1" presStyleIdx="3" presStyleCnt="6">
+      <dgm:prSet presAssocID="{EADE0D2D-1205-40C5-86CE-1D93146D1A90}" presName="descendantText" presStyleLbl="alignAcc1" presStyleIdx="3" presStyleCnt="6" custLinFactNeighborX="0">
         <dgm:presLayoutVars>
           <dgm:bulletEnabled val="1"/>
         </dgm:presLayoutVars>
@@ -3071,6 +3815,752 @@
     <dgm:cxn modelId="{C3A147E5-ECE9-445E-B3EC-89E637D364A7}" type="presParOf" srcId="{C0F71877-8D45-45C6-ADEB-A07688B38294}" destId="{4B8570E1-54A6-4248-8442-42B1BF97EC8F}" srcOrd="10" destOrd="0" presId="urn:microsoft.com/office/officeart/2005/8/layout/chevron2"/>
     <dgm:cxn modelId="{D612526C-F0D5-44DB-BDEF-63CA04520449}" type="presParOf" srcId="{4B8570E1-54A6-4248-8442-42B1BF97EC8F}" destId="{354176EC-ED3B-463B-B05C-5230CB8570B4}" srcOrd="0" destOrd="0" presId="urn:microsoft.com/office/officeart/2005/8/layout/chevron2"/>
     <dgm:cxn modelId="{17682A23-66A2-4B14-878F-7BCD4027B236}" type="presParOf" srcId="{4B8570E1-54A6-4248-8442-42B1BF97EC8F}" destId="{2CD56B81-FC6C-4F80-8FA5-11A248BC734D}" srcOrd="1" destOrd="0" presId="urn:microsoft.com/office/officeart/2005/8/layout/chevron2"/>
+  </dgm:cxnLst>
+  <dgm:bg/>
+  <dgm:whole/>
+  <dgm:extLst>
+    <a:ext uri="http://schemas.microsoft.com/office/drawing/2008/diagram">
+      <dsp:dataModelExt xmlns:dsp="http://schemas.microsoft.com/office/drawing/2008/diagram" relId="rId6" minVer="http://schemas.openxmlformats.org/drawingml/2006/diagram"/>
+    </a:ext>
+  </dgm:extLst>
+</dgm:dataModel>
+</file>
+
+<file path=ppt/diagrams/data3.xml><?xml version="1.0" encoding="utf-8"?>
+<dgm:dataModel xmlns:dgm="http://schemas.openxmlformats.org/drawingml/2006/diagram" xmlns:a="http://schemas.openxmlformats.org/drawingml/2006/main">
+  <dgm:ptLst>
+    <dgm:pt modelId="{EE40FFF8-103D-4F45-B85F-403984910D7F}" type="doc">
+      <dgm:prSet loTypeId="urn:microsoft.com/office/officeart/2005/8/layout/chevron2" loCatId="process" qsTypeId="urn:microsoft.com/office/officeart/2005/8/quickstyle/simple1" qsCatId="simple" csTypeId="urn:microsoft.com/office/officeart/2005/8/colors/accent1_2" csCatId="accent1" phldr="1"/>
+      <dgm:spPr/>
+      <dgm:t>
+        <a:bodyPr/>
+        <a:lstStyle/>
+        <a:p>
+          <a:endParaRPr lang="en-US"/>
+        </a:p>
+      </dgm:t>
+    </dgm:pt>
+    <dgm:pt modelId="{55AF256D-980F-4EAC-BDE3-A1B7BB810149}">
+      <dgm:prSet phldrT="[Text]"/>
+      <dgm:spPr/>
+      <dgm:t>
+        <a:bodyPr/>
+        <a:lstStyle/>
+        <a:p>
+          <a:r>
+            <a:rPr lang="en-US" dirty="0"/>
+            <a:t>2020 </a:t>
+          </a:r>
+          <a:br>
+            <a:rPr lang="en-US" dirty="0"/>
+          </a:br>
+          <a:r>
+            <a:rPr lang="en-US" dirty="0"/>
+            <a:t>C# 9</a:t>
+          </a:r>
+        </a:p>
+      </dgm:t>
+    </dgm:pt>
+    <dgm:pt modelId="{748A717C-599F-4C3A-B811-C08F8B1B0759}" type="parTrans" cxnId="{0C3B6F2C-FC7D-432A-9C28-77B4A1C9C28E}">
+      <dgm:prSet/>
+      <dgm:spPr/>
+      <dgm:t>
+        <a:bodyPr/>
+        <a:lstStyle/>
+        <a:p>
+          <a:endParaRPr lang="en-US"/>
+        </a:p>
+      </dgm:t>
+    </dgm:pt>
+    <dgm:pt modelId="{A0FA65F2-48E1-4C84-8387-4B40ABD643EF}" type="sibTrans" cxnId="{0C3B6F2C-FC7D-432A-9C28-77B4A1C9C28E}">
+      <dgm:prSet/>
+      <dgm:spPr/>
+      <dgm:t>
+        <a:bodyPr/>
+        <a:lstStyle/>
+        <a:p>
+          <a:endParaRPr lang="en-US"/>
+        </a:p>
+      </dgm:t>
+    </dgm:pt>
+    <dgm:pt modelId="{329A6205-D92F-4A22-8653-055AF4549D01}">
+      <dgm:prSet/>
+      <dgm:spPr/>
+      <dgm:t>
+        <a:bodyPr/>
+        <a:lstStyle/>
+        <a:p>
+          <a:r>
+            <a:rPr lang="en-US" dirty="0"/>
+            <a:t>C# 9:</a:t>
+          </a:r>
+        </a:p>
+      </dgm:t>
+    </dgm:pt>
+    <dgm:pt modelId="{BEC259D7-C0D1-4807-BF6D-B18A5084B23F}" type="parTrans" cxnId="{A58080E9-33CB-4C07-920E-0A056786FE89}">
+      <dgm:prSet/>
+      <dgm:spPr/>
+      <dgm:t>
+        <a:bodyPr/>
+        <a:lstStyle/>
+        <a:p>
+          <a:endParaRPr lang="en-US"/>
+        </a:p>
+      </dgm:t>
+    </dgm:pt>
+    <dgm:pt modelId="{26A8870A-A98F-4E04-8A52-D7615622D8D3}" type="sibTrans" cxnId="{A58080E9-33CB-4C07-920E-0A056786FE89}">
+      <dgm:prSet/>
+      <dgm:spPr/>
+      <dgm:t>
+        <a:bodyPr/>
+        <a:lstStyle/>
+        <a:p>
+          <a:endParaRPr lang="en-US"/>
+        </a:p>
+      </dgm:t>
+    </dgm:pt>
+    <dgm:pt modelId="{BAD07A50-BB9B-4058-A6B8-3F500B5DC8AC}">
+      <dgm:prSet/>
+      <dgm:spPr/>
+      <dgm:t>
+        <a:bodyPr/>
+        <a:lstStyle/>
+        <a:p>
+          <a:r>
+            <a:rPr lang="en-US" dirty="0"/>
+            <a:t>Extending Partial</a:t>
+          </a:r>
+        </a:p>
+      </dgm:t>
+    </dgm:pt>
+    <dgm:pt modelId="{B05C9C49-E6D0-4DE2-9935-59A82164DF19}" type="parTrans" cxnId="{489E3D08-4CD7-41BA-8C1E-CB4DA1788484}">
+      <dgm:prSet/>
+      <dgm:spPr/>
+      <dgm:t>
+        <a:bodyPr/>
+        <a:lstStyle/>
+        <a:p>
+          <a:endParaRPr lang="en-US"/>
+        </a:p>
+      </dgm:t>
+    </dgm:pt>
+    <dgm:pt modelId="{99AE02DB-E0B5-417E-9974-FF9C4B539FD3}" type="sibTrans" cxnId="{489E3D08-4CD7-41BA-8C1E-CB4DA1788484}">
+      <dgm:prSet/>
+      <dgm:spPr/>
+      <dgm:t>
+        <a:bodyPr/>
+        <a:lstStyle/>
+        <a:p>
+          <a:endParaRPr lang="en-US"/>
+        </a:p>
+      </dgm:t>
+    </dgm:pt>
+    <dgm:pt modelId="{F4983B85-03D1-43A9-BE09-E3ADA2851DE1}">
+      <dgm:prSet/>
+      <dgm:spPr/>
+      <dgm:t>
+        <a:bodyPr/>
+        <a:lstStyle/>
+        <a:p>
+          <a:r>
+            <a:rPr lang="en-US" dirty="0"/>
+            <a:t>Target Type New</a:t>
+          </a:r>
+        </a:p>
+      </dgm:t>
+    </dgm:pt>
+    <dgm:pt modelId="{B601BCC3-2640-4F4A-933B-5AF872D28298}" type="parTrans" cxnId="{C66F16D8-42E8-4DB5-B54E-C38F2635D16F}">
+      <dgm:prSet/>
+      <dgm:spPr/>
+      <dgm:t>
+        <a:bodyPr/>
+        <a:lstStyle/>
+        <a:p>
+          <a:endParaRPr lang="en-US"/>
+        </a:p>
+      </dgm:t>
+    </dgm:pt>
+    <dgm:pt modelId="{9702492F-4ED4-44DD-9726-C12E8E993787}" type="sibTrans" cxnId="{C66F16D8-42E8-4DB5-B54E-C38F2635D16F}">
+      <dgm:prSet/>
+      <dgm:spPr/>
+      <dgm:t>
+        <a:bodyPr/>
+        <a:lstStyle/>
+        <a:p>
+          <a:endParaRPr lang="en-US"/>
+        </a:p>
+      </dgm:t>
+    </dgm:pt>
+    <dgm:pt modelId="{2847F389-EFC7-4678-91B4-456F77F6A487}">
+      <dgm:prSet/>
+      <dgm:spPr/>
+      <dgm:t>
+        <a:bodyPr/>
+        <a:lstStyle/>
+        <a:p>
+          <a:r>
+            <a:rPr lang="en-US" dirty="0"/>
+            <a:t>Top Level Statements</a:t>
+          </a:r>
+          <a:br>
+            <a:rPr lang="en-US" dirty="0"/>
+          </a:br>
+          <a:r>
+            <a:rPr lang="en-US" dirty="0"/>
+            <a:t>Records</a:t>
+          </a:r>
+        </a:p>
+      </dgm:t>
+    </dgm:pt>
+    <dgm:pt modelId="{9B0F2493-2EBE-4167-AC04-5D2F9E44CB75}" type="parTrans" cxnId="{7933C3DF-8CBC-4851-A715-49731D1AA7F8}">
+      <dgm:prSet/>
+      <dgm:spPr/>
+      <dgm:t>
+        <a:bodyPr/>
+        <a:lstStyle/>
+        <a:p>
+          <a:endParaRPr lang="en-US"/>
+        </a:p>
+      </dgm:t>
+    </dgm:pt>
+    <dgm:pt modelId="{04B6AC97-9873-4B3F-8FA0-CDA76912DFAA}" type="sibTrans" cxnId="{7933C3DF-8CBC-4851-A715-49731D1AA7F8}">
+      <dgm:prSet/>
+      <dgm:spPr/>
+      <dgm:t>
+        <a:bodyPr/>
+        <a:lstStyle/>
+        <a:p>
+          <a:endParaRPr lang="en-US"/>
+        </a:p>
+      </dgm:t>
+    </dgm:pt>
+    <dgm:pt modelId="{F0059595-A576-4026-BD3A-1F9BB3C8BB17}">
+      <dgm:prSet/>
+      <dgm:spPr/>
+      <dgm:t>
+        <a:bodyPr/>
+        <a:lstStyle/>
+        <a:p>
+          <a:r>
+            <a:rPr lang="en-US" dirty="0"/>
+            <a:t>Code Generators</a:t>
+          </a:r>
+        </a:p>
+      </dgm:t>
+    </dgm:pt>
+    <dgm:pt modelId="{59902B44-63D8-41FC-A853-1F29959BCAC8}" type="parTrans" cxnId="{FFA0F3DE-0CC2-41C2-92C6-199856AAC9BA}">
+      <dgm:prSet/>
+      <dgm:spPr/>
+      <dgm:t>
+        <a:bodyPr/>
+        <a:lstStyle/>
+        <a:p>
+          <a:endParaRPr lang="en-US"/>
+        </a:p>
+      </dgm:t>
+    </dgm:pt>
+    <dgm:pt modelId="{62DDD756-23C4-455C-AA2D-F834CE6BC506}" type="sibTrans" cxnId="{FFA0F3DE-0CC2-41C2-92C6-199856AAC9BA}">
+      <dgm:prSet/>
+      <dgm:spPr/>
+      <dgm:t>
+        <a:bodyPr/>
+        <a:lstStyle/>
+        <a:p>
+          <a:endParaRPr lang="en-US"/>
+        </a:p>
+      </dgm:t>
+    </dgm:pt>
+    <dgm:pt modelId="{9B86685F-3164-4EB7-BC23-02FF7CB9F9C4}">
+      <dgm:prSet/>
+      <dgm:spPr/>
+      <dgm:t>
+        <a:bodyPr/>
+        <a:lstStyle/>
+        <a:p>
+          <a:r>
+            <a:rPr lang="en-US" dirty="0"/>
+            <a:t>Lambda discards</a:t>
+          </a:r>
+        </a:p>
+      </dgm:t>
+    </dgm:pt>
+    <dgm:pt modelId="{B85B798D-D852-4C83-8E83-2005D14494E6}" type="parTrans" cxnId="{E9A48897-FD3B-4D5C-AF4C-539633DD8EB4}">
+      <dgm:prSet/>
+      <dgm:spPr/>
+      <dgm:t>
+        <a:bodyPr/>
+        <a:lstStyle/>
+        <a:p>
+          <a:endParaRPr lang="en-US"/>
+        </a:p>
+      </dgm:t>
+    </dgm:pt>
+    <dgm:pt modelId="{A6D54504-08B1-448B-866B-AC899E52CDBE}" type="sibTrans" cxnId="{E9A48897-FD3B-4D5C-AF4C-539633DD8EB4}">
+      <dgm:prSet/>
+      <dgm:spPr/>
+      <dgm:t>
+        <a:bodyPr/>
+        <a:lstStyle/>
+        <a:p>
+          <a:endParaRPr lang="en-US"/>
+        </a:p>
+      </dgm:t>
+    </dgm:pt>
+    <dgm:pt modelId="{3D9B7437-4B89-4763-BEAF-E9DA24406548}">
+      <dgm:prSet/>
+      <dgm:spPr/>
+      <dgm:t>
+        <a:bodyPr/>
+        <a:lstStyle/>
+        <a:p>
+          <a:r>
+            <a:rPr lang="en-US" dirty="0"/>
+            <a:t>Static lambdas</a:t>
+          </a:r>
+        </a:p>
+      </dgm:t>
+    </dgm:pt>
+    <dgm:pt modelId="{00D7B9DF-EEE2-424F-94F4-72F4315DD350}" type="parTrans" cxnId="{1AE8C36E-8DF0-4CC1-B93E-246E9DA4A922}">
+      <dgm:prSet/>
+      <dgm:spPr/>
+      <dgm:t>
+        <a:bodyPr/>
+        <a:lstStyle/>
+        <a:p>
+          <a:endParaRPr lang="en-US"/>
+        </a:p>
+      </dgm:t>
+    </dgm:pt>
+    <dgm:pt modelId="{1A973A3E-417D-464F-A4A3-31C44B5CE944}" type="sibTrans" cxnId="{1AE8C36E-8DF0-4CC1-B93E-246E9DA4A922}">
+      <dgm:prSet/>
+      <dgm:spPr/>
+      <dgm:t>
+        <a:bodyPr/>
+        <a:lstStyle/>
+        <a:p>
+          <a:endParaRPr lang="en-US"/>
+        </a:p>
+      </dgm:t>
+    </dgm:pt>
+    <dgm:pt modelId="{C9FBC63F-CDED-4761-96FF-FFA93DBFA544}">
+      <dgm:prSet/>
+      <dgm:spPr/>
+      <dgm:t>
+        <a:bodyPr/>
+        <a:lstStyle/>
+        <a:p>
+          <a:r>
+            <a:rPr lang="en-US" dirty="0"/>
+            <a:t>Module Initializers</a:t>
+          </a:r>
+        </a:p>
+      </dgm:t>
+    </dgm:pt>
+    <dgm:pt modelId="{F7499AFC-3320-40E9-A12C-783F414A0497}" type="parTrans" cxnId="{BF7D8D2E-44B4-4C46-997D-194F89DCBAAA}">
+      <dgm:prSet/>
+      <dgm:spPr/>
+      <dgm:t>
+        <a:bodyPr/>
+        <a:lstStyle/>
+        <a:p>
+          <a:endParaRPr lang="en-US"/>
+        </a:p>
+      </dgm:t>
+    </dgm:pt>
+    <dgm:pt modelId="{6F1021D3-47C9-42ED-A6A0-97280195F3B0}" type="sibTrans" cxnId="{BF7D8D2E-44B4-4C46-997D-194F89DCBAAA}">
+      <dgm:prSet/>
+      <dgm:spPr/>
+      <dgm:t>
+        <a:bodyPr/>
+        <a:lstStyle/>
+        <a:p>
+          <a:endParaRPr lang="en-US"/>
+        </a:p>
+      </dgm:t>
+    </dgm:pt>
+    <dgm:pt modelId="{803DF5FC-62EC-40E9-A11C-A8AABA36E779}">
+      <dgm:prSet/>
+      <dgm:spPr/>
+      <dgm:t>
+        <a:bodyPr/>
+        <a:lstStyle/>
+        <a:p>
+          <a:r>
+            <a:rPr lang="en-US" dirty="0"/>
+            <a:t>Skip locals </a:t>
+          </a:r>
+          <a:r>
+            <a:rPr lang="en-US" dirty="0" err="1"/>
+            <a:t>init</a:t>
+          </a:r>
+          <a:endParaRPr lang="en-US" dirty="0"/>
+        </a:p>
+      </dgm:t>
+    </dgm:pt>
+    <dgm:pt modelId="{5D30D80F-DE18-4480-B566-A16A0CFC6F20}" type="parTrans" cxnId="{DB9264CA-22FB-40DD-A7A6-BD186ADB5FDF}">
+      <dgm:prSet/>
+      <dgm:spPr/>
+      <dgm:t>
+        <a:bodyPr/>
+        <a:lstStyle/>
+        <a:p>
+          <a:endParaRPr lang="en-US"/>
+        </a:p>
+      </dgm:t>
+    </dgm:pt>
+    <dgm:pt modelId="{1A88D806-B3F4-4500-8035-AAF8CAE3323C}" type="sibTrans" cxnId="{DB9264CA-22FB-40DD-A7A6-BD186ADB5FDF}">
+      <dgm:prSet/>
+      <dgm:spPr/>
+      <dgm:t>
+        <a:bodyPr/>
+        <a:lstStyle/>
+        <a:p>
+          <a:endParaRPr lang="en-US"/>
+        </a:p>
+      </dgm:t>
+    </dgm:pt>
+    <dgm:pt modelId="{C60E097D-AA76-4BF7-9C3D-8170A5E36F6C}">
+      <dgm:prSet/>
+      <dgm:spPr/>
+      <dgm:t>
+        <a:bodyPr/>
+        <a:lstStyle/>
+        <a:p>
+          <a:r>
+            <a:rPr lang="en-US" dirty="0"/>
+            <a:t>Native </a:t>
+          </a:r>
+          <a:r>
+            <a:rPr lang="en-US" dirty="0" err="1"/>
+            <a:t>ints</a:t>
+          </a:r>
+          <a:endParaRPr lang="en-US" dirty="0"/>
+        </a:p>
+      </dgm:t>
+    </dgm:pt>
+    <dgm:pt modelId="{45B37770-CD98-4A79-9A26-B602ECCDA6A9}" type="parTrans" cxnId="{3C3A5BAB-15B1-405B-B7B2-7AE40A3FAA18}">
+      <dgm:prSet/>
+      <dgm:spPr/>
+      <dgm:t>
+        <a:bodyPr/>
+        <a:lstStyle/>
+        <a:p>
+          <a:endParaRPr lang="en-US"/>
+        </a:p>
+      </dgm:t>
+    </dgm:pt>
+    <dgm:pt modelId="{9EA57C41-5194-4789-AB9D-E4610F7586CC}" type="sibTrans" cxnId="{3C3A5BAB-15B1-405B-B7B2-7AE40A3FAA18}">
+      <dgm:prSet/>
+      <dgm:spPr/>
+      <dgm:t>
+        <a:bodyPr/>
+        <a:lstStyle/>
+        <a:p>
+          <a:endParaRPr lang="en-US"/>
+        </a:p>
+      </dgm:t>
+    </dgm:pt>
+    <dgm:pt modelId="{317F8F53-8FE8-40E0-A447-E41E0904521F}">
+      <dgm:prSet/>
+      <dgm:spPr/>
+      <dgm:t>
+        <a:bodyPr/>
+        <a:lstStyle/>
+        <a:p>
+          <a:r>
+            <a:rPr lang="en-US" dirty="0"/>
+            <a:t>Attributes on local functions</a:t>
+          </a:r>
+        </a:p>
+      </dgm:t>
+    </dgm:pt>
+    <dgm:pt modelId="{FFFB41DA-5E14-4F71-8BE3-AB9665C0C4B7}" type="parTrans" cxnId="{359A4428-4F2E-4981-A303-A1EE0300BDC5}">
+      <dgm:prSet/>
+      <dgm:spPr/>
+      <dgm:t>
+        <a:bodyPr/>
+        <a:lstStyle/>
+        <a:p>
+          <a:endParaRPr lang="en-US"/>
+        </a:p>
+      </dgm:t>
+    </dgm:pt>
+    <dgm:pt modelId="{B49F7313-94C2-4F46-976D-1A3694221939}" type="sibTrans" cxnId="{359A4428-4F2E-4981-A303-A1EE0300BDC5}">
+      <dgm:prSet/>
+      <dgm:spPr/>
+      <dgm:t>
+        <a:bodyPr/>
+        <a:lstStyle/>
+        <a:p>
+          <a:endParaRPr lang="en-US"/>
+        </a:p>
+      </dgm:t>
+    </dgm:pt>
+    <dgm:pt modelId="{33A37AF0-BD67-478C-A1B6-CECFF7670089}">
+      <dgm:prSet/>
+      <dgm:spPr/>
+      <dgm:t>
+        <a:bodyPr/>
+        <a:lstStyle/>
+        <a:p>
+          <a:r>
+            <a:rPr lang="en-US" dirty="0"/>
+            <a:t>Function pointers</a:t>
+          </a:r>
+        </a:p>
+      </dgm:t>
+    </dgm:pt>
+    <dgm:pt modelId="{DB480371-87BE-4687-BE19-016D1B254F2D}" type="parTrans" cxnId="{EC819047-918A-4F4A-952E-1A093C85E0B6}">
+      <dgm:prSet/>
+      <dgm:spPr/>
+      <dgm:t>
+        <a:bodyPr/>
+        <a:lstStyle/>
+        <a:p>
+          <a:endParaRPr lang="en-US"/>
+        </a:p>
+      </dgm:t>
+    </dgm:pt>
+    <dgm:pt modelId="{F2A61A8C-04C5-4F78-BFD2-4DE0CCBC52C7}" type="sibTrans" cxnId="{EC819047-918A-4F4A-952E-1A093C85E0B6}">
+      <dgm:prSet/>
+      <dgm:spPr/>
+      <dgm:t>
+        <a:bodyPr/>
+        <a:lstStyle/>
+        <a:p>
+          <a:endParaRPr lang="en-US"/>
+        </a:p>
+      </dgm:t>
+    </dgm:pt>
+    <dgm:pt modelId="{DA1964D9-3681-4A2C-BC7E-0679C5C170B3}">
+      <dgm:prSet/>
+      <dgm:spPr/>
+      <dgm:t>
+        <a:bodyPr/>
+        <a:lstStyle/>
+        <a:p>
+          <a:r>
+            <a:rPr lang="en-US" dirty="0"/>
+            <a:t>Pattern matching improvements</a:t>
+          </a:r>
+        </a:p>
+      </dgm:t>
+    </dgm:pt>
+    <dgm:pt modelId="{35517268-AA21-41B7-81CD-BE857C270831}" type="parTrans" cxnId="{DBEC4A4D-3648-4227-B3BD-97D18F9AAB1B}">
+      <dgm:prSet/>
+      <dgm:spPr/>
+      <dgm:t>
+        <a:bodyPr/>
+        <a:lstStyle/>
+        <a:p>
+          <a:endParaRPr lang="en-US"/>
+        </a:p>
+      </dgm:t>
+    </dgm:pt>
+    <dgm:pt modelId="{422831EE-77C6-49D6-94A4-C278F34C6883}" type="sibTrans" cxnId="{DBEC4A4D-3648-4227-B3BD-97D18F9AAB1B}">
+      <dgm:prSet/>
+      <dgm:spPr/>
+      <dgm:t>
+        <a:bodyPr/>
+        <a:lstStyle/>
+        <a:p>
+          <a:endParaRPr lang="en-US"/>
+        </a:p>
+      </dgm:t>
+    </dgm:pt>
+    <dgm:pt modelId="{DBE08A27-5DBB-4A9D-ABF3-6EA100931741}">
+      <dgm:prSet/>
+      <dgm:spPr/>
+      <dgm:t>
+        <a:bodyPr/>
+        <a:lstStyle/>
+        <a:p>
+          <a:r>
+            <a:rPr lang="en-US" dirty="0" err="1"/>
+            <a:t>Taarget</a:t>
+          </a:r>
+          <a:r>
+            <a:rPr lang="en-US" dirty="0"/>
+            <a:t> type </a:t>
+          </a:r>
+          <a:r>
+            <a:rPr lang="en-US" dirty="0" err="1"/>
+            <a:t>conitional</a:t>
+          </a:r>
+          <a:endParaRPr lang="en-US" dirty="0"/>
+        </a:p>
+      </dgm:t>
+    </dgm:pt>
+    <dgm:pt modelId="{FA1F1546-A063-4171-8599-47B8FE0C7561}" type="parTrans" cxnId="{30CBBFBD-F867-43D1-985A-37EBAEDE355B}">
+      <dgm:prSet/>
+      <dgm:spPr/>
+      <dgm:t>
+        <a:bodyPr/>
+        <a:lstStyle/>
+        <a:p>
+          <a:endParaRPr lang="en-US"/>
+        </a:p>
+      </dgm:t>
+    </dgm:pt>
+    <dgm:pt modelId="{01F3BB34-4170-4703-9C30-2FF74E179715}" type="sibTrans" cxnId="{30CBBFBD-F867-43D1-985A-37EBAEDE355B}">
+      <dgm:prSet/>
+      <dgm:spPr/>
+      <dgm:t>
+        <a:bodyPr/>
+        <a:lstStyle/>
+        <a:p>
+          <a:endParaRPr lang="en-US"/>
+        </a:p>
+      </dgm:t>
+    </dgm:pt>
+    <dgm:pt modelId="{411FB585-30BF-48A2-BCEF-C84E708BE53E}">
+      <dgm:prSet/>
+      <dgm:spPr/>
+      <dgm:t>
+        <a:bodyPr/>
+        <a:lstStyle/>
+        <a:p>
+          <a:r>
+            <a:rPr lang="en-US" dirty="0"/>
+            <a:t>Covariant returns</a:t>
+          </a:r>
+        </a:p>
+      </dgm:t>
+    </dgm:pt>
+    <dgm:pt modelId="{55BBE039-6E9C-4FEC-A912-9CC6C70DD558}" type="parTrans" cxnId="{CF29DE29-B9C6-404C-8FB2-F8FE7854FBE7}">
+      <dgm:prSet/>
+      <dgm:spPr/>
+      <dgm:t>
+        <a:bodyPr/>
+        <a:lstStyle/>
+        <a:p>
+          <a:endParaRPr lang="en-US"/>
+        </a:p>
+      </dgm:t>
+    </dgm:pt>
+    <dgm:pt modelId="{C0129936-EF9A-4E79-8996-08653788AD2A}" type="sibTrans" cxnId="{CF29DE29-B9C6-404C-8FB2-F8FE7854FBE7}">
+      <dgm:prSet/>
+      <dgm:spPr/>
+      <dgm:t>
+        <a:bodyPr/>
+        <a:lstStyle/>
+        <a:p>
+          <a:endParaRPr lang="en-US"/>
+        </a:p>
+      </dgm:t>
+    </dgm:pt>
+    <dgm:pt modelId="{009A7F54-64A4-45C2-877D-AE62DBC51AE6}">
+      <dgm:prSet/>
+      <dgm:spPr/>
+      <dgm:t>
+        <a:bodyPr/>
+        <a:lstStyle/>
+        <a:p>
+          <a:r>
+            <a:rPr lang="en-US" dirty="0"/>
+            <a:t>Extension </a:t>
+          </a:r>
+          <a:r>
+            <a:rPr lang="en-US" dirty="0" err="1"/>
+            <a:t>GetEnumerator</a:t>
+          </a:r>
+          <a:endParaRPr lang="en-US" dirty="0"/>
+        </a:p>
+      </dgm:t>
+    </dgm:pt>
+    <dgm:pt modelId="{20C99283-3807-4390-B2A6-6BDDBE20B3DD}" type="parTrans" cxnId="{BEF102AD-6D17-4A1C-B312-C06A6A9137E2}">
+      <dgm:prSet/>
+      <dgm:spPr/>
+      <dgm:t>
+        <a:bodyPr/>
+        <a:lstStyle/>
+        <a:p>
+          <a:endParaRPr lang="en-US"/>
+        </a:p>
+      </dgm:t>
+    </dgm:pt>
+    <dgm:pt modelId="{7999BD59-D1E3-43D9-B288-EFA32084D7F7}" type="sibTrans" cxnId="{BEF102AD-6D17-4A1C-B312-C06A6A9137E2}">
+      <dgm:prSet/>
+      <dgm:spPr/>
+      <dgm:t>
+        <a:bodyPr/>
+        <a:lstStyle/>
+        <a:p>
+          <a:endParaRPr lang="en-US"/>
+        </a:p>
+      </dgm:t>
+    </dgm:pt>
+    <dgm:pt modelId="{C0F71877-8D45-45C6-ADEB-A07688B38294}" type="pres">
+      <dgm:prSet presAssocID="{EE40FFF8-103D-4F45-B85F-403984910D7F}" presName="linearFlow" presStyleCnt="0">
+        <dgm:presLayoutVars>
+          <dgm:dir/>
+          <dgm:animLvl val="lvl"/>
+          <dgm:resizeHandles val="exact"/>
+        </dgm:presLayoutVars>
+      </dgm:prSet>
+      <dgm:spPr/>
+    </dgm:pt>
+    <dgm:pt modelId="{33F818AB-FF01-4241-9AE4-10038E362029}" type="pres">
+      <dgm:prSet presAssocID="{55AF256D-980F-4EAC-BDE3-A1B7BB810149}" presName="composite" presStyleCnt="0"/>
+      <dgm:spPr/>
+    </dgm:pt>
+    <dgm:pt modelId="{FF38E5F5-B2ED-46F9-98AC-B8A051288B43}" type="pres">
+      <dgm:prSet presAssocID="{55AF256D-980F-4EAC-BDE3-A1B7BB810149}" presName="parentText" presStyleLbl="alignNode1" presStyleIdx="0" presStyleCnt="1">
+        <dgm:presLayoutVars>
+          <dgm:chMax val="1"/>
+          <dgm:bulletEnabled val="1"/>
+        </dgm:presLayoutVars>
+      </dgm:prSet>
+      <dgm:spPr/>
+    </dgm:pt>
+    <dgm:pt modelId="{99404815-EBB5-40EA-B4FB-18C60F71A14A}" type="pres">
+      <dgm:prSet presAssocID="{55AF256D-980F-4EAC-BDE3-A1B7BB810149}" presName="descendantText" presStyleLbl="alignAcc1" presStyleIdx="0" presStyleCnt="1" custLinFactNeighborX="0" custLinFactNeighborY="-262">
+        <dgm:presLayoutVars>
+          <dgm:bulletEnabled val="1"/>
+        </dgm:presLayoutVars>
+      </dgm:prSet>
+      <dgm:spPr/>
+    </dgm:pt>
+  </dgm:ptLst>
+  <dgm:cxnLst>
+    <dgm:cxn modelId="{489E3D08-4CD7-41BA-8C1E-CB4DA1788484}" srcId="{55AF256D-980F-4EAC-BDE3-A1B7BB810149}" destId="{BAD07A50-BB9B-4058-A6B8-3F500B5DC8AC}" srcOrd="6" destOrd="0" parTransId="{B05C9C49-E6D0-4DE2-9935-59A82164DF19}" sibTransId="{99AE02DB-E0B5-417E-9974-FF9C4B539FD3}"/>
+    <dgm:cxn modelId="{823F970A-7FF6-43D0-BC14-AE229433C4B1}" type="presOf" srcId="{317F8F53-8FE8-40E0-A447-E41E0904521F}" destId="{99404815-EBB5-40EA-B4FB-18C60F71A14A}" srcOrd="0" destOrd="10" presId="urn:microsoft.com/office/officeart/2005/8/layout/chevron2"/>
+    <dgm:cxn modelId="{359A4428-4F2E-4981-A303-A1EE0300BDC5}" srcId="{55AF256D-980F-4EAC-BDE3-A1B7BB810149}" destId="{317F8F53-8FE8-40E0-A447-E41E0904521F}" srcOrd="10" destOrd="0" parTransId="{FFFB41DA-5E14-4F71-8BE3-AB9665C0C4B7}" sibTransId="{B49F7313-94C2-4F46-976D-1A3694221939}"/>
+    <dgm:cxn modelId="{CF29DE29-B9C6-404C-8FB2-F8FE7854FBE7}" srcId="{55AF256D-980F-4EAC-BDE3-A1B7BB810149}" destId="{411FB585-30BF-48A2-BCEF-C84E708BE53E}" srcOrd="14" destOrd="0" parTransId="{55BBE039-6E9C-4FEC-A912-9CC6C70DD558}" sibTransId="{C0129936-EF9A-4E79-8996-08653788AD2A}"/>
+    <dgm:cxn modelId="{0C3B6F2C-FC7D-432A-9C28-77B4A1C9C28E}" srcId="{EE40FFF8-103D-4F45-B85F-403984910D7F}" destId="{55AF256D-980F-4EAC-BDE3-A1B7BB810149}" srcOrd="0" destOrd="0" parTransId="{748A717C-599F-4C3A-B811-C08F8B1B0759}" sibTransId="{A0FA65F2-48E1-4C84-8387-4B40ABD643EF}"/>
+    <dgm:cxn modelId="{BF7D8D2E-44B4-4C46-997D-194F89DCBAAA}" srcId="{55AF256D-980F-4EAC-BDE3-A1B7BB810149}" destId="{C9FBC63F-CDED-4761-96FF-FFA93DBFA544}" srcOrd="5" destOrd="0" parTransId="{F7499AFC-3320-40E9-A12C-783F414A0497}" sibTransId="{6F1021D3-47C9-42ED-A6A0-97280195F3B0}"/>
+    <dgm:cxn modelId="{0F2AC930-6BF6-40A1-9604-BA02383DBEE6}" type="presOf" srcId="{DA1964D9-3681-4A2C-BC7E-0679C5C170B3}" destId="{99404815-EBB5-40EA-B4FB-18C60F71A14A}" srcOrd="0" destOrd="12" presId="urn:microsoft.com/office/officeart/2005/8/layout/chevron2"/>
+    <dgm:cxn modelId="{0103D843-07BC-46D7-B5CF-881EB1990E31}" type="presOf" srcId="{55AF256D-980F-4EAC-BDE3-A1B7BB810149}" destId="{FF38E5F5-B2ED-46F9-98AC-B8A051288B43}" srcOrd="0" destOrd="0" presId="urn:microsoft.com/office/officeart/2005/8/layout/chevron2"/>
+    <dgm:cxn modelId="{EC819047-918A-4F4A-952E-1A093C85E0B6}" srcId="{55AF256D-980F-4EAC-BDE3-A1B7BB810149}" destId="{33A37AF0-BD67-478C-A1B6-CECFF7670089}" srcOrd="11" destOrd="0" parTransId="{DB480371-87BE-4687-BE19-016D1B254F2D}" sibTransId="{F2A61A8C-04C5-4F78-BFD2-4DE0CCBC52C7}"/>
+    <dgm:cxn modelId="{DBEC4A4D-3648-4227-B3BD-97D18F9AAB1B}" srcId="{55AF256D-980F-4EAC-BDE3-A1B7BB810149}" destId="{DA1964D9-3681-4A2C-BC7E-0679C5C170B3}" srcOrd="12" destOrd="0" parTransId="{35517268-AA21-41B7-81CD-BE857C270831}" sibTransId="{422831EE-77C6-49D6-94A4-C278F34C6883}"/>
+    <dgm:cxn modelId="{1AE8C36E-8DF0-4CC1-B93E-246E9DA4A922}" srcId="{55AF256D-980F-4EAC-BDE3-A1B7BB810149}" destId="{3D9B7437-4B89-4763-BEAF-E9DA24406548}" srcOrd="4" destOrd="0" parTransId="{00D7B9DF-EEE2-424F-94F4-72F4315DD350}" sibTransId="{1A973A3E-417D-464F-A4A3-31C44B5CE944}"/>
+    <dgm:cxn modelId="{A3561080-316C-45BC-994A-8BCC717FB0D2}" type="presOf" srcId="{9B86685F-3164-4EB7-BC23-02FF7CB9F9C4}" destId="{99404815-EBB5-40EA-B4FB-18C60F71A14A}" srcOrd="0" destOrd="3" presId="urn:microsoft.com/office/officeart/2005/8/layout/chevron2"/>
+    <dgm:cxn modelId="{30BFF28C-9406-41AA-A020-B178266AB776}" type="presOf" srcId="{2847F389-EFC7-4678-91B4-456F77F6A487}" destId="{99404815-EBB5-40EA-B4FB-18C60F71A14A}" srcOrd="0" destOrd="1" presId="urn:microsoft.com/office/officeart/2005/8/layout/chevron2"/>
+    <dgm:cxn modelId="{E9A48897-FD3B-4D5C-AF4C-539633DD8EB4}" srcId="{55AF256D-980F-4EAC-BDE3-A1B7BB810149}" destId="{9B86685F-3164-4EB7-BC23-02FF7CB9F9C4}" srcOrd="3" destOrd="0" parTransId="{B85B798D-D852-4C83-8E83-2005D14494E6}" sibTransId="{A6D54504-08B1-448B-866B-AC899E52CDBE}"/>
+    <dgm:cxn modelId="{4C081A98-2553-414D-90A6-46204D2779B5}" type="presOf" srcId="{411FB585-30BF-48A2-BCEF-C84E708BE53E}" destId="{99404815-EBB5-40EA-B4FB-18C60F71A14A}" srcOrd="0" destOrd="14" presId="urn:microsoft.com/office/officeart/2005/8/layout/chevron2"/>
+    <dgm:cxn modelId="{49FE0C9C-5AA5-4739-9A64-9BC0D960FFCA}" type="presOf" srcId="{009A7F54-64A4-45C2-877D-AE62DBC51AE6}" destId="{99404815-EBB5-40EA-B4FB-18C60F71A14A}" srcOrd="0" destOrd="15" presId="urn:microsoft.com/office/officeart/2005/8/layout/chevron2"/>
+    <dgm:cxn modelId="{3FEC02A6-3B33-4CA3-A1B8-B28E86AA8748}" type="presOf" srcId="{EE40FFF8-103D-4F45-B85F-403984910D7F}" destId="{C0F71877-8D45-45C6-ADEB-A07688B38294}" srcOrd="0" destOrd="0" presId="urn:microsoft.com/office/officeart/2005/8/layout/chevron2"/>
+    <dgm:cxn modelId="{D57638AA-AE0F-4496-926D-933C5E25A75F}" type="presOf" srcId="{BAD07A50-BB9B-4058-A6B8-3F500B5DC8AC}" destId="{99404815-EBB5-40EA-B4FB-18C60F71A14A}" srcOrd="0" destOrd="6" presId="urn:microsoft.com/office/officeart/2005/8/layout/chevron2"/>
+    <dgm:cxn modelId="{3C3A5BAB-15B1-405B-B7B2-7AE40A3FAA18}" srcId="{55AF256D-980F-4EAC-BDE3-A1B7BB810149}" destId="{C60E097D-AA76-4BF7-9C3D-8170A5E36F6C}" srcOrd="9" destOrd="0" parTransId="{45B37770-CD98-4A79-9A26-B602ECCDA6A9}" sibTransId="{9EA57C41-5194-4789-AB9D-E4610F7586CC}"/>
+    <dgm:cxn modelId="{BEF102AD-6D17-4A1C-B312-C06A6A9137E2}" srcId="{55AF256D-980F-4EAC-BDE3-A1B7BB810149}" destId="{009A7F54-64A4-45C2-877D-AE62DBC51AE6}" srcOrd="15" destOrd="0" parTransId="{20C99283-3807-4390-B2A6-6BDDBE20B3DD}" sibTransId="{7999BD59-D1E3-43D9-B288-EFA32084D7F7}"/>
+    <dgm:cxn modelId="{CA53FEB3-9707-45B5-B77B-E67B9E244D64}" type="presOf" srcId="{DBE08A27-5DBB-4A9D-ABF3-6EA100931741}" destId="{99404815-EBB5-40EA-B4FB-18C60F71A14A}" srcOrd="0" destOrd="13" presId="urn:microsoft.com/office/officeart/2005/8/layout/chevron2"/>
+    <dgm:cxn modelId="{BC1C17BC-81E7-4417-BDC2-4E24C9072DC5}" type="presOf" srcId="{F0059595-A576-4026-BD3A-1F9BB3C8BB17}" destId="{99404815-EBB5-40EA-B4FB-18C60F71A14A}" srcOrd="0" destOrd="2" presId="urn:microsoft.com/office/officeart/2005/8/layout/chevron2"/>
+    <dgm:cxn modelId="{30CBBFBD-F867-43D1-985A-37EBAEDE355B}" srcId="{55AF256D-980F-4EAC-BDE3-A1B7BB810149}" destId="{DBE08A27-5DBB-4A9D-ABF3-6EA100931741}" srcOrd="13" destOrd="0" parTransId="{FA1F1546-A063-4171-8599-47B8FE0C7561}" sibTransId="{01F3BB34-4170-4703-9C30-2FF74E179715}"/>
+    <dgm:cxn modelId="{666D1BBF-240A-4EF6-8BA4-2FBEB73B37FC}" type="presOf" srcId="{C9FBC63F-CDED-4761-96FF-FFA93DBFA544}" destId="{99404815-EBB5-40EA-B4FB-18C60F71A14A}" srcOrd="0" destOrd="5" presId="urn:microsoft.com/office/officeart/2005/8/layout/chevron2"/>
+    <dgm:cxn modelId="{BA3F25C3-1BC9-47EF-ACD9-657ACC0CCA29}" type="presOf" srcId="{33A37AF0-BD67-478C-A1B6-CECFF7670089}" destId="{99404815-EBB5-40EA-B4FB-18C60F71A14A}" srcOrd="0" destOrd="11" presId="urn:microsoft.com/office/officeart/2005/8/layout/chevron2"/>
+    <dgm:cxn modelId="{DB9264CA-22FB-40DD-A7A6-BD186ADB5FDF}" srcId="{55AF256D-980F-4EAC-BDE3-A1B7BB810149}" destId="{803DF5FC-62EC-40E9-A11C-A8AABA36E779}" srcOrd="8" destOrd="0" parTransId="{5D30D80F-DE18-4480-B566-A16A0CFC6F20}" sibTransId="{1A88D806-B3F4-4500-8035-AAF8CAE3323C}"/>
+    <dgm:cxn modelId="{BCB6B2D6-67BB-4F43-97F3-6318BE4D9D43}" type="presOf" srcId="{F4983B85-03D1-43A9-BE09-E3ADA2851DE1}" destId="{99404815-EBB5-40EA-B4FB-18C60F71A14A}" srcOrd="0" destOrd="7" presId="urn:microsoft.com/office/officeart/2005/8/layout/chevron2"/>
+    <dgm:cxn modelId="{C66F16D8-42E8-4DB5-B54E-C38F2635D16F}" srcId="{55AF256D-980F-4EAC-BDE3-A1B7BB810149}" destId="{F4983B85-03D1-43A9-BE09-E3ADA2851DE1}" srcOrd="7" destOrd="0" parTransId="{B601BCC3-2640-4F4A-933B-5AF872D28298}" sibTransId="{9702492F-4ED4-44DD-9726-C12E8E993787}"/>
+    <dgm:cxn modelId="{1C526BDC-854E-4B9B-A037-E9F496F572AA}" type="presOf" srcId="{803DF5FC-62EC-40E9-A11C-A8AABA36E779}" destId="{99404815-EBB5-40EA-B4FB-18C60F71A14A}" srcOrd="0" destOrd="8" presId="urn:microsoft.com/office/officeart/2005/8/layout/chevron2"/>
+    <dgm:cxn modelId="{FFA0F3DE-0CC2-41C2-92C6-199856AAC9BA}" srcId="{55AF256D-980F-4EAC-BDE3-A1B7BB810149}" destId="{F0059595-A576-4026-BD3A-1F9BB3C8BB17}" srcOrd="2" destOrd="0" parTransId="{59902B44-63D8-41FC-A853-1F29959BCAC8}" sibTransId="{62DDD756-23C4-455C-AA2D-F834CE6BC506}"/>
+    <dgm:cxn modelId="{7933C3DF-8CBC-4851-A715-49731D1AA7F8}" srcId="{55AF256D-980F-4EAC-BDE3-A1B7BB810149}" destId="{2847F389-EFC7-4678-91B4-456F77F6A487}" srcOrd="1" destOrd="0" parTransId="{9B0F2493-2EBE-4167-AC04-5D2F9E44CB75}" sibTransId="{04B6AC97-9873-4B3F-8FA0-CDA76912DFAA}"/>
+    <dgm:cxn modelId="{F79315E4-1D8A-4A21-9371-8E14435DAF4E}" type="presOf" srcId="{C60E097D-AA76-4BF7-9C3D-8170A5E36F6C}" destId="{99404815-EBB5-40EA-B4FB-18C60F71A14A}" srcOrd="0" destOrd="9" presId="urn:microsoft.com/office/officeart/2005/8/layout/chevron2"/>
+    <dgm:cxn modelId="{DCD357E6-3B99-4AC3-A81E-1D8E5B28EA4A}" type="presOf" srcId="{329A6205-D92F-4A22-8653-055AF4549D01}" destId="{99404815-EBB5-40EA-B4FB-18C60F71A14A}" srcOrd="0" destOrd="0" presId="urn:microsoft.com/office/officeart/2005/8/layout/chevron2"/>
+    <dgm:cxn modelId="{A58080E9-33CB-4C07-920E-0A056786FE89}" srcId="{55AF256D-980F-4EAC-BDE3-A1B7BB810149}" destId="{329A6205-D92F-4A22-8653-055AF4549D01}" srcOrd="0" destOrd="0" parTransId="{BEC259D7-C0D1-4807-BF6D-B18A5084B23F}" sibTransId="{26A8870A-A98F-4E04-8A52-D7615622D8D3}"/>
+    <dgm:cxn modelId="{24BCA4EA-2FC7-416D-9201-D2999F38A2E1}" type="presOf" srcId="{3D9B7437-4B89-4763-BEAF-E9DA24406548}" destId="{99404815-EBB5-40EA-B4FB-18C60F71A14A}" srcOrd="0" destOrd="4" presId="urn:microsoft.com/office/officeart/2005/8/layout/chevron2"/>
+    <dgm:cxn modelId="{80E9981C-D6AF-4AA0-AE34-95916BB6042D}" type="presParOf" srcId="{C0F71877-8D45-45C6-ADEB-A07688B38294}" destId="{33F818AB-FF01-4241-9AE4-10038E362029}" srcOrd="0" destOrd="0" presId="urn:microsoft.com/office/officeart/2005/8/layout/chevron2"/>
+    <dgm:cxn modelId="{BD8631D0-F477-4DAE-87B1-937628472942}" type="presParOf" srcId="{33F818AB-FF01-4241-9AE4-10038E362029}" destId="{FF38E5F5-B2ED-46F9-98AC-B8A051288B43}" srcOrd="0" destOrd="0" presId="urn:microsoft.com/office/officeart/2005/8/layout/chevron2"/>
+    <dgm:cxn modelId="{2D223C1E-935B-45DD-ABB9-BBD1CC91D5F5}" type="presParOf" srcId="{33F818AB-FF01-4241-9AE4-10038E362029}" destId="{99404815-EBB5-40EA-B4FB-18C60F71A14A}" srcOrd="1" destOrd="0" presId="urn:microsoft.com/office/officeart/2005/8/layout/chevron2"/>
   </dgm:cxnLst>
   <dgm:bg/>
   <dgm:whole/>
@@ -4568,7 +6058,7 @@
           </a:pPr>
           <a:r>
             <a:rPr lang="en-US" sz="1300" kern="1200" dirty="0"/>
-            <a:t>8/2017</a:t>
+            <a:t>2017</a:t>
           </a:r>
         </a:p>
       </dsp:txBody>
@@ -4721,7 +6211,7 @@
           </a:pPr>
           <a:r>
             <a:rPr lang="en-US" sz="1300" kern="1200" dirty="0"/>
-            <a:t>8/2017</a:t>
+            <a:t>2017</a:t>
           </a:r>
         </a:p>
       </dsp:txBody>
@@ -4882,7 +6372,7 @@
           </a:pPr>
           <a:r>
             <a:rPr lang="en-US" sz="1300" kern="1200" dirty="0"/>
-            <a:t>??</a:t>
+            <a:t>2018</a:t>
           </a:r>
         </a:p>
       </dsp:txBody>
@@ -5035,7 +6525,7 @@
           </a:pPr>
           <a:r>
             <a:rPr lang="en-US" sz="1300" kern="1200" dirty="0"/>
-            <a:t>???</a:t>
+            <a:t>2019</a:t>
           </a:r>
         </a:p>
       </dsp:txBody>
@@ -5118,6 +6608,479 @@
       <dsp:txXfrm rot="-5400000">
         <a:off x="658246" y="4244408"/>
         <a:ext cx="10894315" cy="551552"/>
+      </dsp:txXfrm>
+    </dsp:sp>
+  </dsp:spTree>
+</dsp:drawing>
+</file>
+
+<file path=ppt/diagrams/drawing3.xml><?xml version="1.0" encoding="utf-8"?>
+<dsp:drawing xmlns:dgm="http://schemas.openxmlformats.org/drawingml/2006/diagram" xmlns:dsp="http://schemas.microsoft.com/office/drawing/2008/diagram" xmlns:a="http://schemas.openxmlformats.org/drawingml/2006/main">
+  <dsp:spTree>
+    <dsp:nvGrpSpPr>
+      <dsp:cNvPr id="0" name=""/>
+      <dsp:cNvGrpSpPr/>
+    </dsp:nvGrpSpPr>
+    <dsp:grpSpPr/>
+    <dsp:sp modelId="{FF38E5F5-B2ED-46F9-98AC-B8A051288B43}">
+      <dsp:nvSpPr>
+        <dsp:cNvPr id="0" name=""/>
+        <dsp:cNvSpPr/>
+      </dsp:nvSpPr>
+      <dsp:spPr>
+        <a:xfrm rot="5400000">
+          <a:off x="-773430" y="773430"/>
+          <a:ext cx="5156200" cy="3609340"/>
+        </a:xfrm>
+        <a:prstGeom prst="chevron">
+          <a:avLst/>
+        </a:prstGeom>
+        <a:solidFill>
+          <a:schemeClr val="accent1">
+            <a:hueOff val="0"/>
+            <a:satOff val="0"/>
+            <a:lumOff val="0"/>
+            <a:alphaOff val="0"/>
+          </a:schemeClr>
+        </a:solidFill>
+        <a:ln w="15875" cap="flat" cmpd="sng" algn="ctr">
+          <a:solidFill>
+            <a:schemeClr val="accent1">
+              <a:hueOff val="0"/>
+              <a:satOff val="0"/>
+              <a:lumOff val="0"/>
+              <a:alphaOff val="0"/>
+            </a:schemeClr>
+          </a:solidFill>
+          <a:prstDash val="solid"/>
+        </a:ln>
+        <a:effectLst/>
+      </dsp:spPr>
+      <dsp:style>
+        <a:lnRef idx="2">
+          <a:scrgbClr r="0" g="0" b="0"/>
+        </a:lnRef>
+        <a:fillRef idx="1">
+          <a:scrgbClr r="0" g="0" b="0"/>
+        </a:fillRef>
+        <a:effectRef idx="0">
+          <a:scrgbClr r="0" g="0" b="0"/>
+        </a:effectRef>
+        <a:fontRef idx="minor">
+          <a:schemeClr val="lt1"/>
+        </a:fontRef>
+      </dsp:style>
+      <dsp:txBody>
+        <a:bodyPr spcFirstLastPara="0" vert="horz" wrap="square" lIns="37465" tIns="37465" rIns="37465" bIns="37465" numCol="1" spcCol="1270" anchor="ctr" anchorCtr="0">
+          <a:noAutofit/>
+        </a:bodyPr>
+        <a:lstStyle/>
+        <a:p>
+          <a:pPr marL="0" lvl="0" indent="0" algn="ctr" defTabSz="2622550">
+            <a:lnSpc>
+              <a:spcPct val="90000"/>
+            </a:lnSpc>
+            <a:spcBef>
+              <a:spcPct val="0"/>
+            </a:spcBef>
+            <a:spcAft>
+              <a:spcPct val="35000"/>
+            </a:spcAft>
+            <a:buNone/>
+          </a:pPr>
+          <a:r>
+            <a:rPr lang="en-US" sz="5900" kern="1200" dirty="0"/>
+            <a:t>2020 </a:t>
+          </a:r>
+          <a:br>
+            <a:rPr lang="en-US" sz="5900" kern="1200" dirty="0"/>
+          </a:br>
+          <a:r>
+            <a:rPr lang="en-US" sz="5900" kern="1200" dirty="0"/>
+            <a:t>C# 9</a:t>
+          </a:r>
+        </a:p>
+      </dsp:txBody>
+      <dsp:txXfrm rot="-5400000">
+        <a:off x="0" y="1804670"/>
+        <a:ext cx="3609340" cy="1546860"/>
+      </dsp:txXfrm>
+    </dsp:sp>
+    <dsp:sp modelId="{99404815-EBB5-40EA-B4FB-18C60F71A14A}">
+      <dsp:nvSpPr>
+        <dsp:cNvPr id="0" name=""/>
+        <dsp:cNvSpPr/>
+      </dsp:nvSpPr>
+      <dsp:spPr>
+        <a:xfrm rot="5400000">
+          <a:off x="5920105" y="-2310765"/>
+          <a:ext cx="3351530" cy="7973060"/>
+        </a:xfrm>
+        <a:prstGeom prst="round2SameRect">
+          <a:avLst/>
+        </a:prstGeom>
+        <a:solidFill>
+          <a:schemeClr val="lt1">
+            <a:alpha val="90000"/>
+            <a:hueOff val="0"/>
+            <a:satOff val="0"/>
+            <a:lumOff val="0"/>
+            <a:alphaOff val="0"/>
+          </a:schemeClr>
+        </a:solidFill>
+        <a:ln w="15875" cap="flat" cmpd="sng" algn="ctr">
+          <a:solidFill>
+            <a:schemeClr val="accent1">
+              <a:hueOff val="0"/>
+              <a:satOff val="0"/>
+              <a:lumOff val="0"/>
+              <a:alphaOff val="0"/>
+            </a:schemeClr>
+          </a:solidFill>
+          <a:prstDash val="solid"/>
+        </a:ln>
+        <a:effectLst/>
+      </dsp:spPr>
+      <dsp:style>
+        <a:lnRef idx="2">
+          <a:scrgbClr r="0" g="0" b="0"/>
+        </a:lnRef>
+        <a:fillRef idx="1">
+          <a:scrgbClr r="0" g="0" b="0"/>
+        </a:fillRef>
+        <a:effectRef idx="0">
+          <a:scrgbClr r="0" g="0" b="0"/>
+        </a:effectRef>
+        <a:fontRef idx="minor"/>
+      </dsp:style>
+      <dsp:txBody>
+        <a:bodyPr spcFirstLastPara="0" vert="horz" wrap="square" lIns="85344" tIns="7620" rIns="7620" bIns="7620" numCol="1" spcCol="1270" anchor="ctr" anchorCtr="0">
+          <a:noAutofit/>
+        </a:bodyPr>
+        <a:lstStyle/>
+        <a:p>
+          <a:pPr marL="114300" lvl="1" indent="-114300" algn="l" defTabSz="533400">
+            <a:lnSpc>
+              <a:spcPct val="90000"/>
+            </a:lnSpc>
+            <a:spcBef>
+              <a:spcPct val="0"/>
+            </a:spcBef>
+            <a:spcAft>
+              <a:spcPct val="15000"/>
+            </a:spcAft>
+            <a:buChar char="•"/>
+          </a:pPr>
+          <a:r>
+            <a:rPr lang="en-US" sz="1200" kern="1200" dirty="0"/>
+            <a:t>C# 9:</a:t>
+          </a:r>
+        </a:p>
+        <a:p>
+          <a:pPr marL="114300" lvl="1" indent="-114300" algn="l" defTabSz="533400">
+            <a:lnSpc>
+              <a:spcPct val="90000"/>
+            </a:lnSpc>
+            <a:spcBef>
+              <a:spcPct val="0"/>
+            </a:spcBef>
+            <a:spcAft>
+              <a:spcPct val="15000"/>
+            </a:spcAft>
+            <a:buChar char="•"/>
+          </a:pPr>
+          <a:r>
+            <a:rPr lang="en-US" sz="1200" kern="1200" dirty="0"/>
+            <a:t>Top Level Statements</a:t>
+          </a:r>
+          <a:br>
+            <a:rPr lang="en-US" sz="1200" kern="1200" dirty="0"/>
+          </a:br>
+          <a:r>
+            <a:rPr lang="en-US" sz="1200" kern="1200" dirty="0"/>
+            <a:t>Records</a:t>
+          </a:r>
+        </a:p>
+        <a:p>
+          <a:pPr marL="114300" lvl="1" indent="-114300" algn="l" defTabSz="533400">
+            <a:lnSpc>
+              <a:spcPct val="90000"/>
+            </a:lnSpc>
+            <a:spcBef>
+              <a:spcPct val="0"/>
+            </a:spcBef>
+            <a:spcAft>
+              <a:spcPct val="15000"/>
+            </a:spcAft>
+            <a:buChar char="•"/>
+          </a:pPr>
+          <a:r>
+            <a:rPr lang="en-US" sz="1200" kern="1200" dirty="0"/>
+            <a:t>Code Generators</a:t>
+          </a:r>
+        </a:p>
+        <a:p>
+          <a:pPr marL="114300" lvl="1" indent="-114300" algn="l" defTabSz="533400">
+            <a:lnSpc>
+              <a:spcPct val="90000"/>
+            </a:lnSpc>
+            <a:spcBef>
+              <a:spcPct val="0"/>
+            </a:spcBef>
+            <a:spcAft>
+              <a:spcPct val="15000"/>
+            </a:spcAft>
+            <a:buChar char="•"/>
+          </a:pPr>
+          <a:r>
+            <a:rPr lang="en-US" sz="1200" kern="1200" dirty="0"/>
+            <a:t>Lambda discards</a:t>
+          </a:r>
+        </a:p>
+        <a:p>
+          <a:pPr marL="114300" lvl="1" indent="-114300" algn="l" defTabSz="533400">
+            <a:lnSpc>
+              <a:spcPct val="90000"/>
+            </a:lnSpc>
+            <a:spcBef>
+              <a:spcPct val="0"/>
+            </a:spcBef>
+            <a:spcAft>
+              <a:spcPct val="15000"/>
+            </a:spcAft>
+            <a:buChar char="•"/>
+          </a:pPr>
+          <a:r>
+            <a:rPr lang="en-US" sz="1200" kern="1200" dirty="0"/>
+            <a:t>Static lambdas</a:t>
+          </a:r>
+        </a:p>
+        <a:p>
+          <a:pPr marL="114300" lvl="1" indent="-114300" algn="l" defTabSz="533400">
+            <a:lnSpc>
+              <a:spcPct val="90000"/>
+            </a:lnSpc>
+            <a:spcBef>
+              <a:spcPct val="0"/>
+            </a:spcBef>
+            <a:spcAft>
+              <a:spcPct val="15000"/>
+            </a:spcAft>
+            <a:buChar char="•"/>
+          </a:pPr>
+          <a:r>
+            <a:rPr lang="en-US" sz="1200" kern="1200" dirty="0"/>
+            <a:t>Module Initializers</a:t>
+          </a:r>
+        </a:p>
+        <a:p>
+          <a:pPr marL="114300" lvl="1" indent="-114300" algn="l" defTabSz="533400">
+            <a:lnSpc>
+              <a:spcPct val="90000"/>
+            </a:lnSpc>
+            <a:spcBef>
+              <a:spcPct val="0"/>
+            </a:spcBef>
+            <a:spcAft>
+              <a:spcPct val="15000"/>
+            </a:spcAft>
+            <a:buChar char="•"/>
+          </a:pPr>
+          <a:r>
+            <a:rPr lang="en-US" sz="1200" kern="1200" dirty="0"/>
+            <a:t>Extending Partial</a:t>
+          </a:r>
+        </a:p>
+        <a:p>
+          <a:pPr marL="114300" lvl="1" indent="-114300" algn="l" defTabSz="533400">
+            <a:lnSpc>
+              <a:spcPct val="90000"/>
+            </a:lnSpc>
+            <a:spcBef>
+              <a:spcPct val="0"/>
+            </a:spcBef>
+            <a:spcAft>
+              <a:spcPct val="15000"/>
+            </a:spcAft>
+            <a:buChar char="•"/>
+          </a:pPr>
+          <a:r>
+            <a:rPr lang="en-US" sz="1200" kern="1200" dirty="0"/>
+            <a:t>Target Type New</a:t>
+          </a:r>
+        </a:p>
+        <a:p>
+          <a:pPr marL="114300" lvl="1" indent="-114300" algn="l" defTabSz="533400">
+            <a:lnSpc>
+              <a:spcPct val="90000"/>
+            </a:lnSpc>
+            <a:spcBef>
+              <a:spcPct val="0"/>
+            </a:spcBef>
+            <a:spcAft>
+              <a:spcPct val="15000"/>
+            </a:spcAft>
+            <a:buChar char="•"/>
+          </a:pPr>
+          <a:r>
+            <a:rPr lang="en-US" sz="1200" kern="1200" dirty="0"/>
+            <a:t>Skip locals </a:t>
+          </a:r>
+          <a:r>
+            <a:rPr lang="en-US" sz="1200" kern="1200" dirty="0" err="1"/>
+            <a:t>init</a:t>
+          </a:r>
+          <a:endParaRPr lang="en-US" sz="1200" kern="1200" dirty="0"/>
+        </a:p>
+        <a:p>
+          <a:pPr marL="114300" lvl="1" indent="-114300" algn="l" defTabSz="533400">
+            <a:lnSpc>
+              <a:spcPct val="90000"/>
+            </a:lnSpc>
+            <a:spcBef>
+              <a:spcPct val="0"/>
+            </a:spcBef>
+            <a:spcAft>
+              <a:spcPct val="15000"/>
+            </a:spcAft>
+            <a:buChar char="•"/>
+          </a:pPr>
+          <a:r>
+            <a:rPr lang="en-US" sz="1200" kern="1200" dirty="0"/>
+            <a:t>Native </a:t>
+          </a:r>
+          <a:r>
+            <a:rPr lang="en-US" sz="1200" kern="1200" dirty="0" err="1"/>
+            <a:t>ints</a:t>
+          </a:r>
+          <a:endParaRPr lang="en-US" sz="1200" kern="1200" dirty="0"/>
+        </a:p>
+        <a:p>
+          <a:pPr marL="114300" lvl="1" indent="-114300" algn="l" defTabSz="533400">
+            <a:lnSpc>
+              <a:spcPct val="90000"/>
+            </a:lnSpc>
+            <a:spcBef>
+              <a:spcPct val="0"/>
+            </a:spcBef>
+            <a:spcAft>
+              <a:spcPct val="15000"/>
+            </a:spcAft>
+            <a:buChar char="•"/>
+          </a:pPr>
+          <a:r>
+            <a:rPr lang="en-US" sz="1200" kern="1200" dirty="0"/>
+            <a:t>Attributes on local functions</a:t>
+          </a:r>
+        </a:p>
+        <a:p>
+          <a:pPr marL="114300" lvl="1" indent="-114300" algn="l" defTabSz="533400">
+            <a:lnSpc>
+              <a:spcPct val="90000"/>
+            </a:lnSpc>
+            <a:spcBef>
+              <a:spcPct val="0"/>
+            </a:spcBef>
+            <a:spcAft>
+              <a:spcPct val="15000"/>
+            </a:spcAft>
+            <a:buChar char="•"/>
+          </a:pPr>
+          <a:r>
+            <a:rPr lang="en-US" sz="1200" kern="1200" dirty="0"/>
+            <a:t>Function pointers</a:t>
+          </a:r>
+        </a:p>
+        <a:p>
+          <a:pPr marL="114300" lvl="1" indent="-114300" algn="l" defTabSz="533400">
+            <a:lnSpc>
+              <a:spcPct val="90000"/>
+            </a:lnSpc>
+            <a:spcBef>
+              <a:spcPct val="0"/>
+            </a:spcBef>
+            <a:spcAft>
+              <a:spcPct val="15000"/>
+            </a:spcAft>
+            <a:buChar char="•"/>
+          </a:pPr>
+          <a:r>
+            <a:rPr lang="en-US" sz="1200" kern="1200" dirty="0"/>
+            <a:t>Pattern matching improvements</a:t>
+          </a:r>
+        </a:p>
+        <a:p>
+          <a:pPr marL="114300" lvl="1" indent="-114300" algn="l" defTabSz="533400">
+            <a:lnSpc>
+              <a:spcPct val="90000"/>
+            </a:lnSpc>
+            <a:spcBef>
+              <a:spcPct val="0"/>
+            </a:spcBef>
+            <a:spcAft>
+              <a:spcPct val="15000"/>
+            </a:spcAft>
+            <a:buChar char="•"/>
+          </a:pPr>
+          <a:r>
+            <a:rPr lang="en-US" sz="1200" kern="1200" dirty="0" err="1"/>
+            <a:t>Taarget</a:t>
+          </a:r>
+          <a:r>
+            <a:rPr lang="en-US" sz="1200" kern="1200" dirty="0"/>
+            <a:t> type </a:t>
+          </a:r>
+          <a:r>
+            <a:rPr lang="en-US" sz="1200" kern="1200" dirty="0" err="1"/>
+            <a:t>conitional</a:t>
+          </a:r>
+          <a:endParaRPr lang="en-US" sz="1200" kern="1200" dirty="0"/>
+        </a:p>
+        <a:p>
+          <a:pPr marL="114300" lvl="1" indent="-114300" algn="l" defTabSz="533400">
+            <a:lnSpc>
+              <a:spcPct val="90000"/>
+            </a:lnSpc>
+            <a:spcBef>
+              <a:spcPct val="0"/>
+            </a:spcBef>
+            <a:spcAft>
+              <a:spcPct val="15000"/>
+            </a:spcAft>
+            <a:buChar char="•"/>
+          </a:pPr>
+          <a:r>
+            <a:rPr lang="en-US" sz="1200" kern="1200" dirty="0"/>
+            <a:t>Covariant returns</a:t>
+          </a:r>
+        </a:p>
+        <a:p>
+          <a:pPr marL="114300" lvl="1" indent="-114300" algn="l" defTabSz="533400">
+            <a:lnSpc>
+              <a:spcPct val="90000"/>
+            </a:lnSpc>
+            <a:spcBef>
+              <a:spcPct val="0"/>
+            </a:spcBef>
+            <a:spcAft>
+              <a:spcPct val="15000"/>
+            </a:spcAft>
+            <a:buChar char="•"/>
+          </a:pPr>
+          <a:r>
+            <a:rPr lang="en-US" sz="1200" kern="1200" dirty="0"/>
+            <a:t>Extension </a:t>
+          </a:r>
+          <a:r>
+            <a:rPr lang="en-US" sz="1200" kern="1200" dirty="0" err="1"/>
+            <a:t>GetEnumerator</a:t>
+          </a:r>
+          <a:endParaRPr lang="en-US" sz="1200" kern="1200" dirty="0"/>
+        </a:p>
+      </dsp:txBody>
+      <dsp:txXfrm rot="-5400000">
+        <a:off x="3609340" y="163608"/>
+        <a:ext cx="7809452" cy="3024314"/>
       </dsp:txXfrm>
     </dsp:sp>
   </dsp:spTree>
@@ -5636,6 +7599,262 @@
 </dgm:layoutDef>
 </file>
 
+<file path=ppt/diagrams/layout3.xml><?xml version="1.0" encoding="utf-8"?>
+<dgm:layoutDef xmlns:dgm="http://schemas.openxmlformats.org/drawingml/2006/diagram" xmlns:a="http://schemas.openxmlformats.org/drawingml/2006/main" uniqueId="urn:microsoft.com/office/officeart/2005/8/layout/chevron2">
+  <dgm:title val=""/>
+  <dgm:desc val=""/>
+  <dgm:catLst>
+    <dgm:cat type="process" pri="12000"/>
+    <dgm:cat type="list" pri="16000"/>
+    <dgm:cat type="convert" pri="11000"/>
+  </dgm:catLst>
+  <dgm:sampData>
+    <dgm:dataModel>
+      <dgm:ptLst>
+        <dgm:pt modelId="0" type="doc"/>
+        <dgm:pt modelId="1">
+          <dgm:prSet phldr="1"/>
+        </dgm:pt>
+        <dgm:pt modelId="11">
+          <dgm:prSet phldr="1"/>
+        </dgm:pt>
+        <dgm:pt modelId="12">
+          <dgm:prSet phldr="1"/>
+        </dgm:pt>
+        <dgm:pt modelId="2">
+          <dgm:prSet phldr="1"/>
+        </dgm:pt>
+        <dgm:pt modelId="21">
+          <dgm:prSet phldr="1"/>
+        </dgm:pt>
+        <dgm:pt modelId="22">
+          <dgm:prSet phldr="1"/>
+        </dgm:pt>
+        <dgm:pt modelId="3">
+          <dgm:prSet phldr="1"/>
+        </dgm:pt>
+        <dgm:pt modelId="31">
+          <dgm:prSet phldr="1"/>
+        </dgm:pt>
+        <dgm:pt modelId="32">
+          <dgm:prSet phldr="1"/>
+        </dgm:pt>
+      </dgm:ptLst>
+      <dgm:cxnLst>
+        <dgm:cxn modelId="4" srcId="0" destId="1" srcOrd="0" destOrd="0"/>
+        <dgm:cxn modelId="5" srcId="0" destId="2" srcOrd="1" destOrd="0"/>
+        <dgm:cxn modelId="6" srcId="0" destId="3" srcOrd="2" destOrd="0"/>
+        <dgm:cxn modelId="13" srcId="1" destId="11" srcOrd="0" destOrd="0"/>
+        <dgm:cxn modelId="14" srcId="1" destId="12" srcOrd="1" destOrd="0"/>
+        <dgm:cxn modelId="23" srcId="2" destId="21" srcOrd="0" destOrd="0"/>
+        <dgm:cxn modelId="24" srcId="2" destId="22" srcOrd="1" destOrd="0"/>
+        <dgm:cxn modelId="33" srcId="3" destId="31" srcOrd="0" destOrd="0"/>
+        <dgm:cxn modelId="34" srcId="3" destId="32" srcOrd="1" destOrd="0"/>
+      </dgm:cxnLst>
+      <dgm:bg/>
+      <dgm:whole/>
+    </dgm:dataModel>
+  </dgm:sampData>
+  <dgm:styleData>
+    <dgm:dataModel>
+      <dgm:ptLst>
+        <dgm:pt modelId="0" type="doc"/>
+        <dgm:pt modelId="1"/>
+      </dgm:ptLst>
+      <dgm:cxnLst>
+        <dgm:cxn modelId="4" srcId="0" destId="1" srcOrd="0" destOrd="0"/>
+      </dgm:cxnLst>
+      <dgm:bg/>
+      <dgm:whole/>
+    </dgm:dataModel>
+  </dgm:styleData>
+  <dgm:clrData>
+    <dgm:dataModel>
+      <dgm:ptLst>
+        <dgm:pt modelId="0" type="doc"/>
+        <dgm:pt modelId="1"/>
+        <dgm:pt modelId="11"/>
+        <dgm:pt modelId="2"/>
+        <dgm:pt modelId="21"/>
+        <dgm:pt modelId="3"/>
+        <dgm:pt modelId="31"/>
+        <dgm:pt modelId="4"/>
+        <dgm:pt modelId="41"/>
+      </dgm:ptLst>
+      <dgm:cxnLst>
+        <dgm:cxn modelId="5" srcId="0" destId="1" srcOrd="0" destOrd="0"/>
+        <dgm:cxn modelId="6" srcId="0" destId="2" srcOrd="1" destOrd="0"/>
+        <dgm:cxn modelId="7" srcId="0" destId="3" srcOrd="2" destOrd="0"/>
+        <dgm:cxn modelId="8" srcId="0" destId="4" srcOrd="3" destOrd="0"/>
+        <dgm:cxn modelId="13" srcId="1" destId="11" srcOrd="0" destOrd="0"/>
+        <dgm:cxn modelId="23" srcId="2" destId="21" srcOrd="0" destOrd="0"/>
+        <dgm:cxn modelId="33" srcId="3" destId="31" srcOrd="0" destOrd="0"/>
+        <dgm:cxn modelId="43" srcId="4" destId="41" srcOrd="0" destOrd="0"/>
+      </dgm:cxnLst>
+      <dgm:bg/>
+      <dgm:whole/>
+    </dgm:dataModel>
+  </dgm:clrData>
+  <dgm:layoutNode name="linearFlow">
+    <dgm:varLst>
+      <dgm:dir/>
+      <dgm:animLvl val="lvl"/>
+      <dgm:resizeHandles val="exact"/>
+    </dgm:varLst>
+    <dgm:alg type="lin">
+      <dgm:param type="linDir" val="fromT"/>
+      <dgm:param type="nodeHorzAlign" val="l"/>
+    </dgm:alg>
+    <dgm:shape xmlns:r="http://schemas.openxmlformats.org/officeDocument/2006/relationships" r:blip="">
+      <dgm:adjLst/>
+    </dgm:shape>
+    <dgm:presOf/>
+    <dgm:constrLst>
+      <dgm:constr type="h" for="ch" forName="composite" refType="h"/>
+      <dgm:constr type="w" for="ch" forName="composite" refType="w"/>
+      <dgm:constr type="h" for="des" forName="parentText" op="equ"/>
+      <dgm:constr type="h" for="ch" forName="sp" val="-14.88"/>
+      <dgm:constr type="h" for="ch" forName="sp" refType="w" refFor="des" refForName="parentText" op="gte" fact="-0.3"/>
+      <dgm:constr type="primFontSz" for="des" forName="parentText" op="equ" val="65"/>
+      <dgm:constr type="primFontSz" for="des" forName="descendantText" op="equ" val="65"/>
+    </dgm:constrLst>
+    <dgm:ruleLst/>
+    <dgm:forEach name="Name0" axis="ch" ptType="node">
+      <dgm:layoutNode name="composite">
+        <dgm:alg type="composite"/>
+        <dgm:shape xmlns:r="http://schemas.openxmlformats.org/officeDocument/2006/relationships" r:blip="">
+          <dgm:adjLst/>
+        </dgm:shape>
+        <dgm:presOf/>
+        <dgm:choose name="Name1">
+          <dgm:if name="Name2" func="var" arg="dir" op="equ" val="norm">
+            <dgm:constrLst>
+              <dgm:constr type="t" for="ch" forName="parentText"/>
+              <dgm:constr type="l" for="ch" forName="parentText"/>
+              <dgm:constr type="w" for="ch" forName="parentText" refType="w" fact="0.4"/>
+              <dgm:constr type="h" for="ch" forName="parentText" refType="h"/>
+              <dgm:constr type="w" for="ch" forName="parentText" refType="w" op="lte" fact="0.5"/>
+              <dgm:constr type="w" for="ch" forName="parentText" refType="h" refFor="ch" refForName="parentText" op="lte" fact="0.7"/>
+              <dgm:constr type="h" for="ch" forName="parentText" refType="w" refFor="ch" refForName="parentText" op="lte" fact="3"/>
+              <dgm:constr type="l" for="ch" forName="descendantText" refType="w" refFor="ch" refForName="parentText"/>
+              <dgm:constr type="w" for="ch" forName="descendantText" refType="w"/>
+              <dgm:constr type="wOff" for="ch" forName="descendantText" refType="w" refFor="ch" refForName="parentText" fact="-1"/>
+              <dgm:constr type="t" for="ch" forName="descendantText"/>
+              <dgm:constr type="b" for="ch" forName="descendantText" refType="h" refFor="ch" refForName="parentText"/>
+              <dgm:constr type="bOff" for="ch" forName="descendantText" refType="w" refFor="ch" refForName="parentText" fact="-0.5"/>
+            </dgm:constrLst>
+          </dgm:if>
+          <dgm:else name="Name3">
+            <dgm:constrLst>
+              <dgm:constr type="t" for="ch" forName="parentText"/>
+              <dgm:constr type="r" for="ch" forName="parentText" refType="w"/>
+              <dgm:constr type="w" for="ch" forName="parentText" refType="w" fact="0.4"/>
+              <dgm:constr type="h" for="ch" forName="parentText" refType="h"/>
+              <dgm:constr type="w" for="ch" forName="parentText" refType="w" op="lte" fact="0.5"/>
+              <dgm:constr type="w" for="ch" forName="parentText" refType="h" refFor="ch" refForName="parentText" op="lte" fact="0.7"/>
+              <dgm:constr type="h" for="ch" forName="parentText" refType="w" refFor="ch" refForName="parentText" op="lte" fact="3"/>
+              <dgm:constr type="l" for="ch" forName="descendantText"/>
+              <dgm:constr type="w" for="ch" forName="descendantText" refType="w"/>
+              <dgm:constr type="wOff" for="ch" forName="descendantText" refType="w" refFor="ch" refForName="parentText" fact="-1"/>
+              <dgm:constr type="t" for="ch" forName="descendantText"/>
+              <dgm:constr type="b" for="ch" forName="descendantText" refType="h" refFor="ch" refForName="parentText"/>
+              <dgm:constr type="bOff" for="ch" forName="descendantText" refType="w" refFor="ch" refForName="parentText" fact="-0.5"/>
+            </dgm:constrLst>
+          </dgm:else>
+        </dgm:choose>
+        <dgm:ruleLst/>
+        <dgm:layoutNode name="parentText" styleLbl="alignNode1">
+          <dgm:varLst>
+            <dgm:chMax val="1"/>
+            <dgm:bulletEnabled val="1"/>
+          </dgm:varLst>
+          <dgm:alg type="tx"/>
+          <dgm:shape xmlns:r="http://schemas.openxmlformats.org/officeDocument/2006/relationships" rot="90" type="chevron" r:blip="">
+            <dgm:adjLst/>
+          </dgm:shape>
+          <dgm:presOf axis="self" ptType="node"/>
+          <dgm:constrLst>
+            <dgm:constr type="lMarg" refType="primFontSz" fact="0.05"/>
+            <dgm:constr type="rMarg" refType="primFontSz" fact="0.05"/>
+            <dgm:constr type="tMarg" refType="primFontSz" fact="0.05"/>
+            <dgm:constr type="bMarg" refType="primFontSz" fact="0.05"/>
+          </dgm:constrLst>
+          <dgm:ruleLst>
+            <dgm:rule type="h" val="100" fact="NaN" max="NaN"/>
+            <dgm:rule type="primFontSz" val="24" fact="NaN" max="NaN"/>
+            <dgm:rule type="h" val="110" fact="NaN" max="NaN"/>
+            <dgm:rule type="primFontSz" val="18" fact="NaN" max="NaN"/>
+            <dgm:rule type="h" val="INF" fact="NaN" max="NaN"/>
+            <dgm:rule type="primFontSz" val="5" fact="NaN" max="NaN"/>
+          </dgm:ruleLst>
+        </dgm:layoutNode>
+        <dgm:layoutNode name="descendantText" styleLbl="alignAcc1">
+          <dgm:varLst>
+            <dgm:bulletEnabled val="1"/>
+          </dgm:varLst>
+          <dgm:choose name="Name4">
+            <dgm:if name="Name5" func="var" arg="dir" op="equ" val="norm">
+              <dgm:alg type="tx">
+                <dgm:param type="stBulletLvl" val="1"/>
+                <dgm:param type="txAnchorVertCh" val="mid"/>
+              </dgm:alg>
+              <dgm:shape xmlns:r="http://schemas.openxmlformats.org/officeDocument/2006/relationships" rot="90" type="round2SameRect" r:blip="">
+                <dgm:adjLst/>
+              </dgm:shape>
+            </dgm:if>
+            <dgm:else name="Name6">
+              <dgm:alg type="tx">
+                <dgm:param type="stBulletLvl" val="1"/>
+                <dgm:param type="txAnchorVertCh" val="mid"/>
+              </dgm:alg>
+              <dgm:shape xmlns:r="http://schemas.openxmlformats.org/officeDocument/2006/relationships" rot="-90" type="round2SameRect" r:blip="">
+                <dgm:adjLst/>
+              </dgm:shape>
+            </dgm:else>
+          </dgm:choose>
+          <dgm:presOf axis="des" ptType="node"/>
+          <dgm:choose name="Name7">
+            <dgm:if name="Name8" func="var" arg="dir" op="equ" val="norm">
+              <dgm:constrLst>
+                <dgm:constr type="secFontSz" refType="primFontSz"/>
+                <dgm:constr type="tMarg" refType="primFontSz" fact="0.05"/>
+                <dgm:constr type="bMarg" refType="primFontSz" fact="0.05"/>
+                <dgm:constr type="rMarg" refType="primFontSz" fact="0.05"/>
+              </dgm:constrLst>
+            </dgm:if>
+            <dgm:else name="Name9">
+              <dgm:constrLst>
+                <dgm:constr type="secFontSz" refType="primFontSz"/>
+                <dgm:constr type="tMarg" refType="primFontSz" fact="0.05"/>
+                <dgm:constr type="bMarg" refType="primFontSz" fact="0.05"/>
+                <dgm:constr type="lMarg" refType="primFontSz" fact="0.05"/>
+              </dgm:constrLst>
+            </dgm:else>
+          </dgm:choose>
+          <dgm:ruleLst>
+            <dgm:rule type="primFontSz" val="5" fact="NaN" max="NaN"/>
+          </dgm:ruleLst>
+        </dgm:layoutNode>
+      </dgm:layoutNode>
+      <dgm:forEach name="Name10" axis="followSib" ptType="sibTrans" cnt="1">
+        <dgm:layoutNode name="sp">
+          <dgm:alg type="sp"/>
+          <dgm:shape xmlns:r="http://schemas.openxmlformats.org/officeDocument/2006/relationships" r:blip="">
+            <dgm:adjLst/>
+          </dgm:shape>
+          <dgm:presOf axis="self"/>
+          <dgm:constrLst>
+            <dgm:constr type="w" val="1"/>
+            <dgm:constr type="h" val="37.5"/>
+          </dgm:constrLst>
+          <dgm:ruleLst/>
+        </dgm:layoutNode>
+      </dgm:forEach>
+    </dgm:forEach>
+  </dgm:layoutNode>
+</dgm:layoutDef>
+</file>
+
 <file path=ppt/diagrams/quickStyle1.xml><?xml version="1.0" encoding="utf-8"?>
 <dgm:styleDef xmlns:dgm="http://schemas.openxmlformats.org/drawingml/2006/diagram" xmlns:a="http://schemas.openxmlformats.org/drawingml/2006/main" uniqueId="urn:microsoft.com/office/officeart/2005/8/quickstyle/simple1">
   <dgm:title val=""/>
@@ -6671,6 +8890,1040 @@
 </file>
 
 <file path=ppt/diagrams/quickStyle2.xml><?xml version="1.0" encoding="utf-8"?>
+<dgm:styleDef xmlns:dgm="http://schemas.openxmlformats.org/drawingml/2006/diagram" xmlns:a="http://schemas.openxmlformats.org/drawingml/2006/main" uniqueId="urn:microsoft.com/office/officeart/2005/8/quickstyle/simple1">
+  <dgm:title val=""/>
+  <dgm:desc val=""/>
+  <dgm:catLst>
+    <dgm:cat type="simple" pri="10100"/>
+  </dgm:catLst>
+  <dgm:scene3d>
+    <a:camera prst="orthographicFront"/>
+    <a:lightRig rig="threePt" dir="t"/>
+  </dgm:scene3d>
+  <dgm:styleLbl name="node0">
+    <dgm:scene3d>
+      <a:camera prst="orthographicFront"/>
+      <a:lightRig rig="threePt" dir="t"/>
+    </dgm:scene3d>
+    <dgm:sp3d/>
+    <dgm:txPr/>
+    <dgm:style>
+      <a:lnRef idx="2">
+        <a:scrgbClr r="0" g="0" b="0"/>
+      </a:lnRef>
+      <a:fillRef idx="1">
+        <a:scrgbClr r="0" g="0" b="0"/>
+      </a:fillRef>
+      <a:effectRef idx="0">
+        <a:scrgbClr r="0" g="0" b="0"/>
+      </a:effectRef>
+      <a:fontRef idx="minor">
+        <a:schemeClr val="lt1"/>
+      </a:fontRef>
+    </dgm:style>
+  </dgm:styleLbl>
+  <dgm:styleLbl name="lnNode1">
+    <dgm:scene3d>
+      <a:camera prst="orthographicFront"/>
+      <a:lightRig rig="threePt" dir="t"/>
+    </dgm:scene3d>
+    <dgm:sp3d/>
+    <dgm:txPr/>
+    <dgm:style>
+      <a:lnRef idx="2">
+        <a:scrgbClr r="0" g="0" b="0"/>
+      </a:lnRef>
+      <a:fillRef idx="1">
+        <a:scrgbClr r="0" g="0" b="0"/>
+      </a:fillRef>
+      <a:effectRef idx="0">
+        <a:scrgbClr r="0" g="0" b="0"/>
+      </a:effectRef>
+      <a:fontRef idx="minor">
+        <a:schemeClr val="lt1"/>
+      </a:fontRef>
+    </dgm:style>
+  </dgm:styleLbl>
+  <dgm:styleLbl name="vennNode1">
+    <dgm:scene3d>
+      <a:camera prst="orthographicFront"/>
+      <a:lightRig rig="threePt" dir="t"/>
+    </dgm:scene3d>
+    <dgm:sp3d/>
+    <dgm:txPr/>
+    <dgm:style>
+      <a:lnRef idx="2">
+        <a:scrgbClr r="0" g="0" b="0"/>
+      </a:lnRef>
+      <a:fillRef idx="1">
+        <a:scrgbClr r="0" g="0" b="0"/>
+      </a:fillRef>
+      <a:effectRef idx="0">
+        <a:scrgbClr r="0" g="0" b="0"/>
+      </a:effectRef>
+      <a:fontRef idx="minor">
+        <a:schemeClr val="tx1"/>
+      </a:fontRef>
+    </dgm:style>
+  </dgm:styleLbl>
+  <dgm:styleLbl name="alignNode1">
+    <dgm:scene3d>
+      <a:camera prst="orthographicFront"/>
+      <a:lightRig rig="threePt" dir="t"/>
+    </dgm:scene3d>
+    <dgm:sp3d/>
+    <dgm:txPr/>
+    <dgm:style>
+      <a:lnRef idx="2">
+        <a:scrgbClr r="0" g="0" b="0"/>
+      </a:lnRef>
+      <a:fillRef idx="1">
+        <a:scrgbClr r="0" g="0" b="0"/>
+      </a:fillRef>
+      <a:effectRef idx="0">
+        <a:scrgbClr r="0" g="0" b="0"/>
+      </a:effectRef>
+      <a:fontRef idx="minor">
+        <a:schemeClr val="lt1"/>
+      </a:fontRef>
+    </dgm:style>
+  </dgm:styleLbl>
+  <dgm:styleLbl name="node1">
+    <dgm:scene3d>
+      <a:camera prst="orthographicFront"/>
+      <a:lightRig rig="threePt" dir="t"/>
+    </dgm:scene3d>
+    <dgm:sp3d/>
+    <dgm:txPr/>
+    <dgm:style>
+      <a:lnRef idx="2">
+        <a:scrgbClr r="0" g="0" b="0"/>
+      </a:lnRef>
+      <a:fillRef idx="1">
+        <a:scrgbClr r="0" g="0" b="0"/>
+      </a:fillRef>
+      <a:effectRef idx="0">
+        <a:scrgbClr r="0" g="0" b="0"/>
+      </a:effectRef>
+      <a:fontRef idx="minor">
+        <a:schemeClr val="lt1"/>
+      </a:fontRef>
+    </dgm:style>
+  </dgm:styleLbl>
+  <dgm:styleLbl name="node2">
+    <dgm:scene3d>
+      <a:camera prst="orthographicFront"/>
+      <a:lightRig rig="threePt" dir="t"/>
+    </dgm:scene3d>
+    <dgm:sp3d/>
+    <dgm:txPr/>
+    <dgm:style>
+      <a:lnRef idx="2">
+        <a:scrgbClr r="0" g="0" b="0"/>
+      </a:lnRef>
+      <a:fillRef idx="1">
+        <a:scrgbClr r="0" g="0" b="0"/>
+      </a:fillRef>
+      <a:effectRef idx="0">
+        <a:scrgbClr r="0" g="0" b="0"/>
+      </a:effectRef>
+      <a:fontRef idx="minor">
+        <a:schemeClr val="lt1"/>
+      </a:fontRef>
+    </dgm:style>
+  </dgm:styleLbl>
+  <dgm:styleLbl name="node3">
+    <dgm:scene3d>
+      <a:camera prst="orthographicFront"/>
+      <a:lightRig rig="threePt" dir="t"/>
+    </dgm:scene3d>
+    <dgm:sp3d/>
+    <dgm:txPr/>
+    <dgm:style>
+      <a:lnRef idx="2">
+        <a:scrgbClr r="0" g="0" b="0"/>
+      </a:lnRef>
+      <a:fillRef idx="1">
+        <a:scrgbClr r="0" g="0" b="0"/>
+      </a:fillRef>
+      <a:effectRef idx="0">
+        <a:scrgbClr r="0" g="0" b="0"/>
+      </a:effectRef>
+      <a:fontRef idx="minor">
+        <a:schemeClr val="lt1"/>
+      </a:fontRef>
+    </dgm:style>
+  </dgm:styleLbl>
+  <dgm:styleLbl name="node4">
+    <dgm:scene3d>
+      <a:camera prst="orthographicFront"/>
+      <a:lightRig rig="threePt" dir="t"/>
+    </dgm:scene3d>
+    <dgm:sp3d/>
+    <dgm:txPr/>
+    <dgm:style>
+      <a:lnRef idx="2">
+        <a:scrgbClr r="0" g="0" b="0"/>
+      </a:lnRef>
+      <a:fillRef idx="1">
+        <a:scrgbClr r="0" g="0" b="0"/>
+      </a:fillRef>
+      <a:effectRef idx="0">
+        <a:scrgbClr r="0" g="0" b="0"/>
+      </a:effectRef>
+      <a:fontRef idx="minor">
+        <a:schemeClr val="lt1"/>
+      </a:fontRef>
+    </dgm:style>
+  </dgm:styleLbl>
+  <dgm:styleLbl name="fgImgPlace1">
+    <dgm:scene3d>
+      <a:camera prst="orthographicFront"/>
+      <a:lightRig rig="threePt" dir="t"/>
+    </dgm:scene3d>
+    <dgm:sp3d/>
+    <dgm:txPr/>
+    <dgm:style>
+      <a:lnRef idx="2">
+        <a:scrgbClr r="0" g="0" b="0"/>
+      </a:lnRef>
+      <a:fillRef idx="1">
+        <a:scrgbClr r="0" g="0" b="0"/>
+      </a:fillRef>
+      <a:effectRef idx="0">
+        <a:scrgbClr r="0" g="0" b="0"/>
+      </a:effectRef>
+      <a:fontRef idx="minor"/>
+    </dgm:style>
+  </dgm:styleLbl>
+  <dgm:styleLbl name="alignImgPlace1">
+    <dgm:scene3d>
+      <a:camera prst="orthographicFront"/>
+      <a:lightRig rig="threePt" dir="t"/>
+    </dgm:scene3d>
+    <dgm:sp3d/>
+    <dgm:txPr/>
+    <dgm:style>
+      <a:lnRef idx="2">
+        <a:scrgbClr r="0" g="0" b="0"/>
+      </a:lnRef>
+      <a:fillRef idx="1">
+        <a:scrgbClr r="0" g="0" b="0"/>
+      </a:fillRef>
+      <a:effectRef idx="0">
+        <a:scrgbClr r="0" g="0" b="0"/>
+      </a:effectRef>
+      <a:fontRef idx="minor"/>
+    </dgm:style>
+  </dgm:styleLbl>
+  <dgm:styleLbl name="bgImgPlace1">
+    <dgm:scene3d>
+      <a:camera prst="orthographicFront"/>
+      <a:lightRig rig="threePt" dir="t"/>
+    </dgm:scene3d>
+    <dgm:sp3d/>
+    <dgm:txPr/>
+    <dgm:style>
+      <a:lnRef idx="2">
+        <a:scrgbClr r="0" g="0" b="0"/>
+      </a:lnRef>
+      <a:fillRef idx="1">
+        <a:scrgbClr r="0" g="0" b="0"/>
+      </a:fillRef>
+      <a:effectRef idx="0">
+        <a:scrgbClr r="0" g="0" b="0"/>
+      </a:effectRef>
+      <a:fontRef idx="minor"/>
+    </dgm:style>
+  </dgm:styleLbl>
+  <dgm:styleLbl name="sibTrans2D1">
+    <dgm:scene3d>
+      <a:camera prst="orthographicFront"/>
+      <a:lightRig rig="threePt" dir="t"/>
+    </dgm:scene3d>
+    <dgm:sp3d/>
+    <dgm:txPr/>
+    <dgm:style>
+      <a:lnRef idx="0">
+        <a:scrgbClr r="0" g="0" b="0"/>
+      </a:lnRef>
+      <a:fillRef idx="1">
+        <a:scrgbClr r="0" g="0" b="0"/>
+      </a:fillRef>
+      <a:effectRef idx="0">
+        <a:scrgbClr r="0" g="0" b="0"/>
+      </a:effectRef>
+      <a:fontRef idx="minor">
+        <a:schemeClr val="lt1"/>
+      </a:fontRef>
+    </dgm:style>
+  </dgm:styleLbl>
+  <dgm:styleLbl name="fgSibTrans2D1">
+    <dgm:scene3d>
+      <a:camera prst="orthographicFront"/>
+      <a:lightRig rig="threePt" dir="t"/>
+    </dgm:scene3d>
+    <dgm:sp3d/>
+    <dgm:txPr/>
+    <dgm:style>
+      <a:lnRef idx="0">
+        <a:scrgbClr r="0" g="0" b="0"/>
+      </a:lnRef>
+      <a:fillRef idx="1">
+        <a:scrgbClr r="0" g="0" b="0"/>
+      </a:fillRef>
+      <a:effectRef idx="0">
+        <a:scrgbClr r="0" g="0" b="0"/>
+      </a:effectRef>
+      <a:fontRef idx="minor">
+        <a:schemeClr val="lt1"/>
+      </a:fontRef>
+    </dgm:style>
+  </dgm:styleLbl>
+  <dgm:styleLbl name="bgSibTrans2D1">
+    <dgm:scene3d>
+      <a:camera prst="orthographicFront"/>
+      <a:lightRig rig="threePt" dir="t"/>
+    </dgm:scene3d>
+    <dgm:sp3d/>
+    <dgm:txPr/>
+    <dgm:style>
+      <a:lnRef idx="0">
+        <a:scrgbClr r="0" g="0" b="0"/>
+      </a:lnRef>
+      <a:fillRef idx="1">
+        <a:scrgbClr r="0" g="0" b="0"/>
+      </a:fillRef>
+      <a:effectRef idx="0">
+        <a:scrgbClr r="0" g="0" b="0"/>
+      </a:effectRef>
+      <a:fontRef idx="minor">
+        <a:schemeClr val="lt1"/>
+      </a:fontRef>
+    </dgm:style>
+  </dgm:styleLbl>
+  <dgm:styleLbl name="sibTrans1D1">
+    <dgm:scene3d>
+      <a:camera prst="orthographicFront"/>
+      <a:lightRig rig="threePt" dir="t"/>
+    </dgm:scene3d>
+    <dgm:sp3d/>
+    <dgm:txPr/>
+    <dgm:style>
+      <a:lnRef idx="1">
+        <a:scrgbClr r="0" g="0" b="0"/>
+      </a:lnRef>
+      <a:fillRef idx="0">
+        <a:scrgbClr r="0" g="0" b="0"/>
+      </a:fillRef>
+      <a:effectRef idx="0">
+        <a:scrgbClr r="0" g="0" b="0"/>
+      </a:effectRef>
+      <a:fontRef idx="minor"/>
+    </dgm:style>
+  </dgm:styleLbl>
+  <dgm:styleLbl name="callout">
+    <dgm:scene3d>
+      <a:camera prst="orthographicFront"/>
+      <a:lightRig rig="threePt" dir="t"/>
+    </dgm:scene3d>
+    <dgm:sp3d/>
+    <dgm:txPr/>
+    <dgm:style>
+      <a:lnRef idx="2">
+        <a:scrgbClr r="0" g="0" b="0"/>
+      </a:lnRef>
+      <a:fillRef idx="1">
+        <a:scrgbClr r="0" g="0" b="0"/>
+      </a:fillRef>
+      <a:effectRef idx="0">
+        <a:scrgbClr r="0" g="0" b="0"/>
+      </a:effectRef>
+      <a:fontRef idx="minor"/>
+    </dgm:style>
+  </dgm:styleLbl>
+  <dgm:styleLbl name="asst0">
+    <dgm:scene3d>
+      <a:camera prst="orthographicFront"/>
+      <a:lightRig rig="threePt" dir="t"/>
+    </dgm:scene3d>
+    <dgm:sp3d/>
+    <dgm:txPr/>
+    <dgm:style>
+      <a:lnRef idx="2">
+        <a:scrgbClr r="0" g="0" b="0"/>
+      </a:lnRef>
+      <a:fillRef idx="1">
+        <a:scrgbClr r="0" g="0" b="0"/>
+      </a:fillRef>
+      <a:effectRef idx="0">
+        <a:scrgbClr r="0" g="0" b="0"/>
+      </a:effectRef>
+      <a:fontRef idx="minor">
+        <a:schemeClr val="lt1"/>
+      </a:fontRef>
+    </dgm:style>
+  </dgm:styleLbl>
+  <dgm:styleLbl name="asst1">
+    <dgm:scene3d>
+      <a:camera prst="orthographicFront"/>
+      <a:lightRig rig="threePt" dir="t"/>
+    </dgm:scene3d>
+    <dgm:sp3d/>
+    <dgm:txPr/>
+    <dgm:style>
+      <a:lnRef idx="2">
+        <a:scrgbClr r="0" g="0" b="0"/>
+      </a:lnRef>
+      <a:fillRef idx="1">
+        <a:scrgbClr r="0" g="0" b="0"/>
+      </a:fillRef>
+      <a:effectRef idx="0">
+        <a:scrgbClr r="0" g="0" b="0"/>
+      </a:effectRef>
+      <a:fontRef idx="minor">
+        <a:schemeClr val="lt1"/>
+      </a:fontRef>
+    </dgm:style>
+  </dgm:styleLbl>
+  <dgm:styleLbl name="asst2">
+    <dgm:scene3d>
+      <a:camera prst="orthographicFront"/>
+      <a:lightRig rig="threePt" dir="t"/>
+    </dgm:scene3d>
+    <dgm:sp3d/>
+    <dgm:txPr/>
+    <dgm:style>
+      <a:lnRef idx="2">
+        <a:scrgbClr r="0" g="0" b="0"/>
+      </a:lnRef>
+      <a:fillRef idx="1">
+        <a:scrgbClr r="0" g="0" b="0"/>
+      </a:fillRef>
+      <a:effectRef idx="0">
+        <a:scrgbClr r="0" g="0" b="0"/>
+      </a:effectRef>
+      <a:fontRef idx="minor">
+        <a:schemeClr val="lt1"/>
+      </a:fontRef>
+    </dgm:style>
+  </dgm:styleLbl>
+  <dgm:styleLbl name="asst3">
+    <dgm:scene3d>
+      <a:camera prst="orthographicFront"/>
+      <a:lightRig rig="threePt" dir="t"/>
+    </dgm:scene3d>
+    <dgm:sp3d/>
+    <dgm:txPr/>
+    <dgm:style>
+      <a:lnRef idx="2">
+        <a:scrgbClr r="0" g="0" b="0"/>
+      </a:lnRef>
+      <a:fillRef idx="1">
+        <a:scrgbClr r="0" g="0" b="0"/>
+      </a:fillRef>
+      <a:effectRef idx="0">
+        <a:scrgbClr r="0" g="0" b="0"/>
+      </a:effectRef>
+      <a:fontRef idx="minor">
+        <a:schemeClr val="lt1"/>
+      </a:fontRef>
+    </dgm:style>
+  </dgm:styleLbl>
+  <dgm:styleLbl name="asst4">
+    <dgm:scene3d>
+      <a:camera prst="orthographicFront"/>
+      <a:lightRig rig="threePt" dir="t"/>
+    </dgm:scene3d>
+    <dgm:sp3d/>
+    <dgm:txPr/>
+    <dgm:style>
+      <a:lnRef idx="2">
+        <a:scrgbClr r="0" g="0" b="0"/>
+      </a:lnRef>
+      <a:fillRef idx="1">
+        <a:scrgbClr r="0" g="0" b="0"/>
+      </a:fillRef>
+      <a:effectRef idx="0">
+        <a:scrgbClr r="0" g="0" b="0"/>
+      </a:effectRef>
+      <a:fontRef idx="minor">
+        <a:schemeClr val="lt1"/>
+      </a:fontRef>
+    </dgm:style>
+  </dgm:styleLbl>
+  <dgm:styleLbl name="parChTrans2D1">
+    <dgm:scene3d>
+      <a:camera prst="orthographicFront"/>
+      <a:lightRig rig="threePt" dir="t"/>
+    </dgm:scene3d>
+    <dgm:sp3d/>
+    <dgm:txPr/>
+    <dgm:style>
+      <a:lnRef idx="2">
+        <a:scrgbClr r="0" g="0" b="0"/>
+      </a:lnRef>
+      <a:fillRef idx="1">
+        <a:scrgbClr r="0" g="0" b="0"/>
+      </a:fillRef>
+      <a:effectRef idx="0">
+        <a:scrgbClr r="0" g="0" b="0"/>
+      </a:effectRef>
+      <a:fontRef idx="minor">
+        <a:schemeClr val="lt1"/>
+      </a:fontRef>
+    </dgm:style>
+  </dgm:styleLbl>
+  <dgm:styleLbl name="parChTrans2D2">
+    <dgm:scene3d>
+      <a:camera prst="orthographicFront"/>
+      <a:lightRig rig="threePt" dir="t"/>
+    </dgm:scene3d>
+    <dgm:sp3d/>
+    <dgm:txPr/>
+    <dgm:style>
+      <a:lnRef idx="2">
+        <a:scrgbClr r="0" g="0" b="0"/>
+      </a:lnRef>
+      <a:fillRef idx="1">
+        <a:scrgbClr r="0" g="0" b="0"/>
+      </a:fillRef>
+      <a:effectRef idx="0">
+        <a:scrgbClr r="0" g="0" b="0"/>
+      </a:effectRef>
+      <a:fontRef idx="minor">
+        <a:schemeClr val="lt1"/>
+      </a:fontRef>
+    </dgm:style>
+  </dgm:styleLbl>
+  <dgm:styleLbl name="parChTrans2D3">
+    <dgm:scene3d>
+      <a:camera prst="orthographicFront"/>
+      <a:lightRig rig="threePt" dir="t"/>
+    </dgm:scene3d>
+    <dgm:sp3d/>
+    <dgm:txPr/>
+    <dgm:style>
+      <a:lnRef idx="2">
+        <a:scrgbClr r="0" g="0" b="0"/>
+      </a:lnRef>
+      <a:fillRef idx="1">
+        <a:scrgbClr r="0" g="0" b="0"/>
+      </a:fillRef>
+      <a:effectRef idx="0">
+        <a:scrgbClr r="0" g="0" b="0"/>
+      </a:effectRef>
+      <a:fontRef idx="minor">
+        <a:schemeClr val="lt1"/>
+      </a:fontRef>
+    </dgm:style>
+  </dgm:styleLbl>
+  <dgm:styleLbl name="parChTrans2D4">
+    <dgm:scene3d>
+      <a:camera prst="orthographicFront"/>
+      <a:lightRig rig="threePt" dir="t"/>
+    </dgm:scene3d>
+    <dgm:sp3d/>
+    <dgm:txPr/>
+    <dgm:style>
+      <a:lnRef idx="2">
+        <a:scrgbClr r="0" g="0" b="0"/>
+      </a:lnRef>
+      <a:fillRef idx="1">
+        <a:scrgbClr r="0" g="0" b="0"/>
+      </a:fillRef>
+      <a:effectRef idx="0">
+        <a:scrgbClr r="0" g="0" b="0"/>
+      </a:effectRef>
+      <a:fontRef idx="minor">
+        <a:schemeClr val="lt1"/>
+      </a:fontRef>
+    </dgm:style>
+  </dgm:styleLbl>
+  <dgm:styleLbl name="parChTrans1D1">
+    <dgm:scene3d>
+      <a:camera prst="orthographicFront"/>
+      <a:lightRig rig="threePt" dir="t"/>
+    </dgm:scene3d>
+    <dgm:sp3d/>
+    <dgm:txPr/>
+    <dgm:style>
+      <a:lnRef idx="2">
+        <a:scrgbClr r="0" g="0" b="0"/>
+      </a:lnRef>
+      <a:fillRef idx="0">
+        <a:scrgbClr r="0" g="0" b="0"/>
+      </a:fillRef>
+      <a:effectRef idx="0">
+        <a:scrgbClr r="0" g="0" b="0"/>
+      </a:effectRef>
+      <a:fontRef idx="minor"/>
+    </dgm:style>
+  </dgm:styleLbl>
+  <dgm:styleLbl name="parChTrans1D2">
+    <dgm:scene3d>
+      <a:camera prst="orthographicFront"/>
+      <a:lightRig rig="threePt" dir="t"/>
+    </dgm:scene3d>
+    <dgm:sp3d/>
+    <dgm:txPr/>
+    <dgm:style>
+      <a:lnRef idx="2">
+        <a:scrgbClr r="0" g="0" b="0"/>
+      </a:lnRef>
+      <a:fillRef idx="0">
+        <a:scrgbClr r="0" g="0" b="0"/>
+      </a:fillRef>
+      <a:effectRef idx="0">
+        <a:scrgbClr r="0" g="0" b="0"/>
+      </a:effectRef>
+      <a:fontRef idx="minor"/>
+    </dgm:style>
+  </dgm:styleLbl>
+  <dgm:styleLbl name="parChTrans1D3">
+    <dgm:scene3d>
+      <a:camera prst="orthographicFront"/>
+      <a:lightRig rig="threePt" dir="t"/>
+    </dgm:scene3d>
+    <dgm:sp3d/>
+    <dgm:txPr/>
+    <dgm:style>
+      <a:lnRef idx="2">
+        <a:scrgbClr r="0" g="0" b="0"/>
+      </a:lnRef>
+      <a:fillRef idx="0">
+        <a:scrgbClr r="0" g="0" b="0"/>
+      </a:fillRef>
+      <a:effectRef idx="0">
+        <a:scrgbClr r="0" g="0" b="0"/>
+      </a:effectRef>
+      <a:fontRef idx="minor"/>
+    </dgm:style>
+  </dgm:styleLbl>
+  <dgm:styleLbl name="parChTrans1D4">
+    <dgm:scene3d>
+      <a:camera prst="orthographicFront"/>
+      <a:lightRig rig="threePt" dir="t"/>
+    </dgm:scene3d>
+    <dgm:sp3d/>
+    <dgm:txPr/>
+    <dgm:style>
+      <a:lnRef idx="2">
+        <a:scrgbClr r="0" g="0" b="0"/>
+      </a:lnRef>
+      <a:fillRef idx="0">
+        <a:scrgbClr r="0" g="0" b="0"/>
+      </a:fillRef>
+      <a:effectRef idx="0">
+        <a:scrgbClr r="0" g="0" b="0"/>
+      </a:effectRef>
+      <a:fontRef idx="minor"/>
+    </dgm:style>
+  </dgm:styleLbl>
+  <dgm:styleLbl name="fgAcc1">
+    <dgm:scene3d>
+      <a:camera prst="orthographicFront"/>
+      <a:lightRig rig="threePt" dir="t"/>
+    </dgm:scene3d>
+    <dgm:sp3d/>
+    <dgm:txPr/>
+    <dgm:style>
+      <a:lnRef idx="2">
+        <a:scrgbClr r="0" g="0" b="0"/>
+      </a:lnRef>
+      <a:fillRef idx="1">
+        <a:scrgbClr r="0" g="0" b="0"/>
+      </a:fillRef>
+      <a:effectRef idx="0">
+        <a:scrgbClr r="0" g="0" b="0"/>
+      </a:effectRef>
+      <a:fontRef idx="minor"/>
+    </dgm:style>
+  </dgm:styleLbl>
+  <dgm:styleLbl name="conFgAcc1">
+    <dgm:scene3d>
+      <a:camera prst="orthographicFront"/>
+      <a:lightRig rig="threePt" dir="t"/>
+    </dgm:scene3d>
+    <dgm:sp3d/>
+    <dgm:txPr/>
+    <dgm:style>
+      <a:lnRef idx="2">
+        <a:scrgbClr r="0" g="0" b="0"/>
+      </a:lnRef>
+      <a:fillRef idx="1">
+        <a:scrgbClr r="0" g="0" b="0"/>
+      </a:fillRef>
+      <a:effectRef idx="0">
+        <a:scrgbClr r="0" g="0" b="0"/>
+      </a:effectRef>
+      <a:fontRef idx="minor"/>
+    </dgm:style>
+  </dgm:styleLbl>
+  <dgm:styleLbl name="alignAcc1">
+    <dgm:scene3d>
+      <a:camera prst="orthographicFront"/>
+      <a:lightRig rig="threePt" dir="t"/>
+    </dgm:scene3d>
+    <dgm:sp3d/>
+    <dgm:txPr/>
+    <dgm:style>
+      <a:lnRef idx="2">
+        <a:scrgbClr r="0" g="0" b="0"/>
+      </a:lnRef>
+      <a:fillRef idx="1">
+        <a:scrgbClr r="0" g="0" b="0"/>
+      </a:fillRef>
+      <a:effectRef idx="0">
+        <a:scrgbClr r="0" g="0" b="0"/>
+      </a:effectRef>
+      <a:fontRef idx="minor"/>
+    </dgm:style>
+  </dgm:styleLbl>
+  <dgm:styleLbl name="trAlignAcc1">
+    <dgm:scene3d>
+      <a:camera prst="orthographicFront"/>
+      <a:lightRig rig="threePt" dir="t"/>
+    </dgm:scene3d>
+    <dgm:sp3d/>
+    <dgm:txPr/>
+    <dgm:style>
+      <a:lnRef idx="1">
+        <a:scrgbClr r="0" g="0" b="0"/>
+      </a:lnRef>
+      <a:fillRef idx="1">
+        <a:scrgbClr r="0" g="0" b="0"/>
+      </a:fillRef>
+      <a:effectRef idx="0">
+        <a:scrgbClr r="0" g="0" b="0"/>
+      </a:effectRef>
+      <a:fontRef idx="minor"/>
+    </dgm:style>
+  </dgm:styleLbl>
+  <dgm:styleLbl name="bgAcc1">
+    <dgm:scene3d>
+      <a:camera prst="orthographicFront"/>
+      <a:lightRig rig="threePt" dir="t"/>
+    </dgm:scene3d>
+    <dgm:sp3d/>
+    <dgm:txPr/>
+    <dgm:style>
+      <a:lnRef idx="2">
+        <a:scrgbClr r="0" g="0" b="0"/>
+      </a:lnRef>
+      <a:fillRef idx="1">
+        <a:scrgbClr r="0" g="0" b="0"/>
+      </a:fillRef>
+      <a:effectRef idx="0">
+        <a:scrgbClr r="0" g="0" b="0"/>
+      </a:effectRef>
+      <a:fontRef idx="minor"/>
+    </dgm:style>
+  </dgm:styleLbl>
+  <dgm:styleLbl name="solidFgAcc1">
+    <dgm:scene3d>
+      <a:camera prst="orthographicFront"/>
+      <a:lightRig rig="threePt" dir="t"/>
+    </dgm:scene3d>
+    <dgm:sp3d/>
+    <dgm:txPr/>
+    <dgm:style>
+      <a:lnRef idx="2">
+        <a:scrgbClr r="0" g="0" b="0"/>
+      </a:lnRef>
+      <a:fillRef idx="1">
+        <a:scrgbClr r="0" g="0" b="0"/>
+      </a:fillRef>
+      <a:effectRef idx="0">
+        <a:scrgbClr r="0" g="0" b="0"/>
+      </a:effectRef>
+      <a:fontRef idx="minor"/>
+    </dgm:style>
+  </dgm:styleLbl>
+  <dgm:styleLbl name="solidAlignAcc1">
+    <dgm:scene3d>
+      <a:camera prst="orthographicFront"/>
+      <a:lightRig rig="threePt" dir="t"/>
+    </dgm:scene3d>
+    <dgm:sp3d/>
+    <dgm:txPr/>
+    <dgm:style>
+      <a:lnRef idx="2">
+        <a:scrgbClr r="0" g="0" b="0"/>
+      </a:lnRef>
+      <a:fillRef idx="1">
+        <a:scrgbClr r="0" g="0" b="0"/>
+      </a:fillRef>
+      <a:effectRef idx="0">
+        <a:scrgbClr r="0" g="0" b="0"/>
+      </a:effectRef>
+      <a:fontRef idx="minor"/>
+    </dgm:style>
+  </dgm:styleLbl>
+  <dgm:styleLbl name="solidBgAcc1">
+    <dgm:scene3d>
+      <a:camera prst="orthographicFront"/>
+      <a:lightRig rig="threePt" dir="t"/>
+    </dgm:scene3d>
+    <dgm:sp3d/>
+    <dgm:txPr/>
+    <dgm:style>
+      <a:lnRef idx="2">
+        <a:scrgbClr r="0" g="0" b="0"/>
+      </a:lnRef>
+      <a:fillRef idx="1">
+        <a:scrgbClr r="0" g="0" b="0"/>
+      </a:fillRef>
+      <a:effectRef idx="0">
+        <a:scrgbClr r="0" g="0" b="0"/>
+      </a:effectRef>
+      <a:fontRef idx="minor"/>
+    </dgm:style>
+  </dgm:styleLbl>
+  <dgm:styleLbl name="fgAccFollowNode1">
+    <dgm:scene3d>
+      <a:camera prst="orthographicFront"/>
+      <a:lightRig rig="threePt" dir="t"/>
+    </dgm:scene3d>
+    <dgm:sp3d/>
+    <dgm:txPr/>
+    <dgm:style>
+      <a:lnRef idx="2">
+        <a:scrgbClr r="0" g="0" b="0"/>
+      </a:lnRef>
+      <a:fillRef idx="1">
+        <a:scrgbClr r="0" g="0" b="0"/>
+      </a:fillRef>
+      <a:effectRef idx="0">
+        <a:scrgbClr r="0" g="0" b="0"/>
+      </a:effectRef>
+      <a:fontRef idx="minor"/>
+    </dgm:style>
+  </dgm:styleLbl>
+  <dgm:styleLbl name="alignAccFollowNode1">
+    <dgm:scene3d>
+      <a:camera prst="orthographicFront"/>
+      <a:lightRig rig="threePt" dir="t"/>
+    </dgm:scene3d>
+    <dgm:sp3d/>
+    <dgm:txPr/>
+    <dgm:style>
+      <a:lnRef idx="2">
+        <a:scrgbClr r="0" g="0" b="0"/>
+      </a:lnRef>
+      <a:fillRef idx="1">
+        <a:scrgbClr r="0" g="0" b="0"/>
+      </a:fillRef>
+      <a:effectRef idx="0">
+        <a:scrgbClr r="0" g="0" b="0"/>
+      </a:effectRef>
+      <a:fontRef idx="minor"/>
+    </dgm:style>
+  </dgm:styleLbl>
+  <dgm:styleLbl name="bgAccFollowNode1">
+    <dgm:scene3d>
+      <a:camera prst="orthographicFront"/>
+      <a:lightRig rig="threePt" dir="t"/>
+    </dgm:scene3d>
+    <dgm:sp3d/>
+    <dgm:txPr/>
+    <dgm:style>
+      <a:lnRef idx="2">
+        <a:scrgbClr r="0" g="0" b="0"/>
+      </a:lnRef>
+      <a:fillRef idx="1">
+        <a:scrgbClr r="0" g="0" b="0"/>
+      </a:fillRef>
+      <a:effectRef idx="0">
+        <a:scrgbClr r="0" g="0" b="0"/>
+      </a:effectRef>
+      <a:fontRef idx="minor"/>
+    </dgm:style>
+  </dgm:styleLbl>
+  <dgm:styleLbl name="fgAcc0">
+    <dgm:scene3d>
+      <a:camera prst="orthographicFront"/>
+      <a:lightRig rig="threePt" dir="t"/>
+    </dgm:scene3d>
+    <dgm:sp3d/>
+    <dgm:txPr/>
+    <dgm:style>
+      <a:lnRef idx="2">
+        <a:scrgbClr r="0" g="0" b="0"/>
+      </a:lnRef>
+      <a:fillRef idx="1">
+        <a:scrgbClr r="0" g="0" b="0"/>
+      </a:fillRef>
+      <a:effectRef idx="0">
+        <a:scrgbClr r="0" g="0" b="0"/>
+      </a:effectRef>
+      <a:fontRef idx="minor"/>
+    </dgm:style>
+  </dgm:styleLbl>
+  <dgm:styleLbl name="fgAcc2">
+    <dgm:scene3d>
+      <a:camera prst="orthographicFront"/>
+      <a:lightRig rig="threePt" dir="t"/>
+    </dgm:scene3d>
+    <dgm:sp3d/>
+    <dgm:txPr/>
+    <dgm:style>
+      <a:lnRef idx="2">
+        <a:scrgbClr r="0" g="0" b="0"/>
+      </a:lnRef>
+      <a:fillRef idx="1">
+        <a:scrgbClr r="0" g="0" b="0"/>
+      </a:fillRef>
+      <a:effectRef idx="0">
+        <a:scrgbClr r="0" g="0" b="0"/>
+      </a:effectRef>
+      <a:fontRef idx="minor"/>
+    </dgm:style>
+  </dgm:styleLbl>
+  <dgm:styleLbl name="fgAcc3">
+    <dgm:scene3d>
+      <a:camera prst="orthographicFront"/>
+      <a:lightRig rig="threePt" dir="t"/>
+    </dgm:scene3d>
+    <dgm:sp3d/>
+    <dgm:txPr/>
+    <dgm:style>
+      <a:lnRef idx="2">
+        <a:scrgbClr r="0" g="0" b="0"/>
+      </a:lnRef>
+      <a:fillRef idx="1">
+        <a:scrgbClr r="0" g="0" b="0"/>
+      </a:fillRef>
+      <a:effectRef idx="0">
+        <a:scrgbClr r="0" g="0" b="0"/>
+      </a:effectRef>
+      <a:fontRef idx="minor"/>
+    </dgm:style>
+  </dgm:styleLbl>
+  <dgm:styleLbl name="fgAcc4">
+    <dgm:scene3d>
+      <a:camera prst="orthographicFront"/>
+      <a:lightRig rig="threePt" dir="t"/>
+    </dgm:scene3d>
+    <dgm:sp3d/>
+    <dgm:txPr/>
+    <dgm:style>
+      <a:lnRef idx="2">
+        <a:scrgbClr r="0" g="0" b="0"/>
+      </a:lnRef>
+      <a:fillRef idx="1">
+        <a:scrgbClr r="0" g="0" b="0"/>
+      </a:fillRef>
+      <a:effectRef idx="0">
+        <a:scrgbClr r="0" g="0" b="0"/>
+      </a:effectRef>
+      <a:fontRef idx="minor"/>
+    </dgm:style>
+  </dgm:styleLbl>
+  <dgm:styleLbl name="bgShp">
+    <dgm:scene3d>
+      <a:camera prst="orthographicFront"/>
+      <a:lightRig rig="threePt" dir="t"/>
+    </dgm:scene3d>
+    <dgm:sp3d/>
+    <dgm:txPr/>
+    <dgm:style>
+      <a:lnRef idx="0">
+        <a:scrgbClr r="0" g="0" b="0"/>
+      </a:lnRef>
+      <a:fillRef idx="1">
+        <a:scrgbClr r="0" g="0" b="0"/>
+      </a:fillRef>
+      <a:effectRef idx="0">
+        <a:scrgbClr r="0" g="0" b="0"/>
+      </a:effectRef>
+      <a:fontRef idx="minor"/>
+    </dgm:style>
+  </dgm:styleLbl>
+  <dgm:styleLbl name="dkBgShp">
+    <dgm:scene3d>
+      <a:camera prst="orthographicFront"/>
+      <a:lightRig rig="threePt" dir="t"/>
+    </dgm:scene3d>
+    <dgm:sp3d/>
+    <dgm:txPr/>
+    <dgm:style>
+      <a:lnRef idx="0">
+        <a:scrgbClr r="0" g="0" b="0"/>
+      </a:lnRef>
+      <a:fillRef idx="1">
+        <a:scrgbClr r="0" g="0" b="0"/>
+      </a:fillRef>
+      <a:effectRef idx="0">
+        <a:scrgbClr r="0" g="0" b="0"/>
+      </a:effectRef>
+      <a:fontRef idx="minor"/>
+    </dgm:style>
+  </dgm:styleLbl>
+  <dgm:styleLbl name="trBgShp">
+    <dgm:scene3d>
+      <a:camera prst="orthographicFront"/>
+      <a:lightRig rig="threePt" dir="t"/>
+    </dgm:scene3d>
+    <dgm:sp3d/>
+    <dgm:txPr/>
+    <dgm:style>
+      <a:lnRef idx="0">
+        <a:scrgbClr r="0" g="0" b="0"/>
+      </a:lnRef>
+      <a:fillRef idx="1">
+        <a:scrgbClr r="0" g="0" b="0"/>
+      </a:fillRef>
+      <a:effectRef idx="0">
+        <a:scrgbClr r="0" g="0" b="0"/>
+      </a:effectRef>
+      <a:fontRef idx="minor"/>
+    </dgm:style>
+  </dgm:styleLbl>
+  <dgm:styleLbl name="fgShp">
+    <dgm:scene3d>
+      <a:camera prst="orthographicFront"/>
+      <a:lightRig rig="threePt" dir="t"/>
+    </dgm:scene3d>
+    <dgm:sp3d/>
+    <dgm:txPr/>
+    <dgm:style>
+      <a:lnRef idx="2">
+        <a:scrgbClr r="0" g="0" b="0"/>
+      </a:lnRef>
+      <a:fillRef idx="1">
+        <a:scrgbClr r="0" g="0" b="0"/>
+      </a:fillRef>
+      <a:effectRef idx="0">
+        <a:scrgbClr r="0" g="0" b="0"/>
+      </a:effectRef>
+      <a:fontRef idx="minor"/>
+    </dgm:style>
+  </dgm:styleLbl>
+  <dgm:styleLbl name="revTx">
+    <dgm:scene3d>
+      <a:camera prst="orthographicFront"/>
+      <a:lightRig rig="threePt" dir="t"/>
+    </dgm:scene3d>
+    <dgm:sp3d/>
+    <dgm:txPr/>
+    <dgm:style>
+      <a:lnRef idx="0">
+        <a:scrgbClr r="0" g="0" b="0"/>
+      </a:lnRef>
+      <a:fillRef idx="0">
+        <a:scrgbClr r="0" g="0" b="0"/>
+      </a:fillRef>
+      <a:effectRef idx="0">
+        <a:scrgbClr r="0" g="0" b="0"/>
+      </a:effectRef>
+      <a:fontRef idx="minor"/>
+    </dgm:style>
+  </dgm:styleLbl>
+</dgm:styleDef>
+</file>
+
+<file path=ppt/diagrams/quickStyle3.xml><?xml version="1.0" encoding="utf-8"?>
 <dgm:styleDef xmlns:dgm="http://schemas.openxmlformats.org/drawingml/2006/diagram" xmlns:a="http://schemas.openxmlformats.org/drawingml/2006/main" uniqueId="urn:microsoft.com/office/officeart/2005/8/quickstyle/simple1">
   <dgm:title val=""/>
   <dgm:desc val=""/>
@@ -7786,7 +11039,7 @@
           <a:p>
             <a:fld id="{FC81B089-160E-404A-8C73-8674F1782EA4}" type="datetimeFigureOut">
               <a:rPr lang="en-US" smtClean="0"/>
-              <a:t>10/13/2018</a:t>
+              <a:t>2/25/2021</a:t>
             </a:fld>
             <a:endParaRPr lang="en-US"/>
           </a:p>
@@ -10854,7 +14107,7 @@
           <a:p>
             <a:fld id="{D2B62928-2648-4210-B25C-2BD7B5FE2C7B}" type="datetimeFigureOut">
               <a:rPr lang="en-US" smtClean="0"/>
-              <a:t>10/13/2018</a:t>
+              <a:t>2/25/2021</a:t>
             </a:fld>
             <a:endParaRPr lang="en-US"/>
           </a:p>
@@ -11365,7 +14618,7 @@
           <a:p>
             <a:fld id="{D2B62928-2648-4210-B25C-2BD7B5FE2C7B}" type="datetimeFigureOut">
               <a:rPr lang="en-US" smtClean="0"/>
-              <a:t>10/13/2018</a:t>
+              <a:t>2/25/2021</a:t>
             </a:fld>
             <a:endParaRPr lang="en-US"/>
           </a:p>
@@ -11538,7 +14791,7 @@
           <a:p>
             <a:fld id="{D2B62928-2648-4210-B25C-2BD7B5FE2C7B}" type="datetimeFigureOut">
               <a:rPr lang="en-US" smtClean="0"/>
-              <a:t>10/13/2018</a:t>
+              <a:t>2/25/2021</a:t>
             </a:fld>
             <a:endParaRPr lang="en-US"/>
           </a:p>
@@ -11702,7 +14955,7 @@
           <a:p>
             <a:fld id="{D2B62928-2648-4210-B25C-2BD7B5FE2C7B}" type="datetimeFigureOut">
               <a:rPr lang="en-US" smtClean="0"/>
-              <a:t>10/13/2018</a:t>
+              <a:t>2/25/2021</a:t>
             </a:fld>
             <a:endParaRPr lang="en-US"/>
           </a:p>
@@ -14825,7 +18078,7 @@
           <a:p>
             <a:fld id="{D2B62928-2648-4210-B25C-2BD7B5FE2C7B}" type="datetimeFigureOut">
               <a:rPr lang="en-US" smtClean="0"/>
-              <a:t>10/13/2018</a:t>
+              <a:t>2/25/2021</a:t>
             </a:fld>
             <a:endParaRPr lang="en-US"/>
           </a:p>
@@ -15105,7 +18358,7 @@
           <a:p>
             <a:fld id="{D2B62928-2648-4210-B25C-2BD7B5FE2C7B}" type="datetimeFigureOut">
               <a:rPr lang="en-US" smtClean="0"/>
-              <a:t>10/13/2018</a:t>
+              <a:t>2/25/2021</a:t>
             </a:fld>
             <a:endParaRPr lang="en-US"/>
           </a:p>
@@ -15519,7 +18772,7 @@
           <a:p>
             <a:fld id="{D2B62928-2648-4210-B25C-2BD7B5FE2C7B}" type="datetimeFigureOut">
               <a:rPr lang="en-US" smtClean="0"/>
-              <a:t>10/13/2018</a:t>
+              <a:t>2/25/2021</a:t>
             </a:fld>
             <a:endParaRPr lang="en-US"/>
           </a:p>
@@ -15631,7 +18884,7 @@
           <a:p>
             <a:fld id="{D2B62928-2648-4210-B25C-2BD7B5FE2C7B}" type="datetimeFigureOut">
               <a:rPr lang="en-US" smtClean="0"/>
-              <a:t>10/13/2018</a:t>
+              <a:t>2/25/2021</a:t>
             </a:fld>
             <a:endParaRPr lang="en-US"/>
           </a:p>
@@ -15721,7 +18974,7 @@
           <a:p>
             <a:fld id="{D2B62928-2648-4210-B25C-2BD7B5FE2C7B}" type="datetimeFigureOut">
               <a:rPr lang="en-US" smtClean="0"/>
-              <a:t>10/13/2018</a:t>
+              <a:t>2/25/2021</a:t>
             </a:fld>
             <a:endParaRPr lang="en-US"/>
           </a:p>
@@ -15896,7 +19149,7 @@
           <a:p>
             <a:fld id="{D2B62928-2648-4210-B25C-2BD7B5FE2C7B}" type="datetimeFigureOut">
               <a:rPr lang="en-US" smtClean="0"/>
-              <a:t>10/13/2018</a:t>
+              <a:t>2/25/2021</a:t>
             </a:fld>
             <a:endParaRPr lang="en-US"/>
           </a:p>
@@ -16381,7 +19634,7 @@
           <a:p>
             <a:fld id="{D2B62928-2648-4210-B25C-2BD7B5FE2C7B}" type="datetimeFigureOut">
               <a:rPr lang="en-US" smtClean="0"/>
-              <a:t>10/13/2018</a:t>
+              <a:t>2/25/2021</a:t>
             </a:fld>
             <a:endParaRPr lang="en-US"/>
           </a:p>
@@ -16933,7 +20186,7 @@
           <a:p>
             <a:fld id="{D2B62928-2648-4210-B25C-2BD7B5FE2C7B}" type="datetimeFigureOut">
               <a:rPr lang="en-US" smtClean="0"/>
-              <a:t>10/13/2018</a:t>
+              <a:t>2/25/2021</a:t>
             </a:fld>
             <a:endParaRPr lang="en-US"/>
           </a:p>
@@ -17427,7 +20680,7 @@
                   <a:schemeClr val="tx1"/>
                 </a:solidFill>
               </a:rPr>
-              <a:t>C# 6, 7 and beyond</a:t>
+              <a:t>C# Past Present and beyond</a:t>
             </a:r>
             <a:br>
               <a:rPr lang="en-US" cap="small" dirty="0">
@@ -17816,781 +21069,7 @@
 </p:sld>
 </file>
 
-<file path=ppt/slides/slide10.xml><?xml version="1.0" encoding="utf-8"?>
-<p:sld xmlns:a="http://schemas.openxmlformats.org/drawingml/2006/main" xmlns:r="http://schemas.openxmlformats.org/officeDocument/2006/relationships" xmlns:p="http://schemas.openxmlformats.org/presentationml/2006/main">
-  <p:cSld>
-    <p:spTree>
-      <p:nvGrpSpPr>
-        <p:cNvPr id="1" name=""/>
-        <p:cNvGrpSpPr/>
-        <p:nvPr/>
-      </p:nvGrpSpPr>
-      <p:grpSpPr>
-        <a:xfrm>
-          <a:off x="0" y="0"/>
-          <a:ext cx="0" cy="0"/>
-          <a:chOff x="0" y="0"/>
-          <a:chExt cx="0" cy="0"/>
-        </a:xfrm>
-      </p:grpSpPr>
-      <p:pic>
-        <p:nvPicPr>
-          <p:cNvPr id="4" name="Picture 3"/>
-          <p:cNvPicPr>
-            <a:picLocks noChangeAspect="1"/>
-          </p:cNvPicPr>
-          <p:nvPr/>
-        </p:nvPicPr>
-        <p:blipFill>
-          <a:blip r:embed="rId2">
-            <a:extLst>
-              <a:ext uri="{28A0092B-C50C-407E-A947-70E740481C1C}">
-                <a14:useLocalDpi xmlns:a14="http://schemas.microsoft.com/office/drawing/2010/main" val="0"/>
-              </a:ext>
-            </a:extLst>
-          </a:blip>
-          <a:stretch>
-            <a:fillRect/>
-          </a:stretch>
-        </p:blipFill>
-        <p:spPr>
-          <a:xfrm>
-            <a:off x="0" y="0"/>
-            <a:ext cx="12192000" cy="6858000"/>
-          </a:xfrm>
-          <a:prstGeom prst="rect">
-            <a:avLst/>
-          </a:prstGeom>
-        </p:spPr>
-      </p:pic>
-      <p:pic>
-        <p:nvPicPr>
-          <p:cNvPr id="5" name="Picture 2" descr="\\WOOLEYHOMESVR\Photos\MVP_Logo_Kit\MVP Logo Kit\MVP_FullColor_ForScreen.png"/>
-          <p:cNvPicPr>
-            <a:picLocks noChangeAspect="1" noChangeArrowheads="1"/>
-          </p:cNvPicPr>
-          <p:nvPr/>
-        </p:nvPicPr>
-        <p:blipFill>
-          <a:blip r:embed="rId3" cstate="print">
-            <a:extLst>
-              <a:ext uri="{28A0092B-C50C-407E-A947-70E740481C1C}">
-                <a14:useLocalDpi xmlns:a14="http://schemas.microsoft.com/office/drawing/2010/main" val="0"/>
-              </a:ext>
-            </a:extLst>
-          </a:blip>
-          <a:srcRect/>
-          <a:stretch>
-            <a:fillRect/>
-          </a:stretch>
-        </p:blipFill>
-        <p:spPr bwMode="auto">
-          <a:xfrm>
-            <a:off x="10961040" y="12555"/>
-            <a:ext cx="1230960" cy="1931970"/>
-          </a:xfrm>
-          <a:prstGeom prst="rect">
-            <a:avLst/>
-          </a:prstGeom>
-          <a:noFill/>
-          <a:extLst>
-            <a:ext uri="{909E8E84-426E-40DD-AFC4-6F175D3DCCD1}">
-              <a14:hiddenFill xmlns:a14="http://schemas.microsoft.com/office/drawing/2010/main">
-                <a:solidFill>
-                  <a:srgbClr val="FFFFFF"/>
-                </a:solidFill>
-              </a14:hiddenFill>
-            </a:ext>
-          </a:extLst>
-        </p:spPr>
-      </p:pic>
-      <p:pic>
-        <p:nvPicPr>
-          <p:cNvPr id="6" name="Picture 3" descr="\\WOOLEYHOMESVR\Photos\Misc Jims Pictures\LinqInActionCover.jpg"/>
-          <p:cNvPicPr>
-            <a:picLocks noChangeAspect="1" noChangeArrowheads="1"/>
-          </p:cNvPicPr>
-          <p:nvPr/>
-        </p:nvPicPr>
-        <p:blipFill>
-          <a:blip r:embed="rId4">
-            <a:extLst>
-              <a:ext uri="{28A0092B-C50C-407E-A947-70E740481C1C}">
-                <a14:useLocalDpi xmlns:a14="http://schemas.microsoft.com/office/drawing/2010/main" val="0"/>
-              </a:ext>
-            </a:extLst>
-          </a:blip>
-          <a:srcRect/>
-          <a:stretch>
-            <a:fillRect/>
-          </a:stretch>
-        </p:blipFill>
-        <p:spPr bwMode="auto">
-          <a:xfrm>
-            <a:off x="9360840" y="12555"/>
-            <a:ext cx="1600200" cy="2005584"/>
-          </a:xfrm>
-          <a:prstGeom prst="rect">
-            <a:avLst/>
-          </a:prstGeom>
-          <a:noFill/>
-          <a:extLst>
-            <a:ext uri="{909E8E84-426E-40DD-AFC4-6F175D3DCCD1}">
-              <a14:hiddenFill xmlns:a14="http://schemas.microsoft.com/office/drawing/2010/main">
-                <a:solidFill>
-                  <a:srgbClr val="FFFFFF"/>
-                </a:solidFill>
-              </a14:hiddenFill>
-            </a:ext>
-          </a:extLst>
-        </p:spPr>
-      </p:pic>
-      <p:sp>
-        <p:nvSpPr>
-          <p:cNvPr id="7" name="Subtitle 2"/>
-          <p:cNvSpPr txBox="1">
-            <a:spLocks/>
-          </p:cNvSpPr>
-          <p:nvPr/>
-        </p:nvSpPr>
-        <p:spPr>
-          <a:xfrm>
-            <a:off x="76200" y="5410642"/>
-            <a:ext cx="2895600" cy="1368798"/>
-          </a:xfrm>
-          <a:prstGeom prst="rect">
-            <a:avLst/>
-          </a:prstGeom>
-        </p:spPr>
-        <p:style>
-          <a:lnRef idx="0">
-            <a:schemeClr val="dk1"/>
-          </a:lnRef>
-          <a:fillRef idx="3">
-            <a:schemeClr val="dk1"/>
-          </a:fillRef>
-          <a:effectRef idx="3">
-            <a:schemeClr val="dk1"/>
-          </a:effectRef>
-          <a:fontRef idx="minor">
-            <a:schemeClr val="lt1"/>
-          </a:fontRef>
-        </p:style>
-        <p:txBody>
-          <a:bodyPr vert="horz" lIns="91440" tIns="45720" rIns="91440" bIns="45720" rtlCol="0">
-            <a:normAutofit/>
-          </a:bodyPr>
-          <a:lstStyle>
-            <a:lvl1pPr marL="0" indent="0" algn="l" defTabSz="914400" rtl="0" eaLnBrk="1" latinLnBrk="0" hangingPunct="1">
-              <a:spcBef>
-                <a:spcPct val="20000"/>
-              </a:spcBef>
-              <a:buClr>
-                <a:schemeClr val="accent1">
-                  <a:lumMod val="60000"/>
-                  <a:lumOff val="40000"/>
-                </a:schemeClr>
-              </a:buClr>
-              <a:buFont typeface="Arial" pitchFamily="34" charset="0"/>
-              <a:buNone/>
-              <a:defRPr sz="2200" kern="1200">
-                <a:solidFill>
-                  <a:srgbClr val="FFFFFF"/>
-                </a:solidFill>
-                <a:latin typeface="+mn-lt"/>
-                <a:ea typeface="+mn-ea"/>
-                <a:cs typeface="+mn-cs"/>
-              </a:defRPr>
-            </a:lvl1pPr>
-            <a:lvl2pPr marL="457200" indent="0" algn="ctr" defTabSz="914400" rtl="0" eaLnBrk="1" latinLnBrk="0" hangingPunct="1">
-              <a:spcBef>
-                <a:spcPct val="20000"/>
-              </a:spcBef>
-              <a:buClr>
-                <a:schemeClr val="accent1">
-                  <a:lumMod val="60000"/>
-                  <a:lumOff val="40000"/>
-                </a:schemeClr>
-              </a:buClr>
-              <a:buFont typeface="Arial" pitchFamily="34" charset="0"/>
-              <a:buNone/>
-              <a:defRPr sz="2000" kern="1200">
-                <a:solidFill>
-                  <a:schemeClr val="tx1">
-                    <a:tint val="75000"/>
-                  </a:schemeClr>
-                </a:solidFill>
-                <a:latin typeface="+mn-lt"/>
-                <a:ea typeface="+mn-ea"/>
-                <a:cs typeface="+mn-cs"/>
-              </a:defRPr>
-            </a:lvl2pPr>
-            <a:lvl3pPr marL="914400" indent="0" algn="ctr" defTabSz="914400" rtl="0" eaLnBrk="1" latinLnBrk="0" hangingPunct="1">
-              <a:spcBef>
-                <a:spcPct val="20000"/>
-              </a:spcBef>
-              <a:buClr>
-                <a:schemeClr val="accent2"/>
-              </a:buClr>
-              <a:buFont typeface="Arial" pitchFamily="34" charset="0"/>
-              <a:buNone/>
-              <a:defRPr sz="2000" kern="1200">
-                <a:solidFill>
-                  <a:schemeClr val="tx1">
-                    <a:tint val="75000"/>
-                  </a:schemeClr>
-                </a:solidFill>
-                <a:latin typeface="+mn-lt"/>
-                <a:ea typeface="+mn-ea"/>
-                <a:cs typeface="+mn-cs"/>
-              </a:defRPr>
-            </a:lvl3pPr>
-            <a:lvl4pPr marL="1371600" indent="0" algn="ctr" defTabSz="914400" rtl="0" eaLnBrk="1" latinLnBrk="0" hangingPunct="1">
-              <a:spcBef>
-                <a:spcPct val="20000"/>
-              </a:spcBef>
-              <a:buClr>
-                <a:schemeClr val="accent3"/>
-              </a:buClr>
-              <a:buFont typeface="Arial" pitchFamily="34" charset="0"/>
-              <a:buNone/>
-              <a:defRPr sz="1800" kern="1200">
-                <a:solidFill>
-                  <a:schemeClr val="tx1">
-                    <a:tint val="75000"/>
-                  </a:schemeClr>
-                </a:solidFill>
-                <a:latin typeface="+mn-lt"/>
-                <a:ea typeface="+mn-ea"/>
-                <a:cs typeface="+mn-cs"/>
-              </a:defRPr>
-            </a:lvl4pPr>
-            <a:lvl5pPr marL="1828800" indent="0" algn="ctr" defTabSz="914400" rtl="0" eaLnBrk="1" latinLnBrk="0" hangingPunct="1">
-              <a:spcBef>
-                <a:spcPct val="20000"/>
-              </a:spcBef>
-              <a:buClr>
-                <a:schemeClr val="accent4"/>
-              </a:buClr>
-              <a:buFont typeface="Arial" pitchFamily="34" charset="0"/>
-              <a:buNone/>
-              <a:defRPr sz="1600" kern="1200" baseline="0">
-                <a:solidFill>
-                  <a:schemeClr val="tx1">
-                    <a:tint val="75000"/>
-                  </a:schemeClr>
-                </a:solidFill>
-                <a:latin typeface="+mn-lt"/>
-                <a:ea typeface="+mn-ea"/>
-                <a:cs typeface="+mn-cs"/>
-              </a:defRPr>
-            </a:lvl5pPr>
-            <a:lvl6pPr marL="2286000" indent="0" algn="ctr" defTabSz="914400" rtl="0" eaLnBrk="1" latinLnBrk="0" hangingPunct="1">
-              <a:spcBef>
-                <a:spcPct val="20000"/>
-              </a:spcBef>
-              <a:buClr>
-                <a:schemeClr val="accent5"/>
-              </a:buClr>
-              <a:buFont typeface="Arial" pitchFamily="34" charset="0"/>
-              <a:buNone/>
-              <a:defRPr sz="1600" kern="1200">
-                <a:solidFill>
-                  <a:schemeClr val="tx1">
-                    <a:tint val="75000"/>
-                  </a:schemeClr>
-                </a:solidFill>
-                <a:latin typeface="+mn-lt"/>
-                <a:ea typeface="+mn-ea"/>
-                <a:cs typeface="+mn-cs"/>
-              </a:defRPr>
-            </a:lvl6pPr>
-            <a:lvl7pPr marL="2743200" indent="0" algn="ctr" defTabSz="914400" rtl="0" eaLnBrk="1" latinLnBrk="0" hangingPunct="1">
-              <a:spcBef>
-                <a:spcPct val="20000"/>
-              </a:spcBef>
-              <a:buClr>
-                <a:schemeClr val="accent6"/>
-              </a:buClr>
-              <a:buFont typeface="Arial" pitchFamily="34" charset="0"/>
-              <a:buNone/>
-              <a:defRPr sz="1600" kern="1200">
-                <a:solidFill>
-                  <a:schemeClr val="tx1">
-                    <a:tint val="75000"/>
-                  </a:schemeClr>
-                </a:solidFill>
-                <a:latin typeface="+mn-lt"/>
-                <a:ea typeface="+mn-ea"/>
-                <a:cs typeface="+mn-cs"/>
-              </a:defRPr>
-            </a:lvl7pPr>
-            <a:lvl8pPr marL="3200400" indent="0" algn="ctr" defTabSz="914400" rtl="0" eaLnBrk="1" latinLnBrk="0" hangingPunct="1">
-              <a:spcBef>
-                <a:spcPct val="20000"/>
-              </a:spcBef>
-              <a:buClr>
-                <a:schemeClr val="accent3"/>
-              </a:buClr>
-              <a:buFont typeface="Arial" pitchFamily="34" charset="0"/>
-              <a:buNone/>
-              <a:defRPr sz="1600" kern="1200">
-                <a:solidFill>
-                  <a:schemeClr val="tx1">
-                    <a:tint val="75000"/>
-                  </a:schemeClr>
-                </a:solidFill>
-                <a:latin typeface="+mn-lt"/>
-                <a:ea typeface="+mn-ea"/>
-                <a:cs typeface="+mn-cs"/>
-              </a:defRPr>
-            </a:lvl8pPr>
-            <a:lvl9pPr marL="3657600" indent="0" algn="ctr" defTabSz="914400" rtl="0" eaLnBrk="1" latinLnBrk="0" hangingPunct="1">
-              <a:spcBef>
-                <a:spcPct val="20000"/>
-              </a:spcBef>
-              <a:buClr>
-                <a:schemeClr val="accent6"/>
-              </a:buClr>
-              <a:buFont typeface="Arial" pitchFamily="34" charset="0"/>
-              <a:buNone/>
-              <a:defRPr sz="1600" kern="1200">
-                <a:solidFill>
-                  <a:schemeClr val="tx1">
-                    <a:tint val="75000"/>
-                  </a:schemeClr>
-                </a:solidFill>
-                <a:latin typeface="+mn-lt"/>
-                <a:ea typeface="+mn-ea"/>
-                <a:cs typeface="+mn-cs"/>
-              </a:defRPr>
-            </a:lvl9pPr>
-          </a:lstStyle>
-          <a:p>
-            <a:pPr algn="r"/>
-            <a:r>
-              <a:rPr lang="en-US" dirty="0"/>
-              <a:t>Jim Wooley</a:t>
-            </a:r>
-          </a:p>
-          <a:p>
-            <a:pPr algn="r"/>
-            <a:r>
-              <a:rPr lang="en-US" dirty="0">
-                <a:hlinkClick r:id="rId5"/>
-              </a:rPr>
-              <a:t>www.ThinqLinq.com</a:t>
-            </a:r>
-            <a:endParaRPr lang="en-US" dirty="0"/>
-          </a:p>
-          <a:p>
-            <a:pPr algn="r"/>
-            <a:r>
-              <a:rPr lang="en-US" dirty="0"/>
-              <a:t>Twitter: @</a:t>
-            </a:r>
-            <a:r>
-              <a:rPr lang="en-US" dirty="0" err="1"/>
-              <a:t>JimWooley</a:t>
-            </a:r>
-            <a:endParaRPr lang="en-US" dirty="0"/>
-          </a:p>
-        </p:txBody>
-      </p:sp>
-      <p:sp>
-        <p:nvSpPr>
-          <p:cNvPr id="11" name="Title 1"/>
-          <p:cNvSpPr>
-            <a:spLocks noGrp="1"/>
-          </p:cNvSpPr>
-          <p:nvPr>
-            <p:ph type="ctrTitle"/>
-          </p:nvPr>
-        </p:nvSpPr>
-        <p:spPr>
-          <a:xfrm>
-            <a:off x="2590800" y="2133600"/>
-            <a:ext cx="7848600" cy="2362200"/>
-          </a:xfrm>
-          <a:solidFill>
-            <a:srgbClr val="000000">
-              <a:alpha val="69804"/>
-            </a:srgbClr>
-          </a:solidFill>
-          <a:effectLst>
-            <a:softEdge rad="63500"/>
-          </a:effectLst>
-        </p:spPr>
-        <p:style>
-          <a:lnRef idx="1">
-            <a:schemeClr val="accent1"/>
-          </a:lnRef>
-          <a:fillRef idx="2">
-            <a:schemeClr val="accent1"/>
-          </a:fillRef>
-          <a:effectRef idx="1">
-            <a:schemeClr val="accent1"/>
-          </a:effectRef>
-          <a:fontRef idx="minor">
-            <a:schemeClr val="dk1"/>
-          </a:fontRef>
-        </p:style>
-        <p:txBody>
-          <a:bodyPr anchor="ctr">
-            <a:normAutofit fontScale="90000"/>
-          </a:bodyPr>
-          <a:lstStyle/>
-          <a:p>
-            <a:pPr algn="ctr"/>
-            <a:r>
-              <a:rPr lang="en-US" cap="small" dirty="0" err="1">
-                <a:solidFill>
-                  <a:schemeClr val="tx1"/>
-                </a:solidFill>
-              </a:rPr>
-              <a:t>.Net</a:t>
-            </a:r>
-            <a:r>
-              <a:rPr lang="en-US" cap="small" dirty="0">
-                <a:solidFill>
-                  <a:schemeClr val="tx1"/>
-                </a:solidFill>
-              </a:rPr>
-              <a:t> Compiler Platform</a:t>
-            </a:r>
-            <a:br>
-              <a:rPr lang="en-US" cap="small" dirty="0">
-                <a:solidFill>
-                  <a:schemeClr val="tx1"/>
-                </a:solidFill>
-              </a:rPr>
-            </a:br>
-            <a:r>
-              <a:rPr lang="en-US" cap="small" dirty="0">
-                <a:solidFill>
-                  <a:schemeClr val="tx1"/>
-                </a:solidFill>
-              </a:rPr>
-              <a:t>(Roslyn)</a:t>
-            </a:r>
-            <a:br>
-              <a:rPr lang="en-US" cap="small" dirty="0">
-                <a:solidFill>
-                  <a:schemeClr val="tx1"/>
-                </a:solidFill>
-              </a:rPr>
-            </a:br>
-            <a:r>
-              <a:rPr lang="en-US" cap="small" dirty="0">
-                <a:solidFill>
-                  <a:schemeClr val="tx1"/>
-                </a:solidFill>
-              </a:rPr>
-              <a:t>And You</a:t>
-            </a:r>
-            <a:br>
-              <a:rPr lang="en-US" cap="small" dirty="0">
-                <a:solidFill>
-                  <a:schemeClr val="tx1"/>
-                </a:solidFill>
-              </a:rPr>
-            </a:br>
-            <a:r>
-              <a:rPr lang="en-US" sz="2200" dirty="0">
-                <a:solidFill>
-                  <a:schemeClr val="tx1"/>
-                </a:solidFill>
-                <a:latin typeface="Segoe UI" panose="020B0502040204020203" pitchFamily="34" charset="0"/>
-                <a:hlinkClick r:id="rId6"/>
-              </a:rPr>
-              <a:t>https://github.com/jwooley/RoslynAndYou</a:t>
-            </a:r>
-            <a:br>
-              <a:rPr lang="en-US" sz="2200" dirty="0">
-                <a:solidFill>
-                  <a:schemeClr val="tx1"/>
-                </a:solidFill>
-                <a:latin typeface="Segoe UI" panose="020B0502040204020203" pitchFamily="34" charset="0"/>
-              </a:rPr>
-            </a:br>
-            <a:r>
-              <a:rPr lang="en-US" sz="2400" dirty="0">
-                <a:solidFill>
-                  <a:schemeClr val="tx1"/>
-                </a:solidFill>
-                <a:hlinkClick r:id="rId7"/>
-              </a:rPr>
-              <a:t>https://jwooley.github.io</a:t>
-            </a:r>
-            <a:r>
-              <a:rPr lang="en-US" sz="2400" cap="small" dirty="0">
-                <a:solidFill>
-                  <a:schemeClr val="tx1"/>
-                </a:solidFill>
-                <a:hlinkClick r:id="rId7"/>
-              </a:rPr>
-              <a:t>/</a:t>
-            </a:r>
-            <a:endParaRPr lang="en-US" sz="2200" cap="small" dirty="0">
-              <a:solidFill>
-                <a:schemeClr val="tx1"/>
-              </a:solidFill>
-            </a:endParaRPr>
-          </a:p>
-        </p:txBody>
-      </p:sp>
-    </p:spTree>
-    <p:extLst>
-      <p:ext uri="{BB962C8B-B14F-4D97-AF65-F5344CB8AC3E}">
-        <p14:creationId xmlns:p14="http://schemas.microsoft.com/office/powerpoint/2010/main" val="2613547704"/>
-      </p:ext>
-    </p:extLst>
-  </p:cSld>
-  <p:clrMapOvr>
-    <a:masterClrMapping/>
-  </p:clrMapOvr>
-</p:sld>
-</file>
-
 <file path=ppt/slides/slide2.xml><?xml version="1.0" encoding="utf-8"?>
-<p:sld xmlns:a="http://schemas.openxmlformats.org/drawingml/2006/main" xmlns:r="http://schemas.openxmlformats.org/officeDocument/2006/relationships" xmlns:p="http://schemas.openxmlformats.org/presentationml/2006/main">
-  <p:cSld>
-    <p:spTree>
-      <p:nvGrpSpPr>
-        <p:cNvPr id="1" name=""/>
-        <p:cNvGrpSpPr/>
-        <p:nvPr/>
-      </p:nvGrpSpPr>
-      <p:grpSpPr>
-        <a:xfrm>
-          <a:off x="0" y="0"/>
-          <a:ext cx="0" cy="0"/>
-          <a:chOff x="0" y="0"/>
-          <a:chExt cx="0" cy="0"/>
-        </a:xfrm>
-      </p:grpSpPr>
-      <p:graphicFrame>
-        <p:nvGraphicFramePr>
-          <p:cNvPr id="4" name="Object 3">
-            <a:extLst>
-              <a:ext uri="{FF2B5EF4-FFF2-40B4-BE49-F238E27FC236}">
-                <a16:creationId xmlns:a16="http://schemas.microsoft.com/office/drawing/2014/main" id="{4ABDCFDE-BA27-4606-8F4A-CB18BF84D1C8}"/>
-              </a:ext>
-            </a:extLst>
-          </p:cNvPr>
-          <p:cNvGraphicFramePr>
-            <a:graphicFrameLocks noChangeAspect="1"/>
-          </p:cNvGraphicFramePr>
-          <p:nvPr>
-            <p:extLst/>
-          </p:nvPr>
-        </p:nvGraphicFramePr>
-        <p:xfrm>
-          <a:off x="779367" y="1414177"/>
-          <a:ext cx="4879733" cy="4029646"/>
-        </p:xfrm>
-        <a:graphic>
-          <a:graphicData uri="http://schemas.openxmlformats.org/presentationml/2006/ole">
-            <mc:AlternateContent xmlns:mc="http://schemas.openxmlformats.org/markup-compatibility/2006">
-              <mc:Choice xmlns:v="urn:schemas-microsoft-com:vml" Requires="v">
-                <p:oleObj spid="_x0000_s1029" r:id="rId3" imgW="11694960" imgH="9847440" progId="">
-                  <p:embed/>
-                </p:oleObj>
-              </mc:Choice>
-              <mc:Fallback>
-                <p:oleObj r:id="rId3" imgW="11694960" imgH="9847440" progId="">
-                  <p:embed/>
-                  <p:pic>
-                    <p:nvPicPr>
-                      <p:cNvPr id="4" name="Object 3">
-                        <a:extLst>
-                          <a:ext uri="{FF2B5EF4-FFF2-40B4-BE49-F238E27FC236}">
-                            <a16:creationId xmlns:a16="http://schemas.microsoft.com/office/drawing/2014/main" id="{4ABDCFDE-BA27-4606-8F4A-CB18BF84D1C8}"/>
-                          </a:ext>
-                        </a:extLst>
-                      </p:cNvPr>
-                      <p:cNvPicPr/>
-                      <p:nvPr/>
-                    </p:nvPicPr>
-                    <p:blipFill>
-                      <a:blip r:embed="rId4"/>
-                      <a:stretch>
-                        <a:fillRect/>
-                      </a:stretch>
-                    </p:blipFill>
-                    <p:spPr>
-                      <a:xfrm>
-                        <a:off x="779367" y="1414177"/>
-                        <a:ext cx="4879733" cy="4029646"/>
-                      </a:xfrm>
-                      <a:prstGeom prst="rect">
-                        <a:avLst/>
-                      </a:prstGeom>
-                    </p:spPr>
-                  </p:pic>
-                </p:oleObj>
-              </mc:Fallback>
-            </mc:AlternateContent>
-          </a:graphicData>
-        </a:graphic>
-      </p:graphicFrame>
-      <p:pic>
-        <p:nvPicPr>
-          <p:cNvPr id="6" name="Picture 5" descr="A picture containing object&#10;&#10;Description generated with high confidence">
-            <a:extLst>
-              <a:ext uri="{FF2B5EF4-FFF2-40B4-BE49-F238E27FC236}">
-                <a16:creationId xmlns:a16="http://schemas.microsoft.com/office/drawing/2014/main" id="{AABB6BF0-06A8-48B5-ABC9-BBE43E40A043}"/>
-              </a:ext>
-            </a:extLst>
-          </p:cNvPr>
-          <p:cNvPicPr>
-            <a:picLocks noChangeAspect="1"/>
-          </p:cNvPicPr>
-          <p:nvPr/>
-        </p:nvPicPr>
-        <p:blipFill>
-          <a:blip r:embed="rId5" cstate="print">
-            <a:extLst>
-              <a:ext uri="{28A0092B-C50C-407E-A947-70E740481C1C}">
-                <a14:useLocalDpi xmlns:a14="http://schemas.microsoft.com/office/drawing/2010/main" val="0"/>
-              </a:ext>
-            </a:extLst>
-          </a:blip>
-          <a:stretch>
-            <a:fillRect/>
-          </a:stretch>
-        </p:blipFill>
-        <p:spPr>
-          <a:xfrm>
-            <a:off x="6041136" y="579120"/>
-            <a:ext cx="5848610" cy="1867900"/>
-          </a:xfrm>
-          <a:prstGeom prst="rect">
-            <a:avLst/>
-          </a:prstGeom>
-        </p:spPr>
-      </p:pic>
-      <p:sp>
-        <p:nvSpPr>
-          <p:cNvPr id="7" name="TextBox 6">
-            <a:extLst>
-              <a:ext uri="{FF2B5EF4-FFF2-40B4-BE49-F238E27FC236}">
-                <a16:creationId xmlns:a16="http://schemas.microsoft.com/office/drawing/2014/main" id="{01B7461B-EA74-499F-9F31-574D939F470B}"/>
-              </a:ext>
-            </a:extLst>
-          </p:cNvPr>
-          <p:cNvSpPr txBox="1"/>
-          <p:nvPr/>
-        </p:nvSpPr>
-        <p:spPr>
-          <a:xfrm>
-            <a:off x="5675612" y="564834"/>
-            <a:ext cx="4657044" cy="523220"/>
-          </a:xfrm>
-          <a:prstGeom prst="rect">
-            <a:avLst/>
-          </a:prstGeom>
-          <a:noFill/>
-        </p:spPr>
-        <p:txBody>
-          <a:bodyPr wrap="none" rtlCol="0">
-            <a:spAutoFit/>
-          </a:bodyPr>
-          <a:lstStyle/>
-          <a:p>
-            <a:r>
-              <a:rPr lang="en-US" sz="2800" dirty="0"/>
-              <a:t>Be Sure to thank our sponsors:</a:t>
-            </a:r>
-          </a:p>
-        </p:txBody>
-      </p:sp>
-      <p:pic>
-        <p:nvPicPr>
-          <p:cNvPr id="9" name="Picture 8" descr="A close up of a sign&#10;&#10;Description generated with high confidence">
-            <a:extLst>
-              <a:ext uri="{FF2B5EF4-FFF2-40B4-BE49-F238E27FC236}">
-                <a16:creationId xmlns:a16="http://schemas.microsoft.com/office/drawing/2014/main" id="{83EC6608-67B3-4AFA-BB7F-91C59717923F}"/>
-              </a:ext>
-            </a:extLst>
-          </p:cNvPr>
-          <p:cNvPicPr>
-            <a:picLocks noChangeAspect="1"/>
-          </p:cNvPicPr>
-          <p:nvPr/>
-        </p:nvPicPr>
-        <p:blipFill>
-          <a:blip r:embed="rId6">
-            <a:extLst>
-              <a:ext uri="{28A0092B-C50C-407E-A947-70E740481C1C}">
-                <a14:useLocalDpi xmlns:a14="http://schemas.microsoft.com/office/drawing/2010/main" val="0"/>
-              </a:ext>
-            </a:extLst>
-          </a:blip>
-          <a:stretch>
-            <a:fillRect/>
-          </a:stretch>
-        </p:blipFill>
-        <p:spPr>
-          <a:xfrm>
-            <a:off x="6758870" y="5033818"/>
-            <a:ext cx="4413141" cy="1381505"/>
-          </a:xfrm>
-          <a:prstGeom prst="rect">
-            <a:avLst/>
-          </a:prstGeom>
-        </p:spPr>
-      </p:pic>
-      <p:pic>
-        <p:nvPicPr>
-          <p:cNvPr id="13" name="Picture 12">
-            <a:extLst>
-              <a:ext uri="{FF2B5EF4-FFF2-40B4-BE49-F238E27FC236}">
-                <a16:creationId xmlns:a16="http://schemas.microsoft.com/office/drawing/2014/main" id="{ACB60FF1-FAAB-44EC-A306-E962719C195E}"/>
-              </a:ext>
-            </a:extLst>
-          </p:cNvPr>
-          <p:cNvPicPr>
-            <a:picLocks noChangeAspect="1"/>
-          </p:cNvPicPr>
-          <p:nvPr/>
-        </p:nvPicPr>
-        <p:blipFill>
-          <a:blip r:embed="rId7" cstate="print">
-            <a:extLst>
-              <a:ext uri="{28A0092B-C50C-407E-A947-70E740481C1C}">
-                <a14:useLocalDpi xmlns:a14="http://schemas.microsoft.com/office/drawing/2010/main" val="0"/>
-              </a:ext>
-            </a:extLst>
-          </a:blip>
-          <a:stretch>
-            <a:fillRect/>
-          </a:stretch>
-        </p:blipFill>
-        <p:spPr>
-          <a:xfrm>
-            <a:off x="7888525" y="2696956"/>
-            <a:ext cx="2153832" cy="2322576"/>
-          </a:xfrm>
-          <a:prstGeom prst="rect">
-            <a:avLst/>
-          </a:prstGeom>
-        </p:spPr>
-      </p:pic>
-    </p:spTree>
-    <p:extLst>
-      <p:ext uri="{BB962C8B-B14F-4D97-AF65-F5344CB8AC3E}">
-        <p14:creationId xmlns:p14="http://schemas.microsoft.com/office/powerpoint/2010/main" val="100798686"/>
-      </p:ext>
-    </p:extLst>
-  </p:cSld>
-  <p:clrMapOvr>
-    <a:masterClrMapping/>
-  </p:clrMapOvr>
-</p:sld>
-</file>
-
-<file path=ppt/slides/slide3.xml><?xml version="1.0" encoding="utf-8"?>
 <p:sld xmlns:a="http://schemas.openxmlformats.org/drawingml/2006/main" xmlns:r="http://schemas.openxmlformats.org/officeDocument/2006/relationships" xmlns:p="http://schemas.openxmlformats.org/presentationml/2006/main">
   <p:cSld>
     <p:spTree>
@@ -18633,9 +21112,7 @@
         <p:nvGraphicFramePr>
           <p:cNvPr id="4" name="Diagram 3"/>
           <p:cNvGraphicFramePr/>
-          <p:nvPr>
-            <p:extLst/>
-          </p:nvPr>
+          <p:nvPr/>
         </p:nvGraphicFramePr>
         <p:xfrm>
           <a:off x="609600" y="1295400"/>
@@ -20139,7 +22616,7 @@
 </p:sld>
 </file>
 
-<file path=ppt/slides/slide4.xml><?xml version="1.0" encoding="utf-8"?>
+<file path=ppt/slides/slide3.xml><?xml version="1.0" encoding="utf-8"?>
 <p:sld xmlns:a="http://schemas.openxmlformats.org/drawingml/2006/main" xmlns:r="http://schemas.openxmlformats.org/officeDocument/2006/relationships" xmlns:p="http://schemas.openxmlformats.org/presentationml/2006/main">
   <p:cSld>
     <p:spTree>
@@ -24679,7 +27156,7 @@
 </p:sld>
 </file>
 
-<file path=ppt/slides/slide5.xml><?xml version="1.0" encoding="utf-8"?>
+<file path=ppt/slides/slide4.xml><?xml version="1.0" encoding="utf-8"?>
 <p:sld xmlns:a="http://schemas.openxmlformats.org/drawingml/2006/main" xmlns:r="http://schemas.openxmlformats.org/officeDocument/2006/relationships" xmlns:p="http://schemas.openxmlformats.org/presentationml/2006/main">
   <p:cSld>
     <p:spTree>
@@ -24728,11 +27205,15 @@
           <p:cNvPr id="4" name="Diagram 3"/>
           <p:cNvGraphicFramePr/>
           <p:nvPr>
-            <p:extLst/>
+            <p:extLst>
+              <p:ext uri="{D42A27DB-BD31-4B8C-83A1-F6EECF244321}">
+                <p14:modId xmlns:p14="http://schemas.microsoft.com/office/powerpoint/2010/main" val="2682006322"/>
+              </p:ext>
+            </p:extLst>
           </p:nvPr>
         </p:nvGraphicFramePr>
         <p:xfrm>
-          <a:off x="406400" y="1190609"/>
+          <a:off x="406400" y="1153849"/>
           <a:ext cx="11582400" cy="5156200"/>
         </p:xfrm>
         <a:graphic>
@@ -26095,7 +28576,7 @@
 </p:sld>
 </file>
 
-<file path=ppt/slides/slide6.xml><?xml version="1.0" encoding="utf-8"?>
+<file path=ppt/slides/slide5.xml><?xml version="1.0" encoding="utf-8"?>
 <p:sld xmlns:a="http://schemas.openxmlformats.org/drawingml/2006/main" xmlns:r="http://schemas.openxmlformats.org/officeDocument/2006/relationships" xmlns:p="http://schemas.openxmlformats.org/presentationml/2006/main">
   <p:cSld>
     <p:spTree>
@@ -26114,1634 +28595,6 @@
       </p:grpSpPr>
       <p:sp>
         <p:nvSpPr>
-          <p:cNvPr id="2" name="Title 1">
-            <a:extLst>
-              <a:ext uri="{FF2B5EF4-FFF2-40B4-BE49-F238E27FC236}">
-                <a16:creationId xmlns:a16="http://schemas.microsoft.com/office/drawing/2014/main" id="{F193A8D0-CF8E-4923-BF65-4AF4D47116B9}"/>
-              </a:ext>
-            </a:extLst>
-          </p:cNvPr>
-          <p:cNvSpPr>
-            <a:spLocks noGrp="1"/>
-          </p:cNvSpPr>
-          <p:nvPr>
-            <p:ph type="title"/>
-          </p:nvPr>
-        </p:nvSpPr>
-        <p:spPr/>
-        <p:txBody>
-          <a:bodyPr/>
-          <a:lstStyle/>
-          <a:p>
-            <a:endParaRPr lang="en-US"/>
-          </a:p>
-        </p:txBody>
-      </p:sp>
-      <p:sp>
-        <p:nvSpPr>
-          <p:cNvPr id="3" name="Content Placeholder 2">
-            <a:extLst>
-              <a:ext uri="{FF2B5EF4-FFF2-40B4-BE49-F238E27FC236}">
-                <a16:creationId xmlns:a16="http://schemas.microsoft.com/office/drawing/2014/main" id="{C1E52E38-E0EE-45D9-B4A8-AFF2F4183D9A}"/>
-              </a:ext>
-            </a:extLst>
-          </p:cNvPr>
-          <p:cNvSpPr>
-            <a:spLocks noGrp="1"/>
-          </p:cNvSpPr>
-          <p:nvPr>
-            <p:ph idx="1"/>
-          </p:nvPr>
-        </p:nvSpPr>
-        <p:spPr/>
-        <p:txBody>
-          <a:bodyPr/>
-          <a:lstStyle/>
-          <a:p>
-            <a:endParaRPr lang="en-US"/>
-          </a:p>
-        </p:txBody>
-      </p:sp>
-    </p:spTree>
-    <p:extLst>
-      <p:ext uri="{BB962C8B-B14F-4D97-AF65-F5344CB8AC3E}">
-        <p14:creationId xmlns:p14="http://schemas.microsoft.com/office/powerpoint/2010/main" val="4078815954"/>
-      </p:ext>
-    </p:extLst>
-  </p:cSld>
-  <p:clrMapOvr>
-    <a:masterClrMapping/>
-  </p:clrMapOvr>
-</p:sld>
-</file>
-
-<file path=ppt/slides/slide7.xml><?xml version="1.0" encoding="utf-8"?>
-<p:sld xmlns:a="http://schemas.openxmlformats.org/drawingml/2006/main" xmlns:r="http://schemas.openxmlformats.org/officeDocument/2006/relationships" xmlns:p="http://schemas.openxmlformats.org/presentationml/2006/main">
-  <p:cSld>
-    <p:spTree>
-      <p:nvGrpSpPr>
-        <p:cNvPr id="1" name=""/>
-        <p:cNvGrpSpPr/>
-        <p:nvPr/>
-      </p:nvGrpSpPr>
-      <p:grpSpPr>
-        <a:xfrm>
-          <a:off x="0" y="0"/>
-          <a:ext cx="0" cy="0"/>
-          <a:chOff x="0" y="0"/>
-          <a:chExt cx="0" cy="0"/>
-        </a:xfrm>
-      </p:grpSpPr>
-      <p:sp>
-        <p:nvSpPr>
-          <p:cNvPr id="3" name="Content Placeholder 2"/>
-          <p:cNvSpPr>
-            <a:spLocks noGrp="1"/>
-          </p:cNvSpPr>
-          <p:nvPr>
-            <p:ph idx="1"/>
-          </p:nvPr>
-        </p:nvSpPr>
-        <p:spPr>
-          <a:xfrm>
-            <a:off x="391332" y="381000"/>
-            <a:ext cx="11572068" cy="6278561"/>
-          </a:xfrm>
-        </p:spPr>
-        <p:style>
-          <a:lnRef idx="2">
-            <a:schemeClr val="accent2"/>
-          </a:lnRef>
-          <a:fillRef idx="1">
-            <a:schemeClr val="lt1"/>
-          </a:fillRef>
-          <a:effectRef idx="0">
-            <a:schemeClr val="accent2"/>
-          </a:effectRef>
-          <a:fontRef idx="minor">
-            <a:schemeClr val="dk1"/>
-          </a:fontRef>
-        </p:style>
-        <p:txBody>
-          <a:bodyPr>
-            <a:normAutofit fontScale="62500" lnSpcReduction="20000"/>
-          </a:bodyPr>
-          <a:lstStyle/>
-          <a:p>
-            <a:pPr marL="0" indent="0">
-              <a:buNone/>
-            </a:pPr>
-            <a:r>
-              <a:rPr lang="en-US" dirty="0">
-                <a:solidFill>
-                  <a:srgbClr val="000000"/>
-                </a:solidFill>
-                <a:highlight>
-                  <a:srgbClr val="FFFFFF"/>
-                </a:highlight>
-                <a:latin typeface="Consolas" panose="020B0609020204030204" pitchFamily="49" charset="0"/>
-              </a:rPr>
-              <a:t>        </a:t>
-            </a:r>
-            <a:r>
-              <a:rPr lang="en-US" dirty="0">
-                <a:solidFill>
-                  <a:srgbClr val="0000FF"/>
-                </a:solidFill>
-                <a:highlight>
-                  <a:srgbClr val="FFFFFF"/>
-                </a:highlight>
-                <a:latin typeface="Consolas" panose="020B0609020204030204" pitchFamily="49" charset="0"/>
-              </a:rPr>
-              <a:t>static</a:t>
-            </a:r>
-            <a:r>
-              <a:rPr lang="en-US" dirty="0">
-                <a:solidFill>
-                  <a:srgbClr val="000000"/>
-                </a:solidFill>
-                <a:highlight>
-                  <a:srgbClr val="FFFFFF"/>
-                </a:highlight>
-                <a:latin typeface="Consolas" panose="020B0609020204030204" pitchFamily="49" charset="0"/>
-              </a:rPr>
-              <a:t> </a:t>
-            </a:r>
-            <a:r>
-              <a:rPr lang="en-US" dirty="0">
-                <a:solidFill>
-                  <a:srgbClr val="0000FF"/>
-                </a:solidFill>
-                <a:highlight>
-                  <a:srgbClr val="FFFFFF"/>
-                </a:highlight>
-                <a:latin typeface="Consolas" panose="020B0609020204030204" pitchFamily="49" charset="0"/>
-              </a:rPr>
-              <a:t>void</a:t>
-            </a:r>
-            <a:r>
-              <a:rPr lang="en-US" dirty="0">
-                <a:solidFill>
-                  <a:srgbClr val="000000"/>
-                </a:solidFill>
-                <a:highlight>
-                  <a:srgbClr val="FFFFFF"/>
-                </a:highlight>
-                <a:latin typeface="Consolas" panose="020B0609020204030204" pitchFamily="49" charset="0"/>
-              </a:rPr>
-              <a:t> Main(</a:t>
-            </a:r>
-            <a:r>
-              <a:rPr lang="en-US" dirty="0">
-                <a:solidFill>
-                  <a:srgbClr val="0000FF"/>
-                </a:solidFill>
-                <a:highlight>
-                  <a:srgbClr val="FFFFFF"/>
-                </a:highlight>
-                <a:latin typeface="Consolas" panose="020B0609020204030204" pitchFamily="49" charset="0"/>
-              </a:rPr>
-              <a:t>string</a:t>
-            </a:r>
-            <a:r>
-              <a:rPr lang="en-US" dirty="0">
-                <a:solidFill>
-                  <a:srgbClr val="000000"/>
-                </a:solidFill>
-                <a:highlight>
-                  <a:srgbClr val="FFFFFF"/>
-                </a:highlight>
-                <a:latin typeface="Consolas" panose="020B0609020204030204" pitchFamily="49" charset="0"/>
-              </a:rPr>
-              <a:t>[] </a:t>
-            </a:r>
-            <a:r>
-              <a:rPr lang="en-US" dirty="0" err="1">
-                <a:solidFill>
-                  <a:srgbClr val="000000"/>
-                </a:solidFill>
-                <a:highlight>
-                  <a:srgbClr val="FFFFFF"/>
-                </a:highlight>
-                <a:latin typeface="Consolas" panose="020B0609020204030204" pitchFamily="49" charset="0"/>
-              </a:rPr>
-              <a:t>args</a:t>
-            </a:r>
-            <a:r>
-              <a:rPr lang="en-US" dirty="0">
-                <a:solidFill>
-                  <a:srgbClr val="000000"/>
-                </a:solidFill>
-                <a:highlight>
-                  <a:srgbClr val="FFFFFF"/>
-                </a:highlight>
-                <a:latin typeface="Consolas" panose="020B0609020204030204" pitchFamily="49" charset="0"/>
-              </a:rPr>
-              <a:t>)</a:t>
-            </a:r>
-          </a:p>
-          <a:p>
-            <a:pPr marL="0" indent="0">
-              <a:buNone/>
-            </a:pPr>
-            <a:r>
-              <a:rPr lang="en-US" dirty="0">
-                <a:solidFill>
-                  <a:srgbClr val="000000"/>
-                </a:solidFill>
-                <a:highlight>
-                  <a:srgbClr val="FFFFFF"/>
-                </a:highlight>
-                <a:latin typeface="Consolas" panose="020B0609020204030204" pitchFamily="49" charset="0"/>
-              </a:rPr>
-              <a:t>        {</a:t>
-            </a:r>
-          </a:p>
-          <a:p>
-            <a:pPr marL="0" indent="0">
-              <a:buNone/>
-            </a:pPr>
-            <a:r>
-              <a:rPr lang="en-US" dirty="0">
-                <a:solidFill>
-                  <a:srgbClr val="000000"/>
-                </a:solidFill>
-                <a:highlight>
-                  <a:srgbClr val="FFFFFF"/>
-                </a:highlight>
-                <a:latin typeface="Consolas" panose="020B0609020204030204" pitchFamily="49" charset="0"/>
-              </a:rPr>
-              <a:t>            </a:t>
-            </a:r>
-            <a:r>
-              <a:rPr lang="en-US" dirty="0">
-                <a:solidFill>
-                  <a:srgbClr val="0000FF"/>
-                </a:solidFill>
-                <a:highlight>
-                  <a:srgbClr val="FFFFFF"/>
-                </a:highlight>
-                <a:latin typeface="Consolas" panose="020B0609020204030204" pitchFamily="49" charset="0"/>
-              </a:rPr>
-              <a:t>object</a:t>
-            </a:r>
-            <a:r>
-              <a:rPr lang="en-US" dirty="0">
-                <a:solidFill>
-                  <a:srgbClr val="000000"/>
-                </a:solidFill>
-                <a:highlight>
-                  <a:srgbClr val="FFFFFF"/>
-                </a:highlight>
-                <a:latin typeface="Consolas" panose="020B0609020204030204" pitchFamily="49" charset="0"/>
-              </a:rPr>
-              <a:t>[] numbers = { 0b1, 0b10, </a:t>
-            </a:r>
-            <a:r>
-              <a:rPr lang="en-US" dirty="0">
-                <a:solidFill>
-                  <a:srgbClr val="0000FF"/>
-                </a:solidFill>
-                <a:highlight>
-                  <a:srgbClr val="FFFFFF"/>
-                </a:highlight>
-                <a:latin typeface="Consolas" panose="020B0609020204030204" pitchFamily="49" charset="0"/>
-              </a:rPr>
-              <a:t>new</a:t>
-            </a:r>
-            <a:r>
-              <a:rPr lang="en-US" dirty="0">
-                <a:solidFill>
-                  <a:srgbClr val="000000"/>
-                </a:solidFill>
-                <a:highlight>
-                  <a:srgbClr val="FFFFFF"/>
-                </a:highlight>
-                <a:latin typeface="Consolas" panose="020B0609020204030204" pitchFamily="49" charset="0"/>
-              </a:rPr>
-              <a:t> </a:t>
-            </a:r>
-            <a:r>
-              <a:rPr lang="en-US" dirty="0">
-                <a:solidFill>
-                  <a:srgbClr val="0000FF"/>
-                </a:solidFill>
-                <a:highlight>
-                  <a:srgbClr val="FFFFFF"/>
-                </a:highlight>
-                <a:latin typeface="Consolas" panose="020B0609020204030204" pitchFamily="49" charset="0"/>
-              </a:rPr>
-              <a:t>object</a:t>
-            </a:r>
-            <a:r>
-              <a:rPr lang="en-US" dirty="0">
-                <a:solidFill>
-                  <a:srgbClr val="000000"/>
-                </a:solidFill>
-                <a:highlight>
-                  <a:srgbClr val="FFFFFF"/>
-                </a:highlight>
-                <a:latin typeface="Consolas" panose="020B0609020204030204" pitchFamily="49" charset="0"/>
-              </a:rPr>
-              <a:t>[] { 0b10, 0b100, 0b1000 }, 0b1000_0, 0b1000_00 };</a:t>
-            </a:r>
-          </a:p>
-          <a:p>
-            <a:pPr marL="0" indent="0">
-              <a:buNone/>
-            </a:pPr>
-            <a:r>
-              <a:rPr lang="en-US" dirty="0">
-                <a:solidFill>
-                  <a:srgbClr val="000000"/>
-                </a:solidFill>
-                <a:highlight>
-                  <a:srgbClr val="FFFFFF"/>
-                </a:highlight>
-                <a:latin typeface="Consolas" panose="020B0609020204030204" pitchFamily="49" charset="0"/>
-              </a:rPr>
-              <a:t>            (</a:t>
-            </a:r>
-            <a:r>
-              <a:rPr lang="en-US" dirty="0" err="1">
-                <a:solidFill>
-                  <a:srgbClr val="0000FF"/>
-                </a:solidFill>
-                <a:highlight>
-                  <a:srgbClr val="FFFFFF"/>
-                </a:highlight>
-                <a:latin typeface="Consolas" panose="020B0609020204030204" pitchFamily="49" charset="0"/>
-              </a:rPr>
-              <a:t>int</a:t>
-            </a:r>
-            <a:r>
-              <a:rPr lang="en-US" dirty="0">
-                <a:solidFill>
-                  <a:srgbClr val="000000"/>
-                </a:solidFill>
-                <a:highlight>
-                  <a:srgbClr val="FFFFFF"/>
-                </a:highlight>
-                <a:latin typeface="Consolas" panose="020B0609020204030204" pitchFamily="49" charset="0"/>
-              </a:rPr>
-              <a:t> sum, </a:t>
-            </a:r>
-            <a:r>
-              <a:rPr lang="en-US" dirty="0" err="1">
-                <a:solidFill>
-                  <a:srgbClr val="0000FF"/>
-                </a:solidFill>
-                <a:highlight>
-                  <a:srgbClr val="FFFFFF"/>
-                </a:highlight>
-                <a:latin typeface="Consolas" panose="020B0609020204030204" pitchFamily="49" charset="0"/>
-              </a:rPr>
-              <a:t>int</a:t>
-            </a:r>
-            <a:r>
-              <a:rPr lang="en-US" dirty="0">
-                <a:solidFill>
-                  <a:srgbClr val="000000"/>
-                </a:solidFill>
-                <a:highlight>
-                  <a:srgbClr val="FFFFFF"/>
-                </a:highlight>
-                <a:latin typeface="Consolas" panose="020B0609020204030204" pitchFamily="49" charset="0"/>
-              </a:rPr>
-              <a:t> count) Tally(</a:t>
-            </a:r>
-            <a:r>
-              <a:rPr lang="en-US" dirty="0" err="1">
-                <a:solidFill>
-                  <a:srgbClr val="2B91AF"/>
-                </a:solidFill>
-                <a:highlight>
-                  <a:srgbClr val="FFFFFF"/>
-                </a:highlight>
-                <a:latin typeface="Consolas" panose="020B0609020204030204" pitchFamily="49" charset="0"/>
-              </a:rPr>
-              <a:t>IEnumerable</a:t>
-            </a:r>
-            <a:r>
-              <a:rPr lang="en-US" dirty="0">
-                <a:solidFill>
-                  <a:srgbClr val="000000"/>
-                </a:solidFill>
-                <a:highlight>
-                  <a:srgbClr val="FFFFFF"/>
-                </a:highlight>
-                <a:latin typeface="Consolas" panose="020B0609020204030204" pitchFamily="49" charset="0"/>
-              </a:rPr>
-              <a:t>&lt;</a:t>
-            </a:r>
-            <a:r>
-              <a:rPr lang="en-US" dirty="0">
-                <a:solidFill>
-                  <a:srgbClr val="0000FF"/>
-                </a:solidFill>
-                <a:highlight>
-                  <a:srgbClr val="FFFFFF"/>
-                </a:highlight>
-                <a:latin typeface="Consolas" panose="020B0609020204030204" pitchFamily="49" charset="0"/>
-              </a:rPr>
-              <a:t>object</a:t>
-            </a:r>
-            <a:r>
-              <a:rPr lang="en-US" dirty="0">
-                <a:solidFill>
-                  <a:srgbClr val="000000"/>
-                </a:solidFill>
-                <a:highlight>
-                  <a:srgbClr val="FFFFFF"/>
-                </a:highlight>
-                <a:latin typeface="Consolas" panose="020B0609020204030204" pitchFamily="49" charset="0"/>
-              </a:rPr>
-              <a:t>&gt; list)</a:t>
-            </a:r>
-          </a:p>
-          <a:p>
-            <a:pPr marL="0" indent="0">
-              <a:buNone/>
-            </a:pPr>
-            <a:r>
-              <a:rPr lang="en-US" dirty="0">
-                <a:solidFill>
-                  <a:srgbClr val="000000"/>
-                </a:solidFill>
-                <a:highlight>
-                  <a:srgbClr val="FFFFFF"/>
-                </a:highlight>
-                <a:latin typeface="Consolas" panose="020B0609020204030204" pitchFamily="49" charset="0"/>
-              </a:rPr>
-              <a:t>            {</a:t>
-            </a:r>
-          </a:p>
-          <a:p>
-            <a:pPr marL="0" indent="0">
-              <a:buNone/>
-            </a:pPr>
-            <a:r>
-              <a:rPr lang="en-US" dirty="0">
-                <a:solidFill>
-                  <a:srgbClr val="000000"/>
-                </a:solidFill>
-                <a:highlight>
-                  <a:srgbClr val="FFFFFF"/>
-                </a:highlight>
-                <a:latin typeface="Consolas" panose="020B0609020204030204" pitchFamily="49" charset="0"/>
-              </a:rPr>
-              <a:t>                </a:t>
-            </a:r>
-            <a:r>
-              <a:rPr lang="en-US" dirty="0" err="1">
-                <a:solidFill>
-                  <a:srgbClr val="0000FF"/>
-                </a:solidFill>
-                <a:highlight>
-                  <a:srgbClr val="FFFFFF"/>
-                </a:highlight>
-                <a:latin typeface="Consolas" panose="020B0609020204030204" pitchFamily="49" charset="0"/>
-              </a:rPr>
-              <a:t>var</a:t>
-            </a:r>
-            <a:r>
-              <a:rPr lang="en-US" dirty="0">
-                <a:solidFill>
-                  <a:srgbClr val="000000"/>
-                </a:solidFill>
-                <a:highlight>
-                  <a:srgbClr val="FFFFFF"/>
-                </a:highlight>
-                <a:latin typeface="Consolas" panose="020B0609020204030204" pitchFamily="49" charset="0"/>
-              </a:rPr>
-              <a:t> r = (sum:0, count:0);</a:t>
-            </a:r>
-          </a:p>
-          <a:p>
-            <a:pPr marL="0" indent="0">
-              <a:buNone/>
-            </a:pPr>
-            <a:r>
-              <a:rPr lang="sv-SE" dirty="0">
-                <a:solidFill>
-                  <a:srgbClr val="000000"/>
-                </a:solidFill>
-                <a:highlight>
-                  <a:srgbClr val="FFFFFF"/>
-                </a:highlight>
-                <a:latin typeface="Consolas" panose="020B0609020204030204" pitchFamily="49" charset="0"/>
-              </a:rPr>
-              <a:t>                </a:t>
-            </a:r>
-            <a:r>
-              <a:rPr lang="sv-SE" dirty="0">
-                <a:solidFill>
-                  <a:srgbClr val="0000FF"/>
-                </a:solidFill>
-                <a:highlight>
-                  <a:srgbClr val="FFFFFF"/>
-                </a:highlight>
-                <a:latin typeface="Consolas" panose="020B0609020204030204" pitchFamily="49" charset="0"/>
-              </a:rPr>
-              <a:t>foreach</a:t>
-            </a:r>
-            <a:r>
-              <a:rPr lang="sv-SE" dirty="0">
-                <a:solidFill>
-                  <a:srgbClr val="000000"/>
-                </a:solidFill>
-                <a:highlight>
-                  <a:srgbClr val="FFFFFF"/>
-                </a:highlight>
-                <a:latin typeface="Consolas" panose="020B0609020204030204" pitchFamily="49" charset="0"/>
-              </a:rPr>
-              <a:t> (</a:t>
-            </a:r>
-            <a:r>
-              <a:rPr lang="sv-SE" dirty="0">
-                <a:solidFill>
-                  <a:srgbClr val="0000FF"/>
-                </a:solidFill>
-                <a:highlight>
-                  <a:srgbClr val="FFFFFF"/>
-                </a:highlight>
-                <a:latin typeface="Consolas" panose="020B0609020204030204" pitchFamily="49" charset="0"/>
-              </a:rPr>
-              <a:t>var</a:t>
-            </a:r>
-            <a:r>
-              <a:rPr lang="sv-SE" dirty="0">
-                <a:solidFill>
-                  <a:srgbClr val="000000"/>
-                </a:solidFill>
-                <a:highlight>
-                  <a:srgbClr val="FFFFFF"/>
-                </a:highlight>
-                <a:latin typeface="Consolas" panose="020B0609020204030204" pitchFamily="49" charset="0"/>
-              </a:rPr>
-              <a:t> v </a:t>
-            </a:r>
-            <a:r>
-              <a:rPr lang="sv-SE" dirty="0">
-                <a:solidFill>
-                  <a:srgbClr val="0000FF"/>
-                </a:solidFill>
-                <a:highlight>
-                  <a:srgbClr val="FFFFFF"/>
-                </a:highlight>
-                <a:latin typeface="Consolas" panose="020B0609020204030204" pitchFamily="49" charset="0"/>
-              </a:rPr>
-              <a:t>in</a:t>
-            </a:r>
-            <a:r>
-              <a:rPr lang="sv-SE" dirty="0">
-                <a:solidFill>
-                  <a:srgbClr val="000000"/>
-                </a:solidFill>
-                <a:highlight>
-                  <a:srgbClr val="FFFFFF"/>
-                </a:highlight>
-                <a:latin typeface="Consolas" panose="020B0609020204030204" pitchFamily="49" charset="0"/>
-              </a:rPr>
-              <a:t> list)</a:t>
-            </a:r>
-          </a:p>
-          <a:p>
-            <a:pPr marL="0" indent="0">
-              <a:buNone/>
-            </a:pPr>
-            <a:r>
-              <a:rPr lang="en-US" dirty="0">
-                <a:solidFill>
-                  <a:srgbClr val="000000"/>
-                </a:solidFill>
-                <a:highlight>
-                  <a:srgbClr val="FFFFFF"/>
-                </a:highlight>
-                <a:latin typeface="Consolas" panose="020B0609020204030204" pitchFamily="49" charset="0"/>
-              </a:rPr>
-              <a:t>                {</a:t>
-            </a:r>
-          </a:p>
-          <a:p>
-            <a:pPr marL="0" indent="0">
-              <a:buNone/>
-            </a:pPr>
-            <a:r>
-              <a:rPr lang="en-US" dirty="0">
-                <a:solidFill>
-                  <a:srgbClr val="000000"/>
-                </a:solidFill>
-                <a:highlight>
-                  <a:srgbClr val="FFFFFF"/>
-                </a:highlight>
-                <a:latin typeface="Consolas" panose="020B0609020204030204" pitchFamily="49" charset="0"/>
-              </a:rPr>
-              <a:t>                    </a:t>
-            </a:r>
-            <a:r>
-              <a:rPr lang="en-US" dirty="0">
-                <a:solidFill>
-                  <a:srgbClr val="0000FF"/>
-                </a:solidFill>
-                <a:highlight>
-                  <a:srgbClr val="FFFFFF"/>
-                </a:highlight>
-                <a:latin typeface="Consolas" panose="020B0609020204030204" pitchFamily="49" charset="0"/>
-              </a:rPr>
-              <a:t>switch</a:t>
-            </a:r>
-            <a:r>
-              <a:rPr lang="en-US" dirty="0">
-                <a:solidFill>
-                  <a:srgbClr val="000000"/>
-                </a:solidFill>
-                <a:highlight>
-                  <a:srgbClr val="FFFFFF"/>
-                </a:highlight>
-                <a:latin typeface="Consolas" panose="020B0609020204030204" pitchFamily="49" charset="0"/>
-              </a:rPr>
-              <a:t>(v)</a:t>
-            </a:r>
-          </a:p>
-          <a:p>
-            <a:pPr marL="0" indent="0">
-              <a:buNone/>
-            </a:pPr>
-            <a:r>
-              <a:rPr lang="en-US" dirty="0">
-                <a:solidFill>
-                  <a:srgbClr val="000000"/>
-                </a:solidFill>
-                <a:highlight>
-                  <a:srgbClr val="FFFFFF"/>
-                </a:highlight>
-                <a:latin typeface="Consolas" panose="020B0609020204030204" pitchFamily="49" charset="0"/>
-              </a:rPr>
-              <a:t>                    {</a:t>
-            </a:r>
-          </a:p>
-          <a:p>
-            <a:pPr marL="0" indent="0">
-              <a:buNone/>
-            </a:pPr>
-            <a:r>
-              <a:rPr lang="en-US" dirty="0">
-                <a:solidFill>
-                  <a:srgbClr val="000000"/>
-                </a:solidFill>
-                <a:highlight>
-                  <a:srgbClr val="FFFFFF"/>
-                </a:highlight>
-                <a:latin typeface="Consolas" panose="020B0609020204030204" pitchFamily="49" charset="0"/>
-              </a:rPr>
-              <a:t>                        </a:t>
-            </a:r>
-            <a:r>
-              <a:rPr lang="en-US" dirty="0">
-                <a:solidFill>
-                  <a:srgbClr val="0000FF"/>
-                </a:solidFill>
-                <a:highlight>
-                  <a:srgbClr val="FFFFFF"/>
-                </a:highlight>
-                <a:latin typeface="Consolas" panose="020B0609020204030204" pitchFamily="49" charset="0"/>
-              </a:rPr>
-              <a:t>case</a:t>
-            </a:r>
-            <a:r>
-              <a:rPr lang="en-US" dirty="0">
-                <a:solidFill>
-                  <a:srgbClr val="000000"/>
-                </a:solidFill>
-                <a:highlight>
-                  <a:srgbClr val="FFFFFF"/>
-                </a:highlight>
-                <a:latin typeface="Consolas" panose="020B0609020204030204" pitchFamily="49" charset="0"/>
-              </a:rPr>
-              <a:t> </a:t>
-            </a:r>
-            <a:r>
-              <a:rPr lang="en-US" dirty="0" err="1">
-                <a:solidFill>
-                  <a:srgbClr val="0000FF"/>
-                </a:solidFill>
-                <a:highlight>
-                  <a:srgbClr val="FFFFFF"/>
-                </a:highlight>
-                <a:latin typeface="Consolas" panose="020B0609020204030204" pitchFamily="49" charset="0"/>
-              </a:rPr>
-              <a:t>int</a:t>
-            </a:r>
-            <a:r>
-              <a:rPr lang="en-US" dirty="0">
-                <a:solidFill>
-                  <a:srgbClr val="000000"/>
-                </a:solidFill>
-                <a:highlight>
-                  <a:srgbClr val="FFFFFF"/>
-                </a:highlight>
-                <a:latin typeface="Consolas" panose="020B0609020204030204" pitchFamily="49" charset="0"/>
-              </a:rPr>
-              <a:t> i:</a:t>
-            </a:r>
-          </a:p>
-          <a:p>
-            <a:pPr marL="0" indent="0">
-              <a:buNone/>
-            </a:pPr>
-            <a:r>
-              <a:rPr lang="en-US" dirty="0">
-                <a:solidFill>
-                  <a:srgbClr val="000000"/>
-                </a:solidFill>
-                <a:highlight>
-                  <a:srgbClr val="FFFFFF"/>
-                </a:highlight>
-                <a:latin typeface="Consolas" panose="020B0609020204030204" pitchFamily="49" charset="0"/>
-              </a:rPr>
-              <a:t>                            </a:t>
-            </a:r>
-            <a:r>
-              <a:rPr lang="en-US" dirty="0" err="1">
-                <a:solidFill>
-                  <a:srgbClr val="000000"/>
-                </a:solidFill>
-                <a:highlight>
-                  <a:srgbClr val="FFFFFF"/>
-                </a:highlight>
-                <a:latin typeface="Consolas" panose="020B0609020204030204" pitchFamily="49" charset="0"/>
-              </a:rPr>
-              <a:t>r.sum</a:t>
-            </a:r>
-            <a:r>
-              <a:rPr lang="en-US" dirty="0">
-                <a:solidFill>
-                  <a:srgbClr val="000000"/>
-                </a:solidFill>
-                <a:highlight>
-                  <a:srgbClr val="FFFFFF"/>
-                </a:highlight>
-                <a:latin typeface="Consolas" panose="020B0609020204030204" pitchFamily="49" charset="0"/>
-              </a:rPr>
-              <a:t> += </a:t>
-            </a:r>
-            <a:r>
-              <a:rPr lang="en-US" dirty="0" err="1">
-                <a:solidFill>
-                  <a:srgbClr val="000000"/>
-                </a:solidFill>
-                <a:highlight>
-                  <a:srgbClr val="FFFFFF"/>
-                </a:highlight>
-                <a:latin typeface="Consolas" panose="020B0609020204030204" pitchFamily="49" charset="0"/>
-              </a:rPr>
-              <a:t>i</a:t>
-            </a:r>
-            <a:r>
-              <a:rPr lang="en-US" dirty="0">
-                <a:solidFill>
-                  <a:srgbClr val="000000"/>
-                </a:solidFill>
-                <a:highlight>
-                  <a:srgbClr val="FFFFFF"/>
-                </a:highlight>
-                <a:latin typeface="Consolas" panose="020B0609020204030204" pitchFamily="49" charset="0"/>
-              </a:rPr>
-              <a:t>, </a:t>
-            </a:r>
-            <a:r>
-              <a:rPr lang="en-US" dirty="0" err="1">
-                <a:solidFill>
-                  <a:srgbClr val="000000"/>
-                </a:solidFill>
-                <a:highlight>
-                  <a:srgbClr val="FFFFFF"/>
-                </a:highlight>
-                <a:latin typeface="Consolas" panose="020B0609020204030204" pitchFamily="49" charset="0"/>
-              </a:rPr>
-              <a:t>r.count</a:t>
-            </a:r>
-            <a:r>
-              <a:rPr lang="en-US" dirty="0">
-                <a:solidFill>
-                  <a:srgbClr val="000000"/>
-                </a:solidFill>
-                <a:highlight>
-                  <a:srgbClr val="FFFFFF"/>
-                </a:highlight>
-                <a:latin typeface="Consolas" panose="020B0609020204030204" pitchFamily="49" charset="0"/>
-              </a:rPr>
-              <a:t>++;</a:t>
-            </a:r>
-          </a:p>
-          <a:p>
-            <a:pPr marL="0" indent="0">
-              <a:buNone/>
-            </a:pPr>
-            <a:r>
-              <a:rPr lang="en-US" dirty="0">
-                <a:solidFill>
-                  <a:srgbClr val="000000"/>
-                </a:solidFill>
-                <a:highlight>
-                  <a:srgbClr val="FFFFFF"/>
-                </a:highlight>
-                <a:latin typeface="Consolas" panose="020B0609020204030204" pitchFamily="49" charset="0"/>
-              </a:rPr>
-              <a:t>                            </a:t>
-            </a:r>
-            <a:r>
-              <a:rPr lang="en-US" dirty="0">
-                <a:solidFill>
-                  <a:srgbClr val="0000FF"/>
-                </a:solidFill>
-                <a:highlight>
-                  <a:srgbClr val="FFFFFF"/>
-                </a:highlight>
-                <a:latin typeface="Consolas" panose="020B0609020204030204" pitchFamily="49" charset="0"/>
-              </a:rPr>
-              <a:t>break</a:t>
-            </a:r>
-            <a:r>
-              <a:rPr lang="en-US" dirty="0">
-                <a:solidFill>
-                  <a:srgbClr val="000000"/>
-                </a:solidFill>
-                <a:highlight>
-                  <a:srgbClr val="FFFFFF"/>
-                </a:highlight>
-                <a:latin typeface="Consolas" panose="020B0609020204030204" pitchFamily="49" charset="0"/>
-              </a:rPr>
-              <a:t>;</a:t>
-            </a:r>
-          </a:p>
-          <a:p>
-            <a:pPr marL="0" indent="0">
-              <a:buNone/>
-            </a:pPr>
-            <a:r>
-              <a:rPr lang="en-US" dirty="0">
-                <a:solidFill>
-                  <a:srgbClr val="000000"/>
-                </a:solidFill>
-                <a:highlight>
-                  <a:srgbClr val="FFFFFF"/>
-                </a:highlight>
-                <a:latin typeface="Consolas" panose="020B0609020204030204" pitchFamily="49" charset="0"/>
-              </a:rPr>
-              <a:t>                         </a:t>
-            </a:r>
-            <a:r>
-              <a:rPr lang="en-US" dirty="0">
-                <a:solidFill>
-                  <a:srgbClr val="0000FF"/>
-                </a:solidFill>
-                <a:highlight>
-                  <a:srgbClr val="FFFFFF"/>
-                </a:highlight>
-                <a:latin typeface="Consolas" panose="020B0609020204030204" pitchFamily="49" charset="0"/>
-              </a:rPr>
-              <a:t>case</a:t>
-            </a:r>
-            <a:r>
-              <a:rPr lang="en-US" dirty="0">
-                <a:solidFill>
-                  <a:srgbClr val="000000"/>
-                </a:solidFill>
-                <a:highlight>
-                  <a:srgbClr val="FFFFFF"/>
-                </a:highlight>
-                <a:latin typeface="Consolas" panose="020B0609020204030204" pitchFamily="49" charset="0"/>
-              </a:rPr>
-              <a:t> </a:t>
-            </a:r>
-            <a:r>
-              <a:rPr lang="en-US" dirty="0" err="1">
-                <a:solidFill>
-                  <a:srgbClr val="2B91AF"/>
-                </a:solidFill>
-                <a:highlight>
-                  <a:srgbClr val="FFFFFF"/>
-                </a:highlight>
-                <a:latin typeface="Consolas" panose="020B0609020204030204" pitchFamily="49" charset="0"/>
-              </a:rPr>
-              <a:t>IEnumerable</a:t>
-            </a:r>
-            <a:r>
-              <a:rPr lang="en-US" dirty="0">
-                <a:solidFill>
-                  <a:srgbClr val="000000"/>
-                </a:solidFill>
-                <a:highlight>
-                  <a:srgbClr val="FFFFFF"/>
-                </a:highlight>
-                <a:latin typeface="Consolas" panose="020B0609020204030204" pitchFamily="49" charset="0"/>
-              </a:rPr>
-              <a:t>&lt;</a:t>
-            </a:r>
-            <a:r>
-              <a:rPr lang="en-US" dirty="0">
-                <a:solidFill>
-                  <a:srgbClr val="0000FF"/>
-                </a:solidFill>
-                <a:highlight>
-                  <a:srgbClr val="FFFFFF"/>
-                </a:highlight>
-                <a:latin typeface="Consolas" panose="020B0609020204030204" pitchFamily="49" charset="0"/>
-              </a:rPr>
-              <a:t>object</a:t>
-            </a:r>
-            <a:r>
-              <a:rPr lang="en-US" dirty="0">
-                <a:solidFill>
-                  <a:srgbClr val="000000"/>
-                </a:solidFill>
-                <a:highlight>
-                  <a:srgbClr val="FFFFFF"/>
-                </a:highlight>
-                <a:latin typeface="Consolas" panose="020B0609020204030204" pitchFamily="49" charset="0"/>
-              </a:rPr>
-              <a:t>&gt; l </a:t>
-            </a:r>
-            <a:r>
-              <a:rPr lang="en-US" dirty="0">
-                <a:solidFill>
-                  <a:srgbClr val="0000FF"/>
-                </a:solidFill>
-                <a:highlight>
-                  <a:srgbClr val="FFFFFF"/>
-                </a:highlight>
-                <a:latin typeface="Consolas" panose="020B0609020204030204" pitchFamily="49" charset="0"/>
-              </a:rPr>
-              <a:t>when</a:t>
-            </a:r>
-            <a:r>
-              <a:rPr lang="en-US" dirty="0">
-                <a:solidFill>
-                  <a:srgbClr val="000000"/>
-                </a:solidFill>
-                <a:highlight>
-                  <a:srgbClr val="FFFFFF"/>
-                </a:highlight>
-                <a:latin typeface="Consolas" panose="020B0609020204030204" pitchFamily="49" charset="0"/>
-              </a:rPr>
-              <a:t> </a:t>
-            </a:r>
-            <a:r>
-              <a:rPr lang="en-US" dirty="0" err="1">
-                <a:solidFill>
-                  <a:srgbClr val="000000"/>
-                </a:solidFill>
-                <a:highlight>
-                  <a:srgbClr val="FFFFFF"/>
-                </a:highlight>
-                <a:latin typeface="Consolas" panose="020B0609020204030204" pitchFamily="49" charset="0"/>
-              </a:rPr>
-              <a:t>l.Any</a:t>
-            </a:r>
-            <a:r>
-              <a:rPr lang="en-US" dirty="0">
-                <a:solidFill>
-                  <a:srgbClr val="000000"/>
-                </a:solidFill>
-                <a:highlight>
-                  <a:srgbClr val="FFFFFF"/>
-                </a:highlight>
-                <a:latin typeface="Consolas" panose="020B0609020204030204" pitchFamily="49" charset="0"/>
-              </a:rPr>
-              <a:t>():</a:t>
-            </a:r>
-          </a:p>
-          <a:p>
-            <a:pPr marL="0" indent="0">
-              <a:buNone/>
-            </a:pPr>
-            <a:r>
-              <a:rPr lang="en-US" dirty="0">
-                <a:solidFill>
-                  <a:srgbClr val="000000"/>
-                </a:solidFill>
-                <a:highlight>
-                  <a:srgbClr val="FFFFFF"/>
-                </a:highlight>
-                <a:latin typeface="Consolas" panose="020B0609020204030204" pitchFamily="49" charset="0"/>
-              </a:rPr>
-              <a:t>                            </a:t>
-            </a:r>
-            <a:r>
-              <a:rPr lang="en-US" dirty="0" err="1">
-                <a:solidFill>
-                  <a:srgbClr val="0000FF"/>
-                </a:solidFill>
-                <a:highlight>
-                  <a:srgbClr val="FFFFFF"/>
-                </a:highlight>
-                <a:latin typeface="Consolas" panose="020B0609020204030204" pitchFamily="49" charset="0"/>
-              </a:rPr>
-              <a:t>var</a:t>
-            </a:r>
-            <a:r>
-              <a:rPr lang="en-US" dirty="0">
-                <a:solidFill>
-                  <a:srgbClr val="000000"/>
-                </a:solidFill>
-                <a:highlight>
-                  <a:srgbClr val="FFFFFF"/>
-                </a:highlight>
-                <a:latin typeface="Consolas" panose="020B0609020204030204" pitchFamily="49" charset="0"/>
-              </a:rPr>
-              <a:t> t1 = Tally(l);</a:t>
-            </a:r>
-          </a:p>
-          <a:p>
-            <a:pPr marL="0" indent="0">
-              <a:buNone/>
-            </a:pPr>
-            <a:r>
-              <a:rPr lang="en-US" dirty="0">
-                <a:solidFill>
-                  <a:srgbClr val="000000"/>
-                </a:solidFill>
-                <a:highlight>
-                  <a:srgbClr val="FFFFFF"/>
-                </a:highlight>
-                <a:latin typeface="Consolas" panose="020B0609020204030204" pitchFamily="49" charset="0"/>
-              </a:rPr>
-              <a:t>                            </a:t>
-            </a:r>
-            <a:r>
-              <a:rPr lang="en-US" dirty="0" err="1">
-                <a:solidFill>
-                  <a:srgbClr val="000000"/>
-                </a:solidFill>
-                <a:highlight>
-                  <a:srgbClr val="FFFFFF"/>
-                </a:highlight>
-                <a:latin typeface="Consolas" panose="020B0609020204030204" pitchFamily="49" charset="0"/>
-              </a:rPr>
-              <a:t>r.s</a:t>
-            </a:r>
-            <a:r>
-              <a:rPr lang="en-US" dirty="0">
-                <a:solidFill>
-                  <a:srgbClr val="000000"/>
-                </a:solidFill>
-                <a:highlight>
-                  <a:srgbClr val="FFFFFF"/>
-                </a:highlight>
-                <a:latin typeface="Consolas" panose="020B0609020204030204" pitchFamily="49" charset="0"/>
-              </a:rPr>
-              <a:t> += </a:t>
-            </a:r>
-            <a:r>
-              <a:rPr lang="en-US" dirty="0" err="1">
-                <a:solidFill>
-                  <a:srgbClr val="000000"/>
-                </a:solidFill>
-                <a:highlight>
-                  <a:srgbClr val="FFFFFF"/>
-                </a:highlight>
-                <a:latin typeface="Consolas" panose="020B0609020204030204" pitchFamily="49" charset="0"/>
-              </a:rPr>
-              <a:t>tl.sum</a:t>
-            </a:r>
-            <a:r>
-              <a:rPr lang="en-US" dirty="0">
-                <a:solidFill>
-                  <a:srgbClr val="000000"/>
-                </a:solidFill>
-                <a:highlight>
-                  <a:srgbClr val="FFFFFF"/>
-                </a:highlight>
-                <a:latin typeface="Consolas" panose="020B0609020204030204" pitchFamily="49" charset="0"/>
-              </a:rPr>
-              <a:t>; </a:t>
-            </a:r>
-            <a:r>
-              <a:rPr lang="en-US" dirty="0" err="1">
-                <a:solidFill>
-                  <a:srgbClr val="000000"/>
-                </a:solidFill>
-                <a:highlight>
-                  <a:srgbClr val="FFFFFF"/>
-                </a:highlight>
-                <a:latin typeface="Consolas" panose="020B0609020204030204" pitchFamily="49" charset="0"/>
-              </a:rPr>
-              <a:t>r.c</a:t>
-            </a:r>
-            <a:r>
-              <a:rPr lang="en-US" dirty="0">
-                <a:solidFill>
-                  <a:srgbClr val="000000"/>
-                </a:solidFill>
-                <a:highlight>
-                  <a:srgbClr val="FFFFFF"/>
-                </a:highlight>
-                <a:latin typeface="Consolas" panose="020B0609020204030204" pitchFamily="49" charset="0"/>
-              </a:rPr>
-              <a:t> += </a:t>
-            </a:r>
-            <a:r>
-              <a:rPr lang="en-US" dirty="0" err="1">
-                <a:solidFill>
-                  <a:srgbClr val="000000"/>
-                </a:solidFill>
-                <a:highlight>
-                  <a:srgbClr val="FFFFFF"/>
-                </a:highlight>
-                <a:latin typeface="Consolas" panose="020B0609020204030204" pitchFamily="49" charset="0"/>
-              </a:rPr>
-              <a:t>tl.count</a:t>
-            </a:r>
-            <a:r>
-              <a:rPr lang="en-US" dirty="0">
-                <a:solidFill>
-                  <a:srgbClr val="000000"/>
-                </a:solidFill>
-                <a:highlight>
-                  <a:srgbClr val="FFFFFF"/>
-                </a:highlight>
-                <a:latin typeface="Consolas" panose="020B0609020204030204" pitchFamily="49" charset="0"/>
-              </a:rPr>
-              <a:t>;</a:t>
-            </a:r>
-          </a:p>
-          <a:p>
-            <a:pPr marL="0" indent="0">
-              <a:buNone/>
-            </a:pPr>
-            <a:r>
-              <a:rPr lang="en-US" dirty="0">
-                <a:solidFill>
-                  <a:srgbClr val="000000"/>
-                </a:solidFill>
-                <a:highlight>
-                  <a:srgbClr val="FFFFFF"/>
-                </a:highlight>
-                <a:latin typeface="Consolas" panose="020B0609020204030204" pitchFamily="49" charset="0"/>
-              </a:rPr>
-              <a:t>                            </a:t>
-            </a:r>
-            <a:r>
-              <a:rPr lang="en-US" dirty="0">
-                <a:solidFill>
-                  <a:srgbClr val="0000FF"/>
-                </a:solidFill>
-                <a:highlight>
-                  <a:srgbClr val="FFFFFF"/>
-                </a:highlight>
-                <a:latin typeface="Consolas" panose="020B0609020204030204" pitchFamily="49" charset="0"/>
-              </a:rPr>
-              <a:t>break</a:t>
-            </a:r>
-            <a:r>
-              <a:rPr lang="en-US" dirty="0">
-                <a:solidFill>
-                  <a:srgbClr val="000000"/>
-                </a:solidFill>
-                <a:highlight>
-                  <a:srgbClr val="FFFFFF"/>
-                </a:highlight>
-                <a:latin typeface="Consolas" panose="020B0609020204030204" pitchFamily="49" charset="0"/>
-              </a:rPr>
-              <a:t>;</a:t>
-            </a:r>
-          </a:p>
-          <a:p>
-            <a:pPr marL="0" indent="0">
-              <a:buNone/>
-            </a:pPr>
-            <a:r>
-              <a:rPr lang="en-US" dirty="0">
-                <a:solidFill>
-                  <a:srgbClr val="000000"/>
-                </a:solidFill>
-                <a:highlight>
-                  <a:srgbClr val="FFFFFF"/>
-                </a:highlight>
-                <a:latin typeface="Consolas" panose="020B0609020204030204" pitchFamily="49" charset="0"/>
-              </a:rPr>
-              <a:t>                        </a:t>
-            </a:r>
-            <a:r>
-              <a:rPr lang="en-US" dirty="0">
-                <a:solidFill>
-                  <a:srgbClr val="0000FF"/>
-                </a:solidFill>
-                <a:highlight>
-                  <a:srgbClr val="FFFFFF"/>
-                </a:highlight>
-                <a:latin typeface="Consolas" panose="020B0609020204030204" pitchFamily="49" charset="0"/>
-              </a:rPr>
-              <a:t>case</a:t>
-            </a:r>
-            <a:r>
-              <a:rPr lang="en-US" dirty="0">
-                <a:solidFill>
-                  <a:srgbClr val="000000"/>
-                </a:solidFill>
-                <a:highlight>
-                  <a:srgbClr val="FFFFFF"/>
-                </a:highlight>
-                <a:latin typeface="Consolas" panose="020B0609020204030204" pitchFamily="49" charset="0"/>
-              </a:rPr>
-              <a:t> </a:t>
-            </a:r>
-            <a:r>
-              <a:rPr lang="en-US" dirty="0">
-                <a:solidFill>
-                  <a:srgbClr val="0000FF"/>
-                </a:solidFill>
-                <a:highlight>
-                  <a:srgbClr val="FFFFFF"/>
-                </a:highlight>
-                <a:latin typeface="Consolas" panose="020B0609020204030204" pitchFamily="49" charset="0"/>
-              </a:rPr>
-              <a:t>null</a:t>
-            </a:r>
-            <a:r>
-              <a:rPr lang="en-US" dirty="0">
-                <a:solidFill>
-                  <a:srgbClr val="000000"/>
-                </a:solidFill>
-                <a:highlight>
-                  <a:srgbClr val="FFFFFF"/>
-                </a:highlight>
-                <a:latin typeface="Consolas" panose="020B0609020204030204" pitchFamily="49" charset="0"/>
-              </a:rPr>
-              <a:t>:</a:t>
-            </a:r>
-          </a:p>
-          <a:p>
-            <a:pPr marL="0" indent="0">
-              <a:buNone/>
-            </a:pPr>
-            <a:r>
-              <a:rPr lang="en-US" dirty="0">
-                <a:solidFill>
-                  <a:srgbClr val="000000"/>
-                </a:solidFill>
-                <a:highlight>
-                  <a:srgbClr val="FFFFFF"/>
-                </a:highlight>
-                <a:latin typeface="Consolas" panose="020B0609020204030204" pitchFamily="49" charset="0"/>
-              </a:rPr>
-              <a:t>                            </a:t>
-            </a:r>
-            <a:r>
-              <a:rPr lang="en-US" dirty="0">
-                <a:solidFill>
-                  <a:srgbClr val="0000FF"/>
-                </a:solidFill>
-                <a:highlight>
-                  <a:srgbClr val="FFFFFF"/>
-                </a:highlight>
-                <a:latin typeface="Consolas" panose="020B0609020204030204" pitchFamily="49" charset="0"/>
-              </a:rPr>
-              <a:t>break</a:t>
-            </a:r>
-            <a:r>
-              <a:rPr lang="en-US" dirty="0">
-                <a:solidFill>
-                  <a:srgbClr val="000000"/>
-                </a:solidFill>
-                <a:highlight>
-                  <a:srgbClr val="FFFFFF"/>
-                </a:highlight>
-                <a:latin typeface="Consolas" panose="020B0609020204030204" pitchFamily="49" charset="0"/>
-              </a:rPr>
-              <a:t>;</a:t>
-            </a:r>
-          </a:p>
-          <a:p>
-            <a:pPr marL="0" indent="0">
-              <a:buNone/>
-            </a:pPr>
-            <a:r>
-              <a:rPr lang="en-US" dirty="0">
-                <a:solidFill>
-                  <a:srgbClr val="000000"/>
-                </a:solidFill>
-                <a:highlight>
-                  <a:srgbClr val="FFFFFF"/>
-                </a:highlight>
-                <a:latin typeface="Consolas" panose="020B0609020204030204" pitchFamily="49" charset="0"/>
-              </a:rPr>
-              <a:t>                    }</a:t>
-            </a:r>
-          </a:p>
-          <a:p>
-            <a:pPr marL="0" indent="0">
-              <a:buNone/>
-            </a:pPr>
-            <a:r>
-              <a:rPr lang="en-US" dirty="0">
-                <a:solidFill>
-                  <a:srgbClr val="000000"/>
-                </a:solidFill>
-                <a:highlight>
-                  <a:srgbClr val="FFFFFF"/>
-                </a:highlight>
-                <a:latin typeface="Consolas" panose="020B0609020204030204" pitchFamily="49" charset="0"/>
-              </a:rPr>
-              <a:t>                }</a:t>
-            </a:r>
-          </a:p>
-          <a:p>
-            <a:pPr marL="0" indent="0">
-              <a:buNone/>
-            </a:pPr>
-            <a:r>
-              <a:rPr lang="en-US" dirty="0">
-                <a:solidFill>
-                  <a:srgbClr val="000000"/>
-                </a:solidFill>
-                <a:highlight>
-                  <a:srgbClr val="FFFFFF"/>
-                </a:highlight>
-                <a:latin typeface="Consolas" panose="020B0609020204030204" pitchFamily="49" charset="0"/>
-              </a:rPr>
-              <a:t>                </a:t>
-            </a:r>
-            <a:r>
-              <a:rPr lang="en-US" dirty="0">
-                <a:solidFill>
-                  <a:srgbClr val="0000FF"/>
-                </a:solidFill>
-                <a:highlight>
-                  <a:srgbClr val="FFFFFF"/>
-                </a:highlight>
-                <a:latin typeface="Consolas" panose="020B0609020204030204" pitchFamily="49" charset="0"/>
-              </a:rPr>
-              <a:t>return</a:t>
-            </a:r>
-            <a:r>
-              <a:rPr lang="en-US" dirty="0">
-                <a:solidFill>
-                  <a:srgbClr val="000000"/>
-                </a:solidFill>
-                <a:highlight>
-                  <a:srgbClr val="FFFFFF"/>
-                </a:highlight>
-                <a:latin typeface="Consolas" panose="020B0609020204030204" pitchFamily="49" charset="0"/>
-              </a:rPr>
-              <a:t> r;</a:t>
-            </a:r>
-          </a:p>
-          <a:p>
-            <a:pPr marL="0" indent="0">
-              <a:buNone/>
-            </a:pPr>
-            <a:r>
-              <a:rPr lang="en-US" dirty="0">
-                <a:solidFill>
-                  <a:srgbClr val="000000"/>
-                </a:solidFill>
-                <a:highlight>
-                  <a:srgbClr val="FFFFFF"/>
-                </a:highlight>
-                <a:latin typeface="Consolas" panose="020B0609020204030204" pitchFamily="49" charset="0"/>
-              </a:rPr>
-              <a:t>            }</a:t>
-            </a:r>
-          </a:p>
-          <a:p>
-            <a:pPr marL="0" indent="0">
-              <a:buNone/>
-            </a:pPr>
-            <a:r>
-              <a:rPr lang="en-US" dirty="0">
-                <a:solidFill>
-                  <a:srgbClr val="000000"/>
-                </a:solidFill>
-                <a:highlight>
-                  <a:srgbClr val="FFFFFF"/>
-                </a:highlight>
-                <a:latin typeface="Consolas" panose="020B0609020204030204" pitchFamily="49" charset="0"/>
-              </a:rPr>
-              <a:t>            </a:t>
-            </a:r>
-            <a:r>
-              <a:rPr lang="en-US" dirty="0" err="1">
-                <a:solidFill>
-                  <a:srgbClr val="0000FF"/>
-                </a:solidFill>
-                <a:highlight>
-                  <a:srgbClr val="FFFFFF"/>
-                </a:highlight>
-                <a:latin typeface="Consolas" panose="020B0609020204030204" pitchFamily="49" charset="0"/>
-              </a:rPr>
-              <a:t>var</a:t>
-            </a:r>
-            <a:r>
-              <a:rPr lang="en-US" dirty="0">
-                <a:solidFill>
-                  <a:srgbClr val="000000"/>
-                </a:solidFill>
-                <a:highlight>
-                  <a:srgbClr val="FFFFFF"/>
-                </a:highlight>
-                <a:latin typeface="Consolas" panose="020B0609020204030204" pitchFamily="49" charset="0"/>
-              </a:rPr>
-              <a:t> result = Tally(numbers);</a:t>
-            </a:r>
-          </a:p>
-          <a:p>
-            <a:pPr marL="0" indent="0">
-              <a:buNone/>
-            </a:pPr>
-            <a:r>
-              <a:rPr lang="en-US" dirty="0">
-                <a:solidFill>
-                  <a:srgbClr val="000000"/>
-                </a:solidFill>
-                <a:highlight>
-                  <a:srgbClr val="FFFFFF"/>
-                </a:highlight>
-                <a:latin typeface="Consolas" panose="020B0609020204030204" pitchFamily="49" charset="0"/>
-              </a:rPr>
-              <a:t>            </a:t>
-            </a:r>
-            <a:r>
-              <a:rPr lang="en-US" dirty="0" err="1">
-                <a:solidFill>
-                  <a:srgbClr val="2B91AF"/>
-                </a:solidFill>
-                <a:highlight>
-                  <a:srgbClr val="FFFFFF"/>
-                </a:highlight>
-                <a:latin typeface="Consolas" panose="020B0609020204030204" pitchFamily="49" charset="0"/>
-              </a:rPr>
-              <a:t>Console</a:t>
-            </a:r>
-            <a:r>
-              <a:rPr lang="en-US" dirty="0" err="1">
-                <a:solidFill>
-                  <a:srgbClr val="000000"/>
-                </a:solidFill>
-                <a:highlight>
-                  <a:srgbClr val="FFFFFF"/>
-                </a:highlight>
-                <a:latin typeface="Consolas" panose="020B0609020204030204" pitchFamily="49" charset="0"/>
-              </a:rPr>
-              <a:t>.WriteLine</a:t>
-            </a:r>
-            <a:r>
-              <a:rPr lang="en-US" dirty="0">
-                <a:solidFill>
-                  <a:srgbClr val="000000"/>
-                </a:solidFill>
-                <a:highlight>
-                  <a:srgbClr val="FFFFFF"/>
-                </a:highlight>
-                <a:latin typeface="Consolas" panose="020B0609020204030204" pitchFamily="49" charset="0"/>
-              </a:rPr>
-              <a:t>(</a:t>
-            </a:r>
-            <a:r>
-              <a:rPr lang="en-US" dirty="0">
-                <a:solidFill>
-                  <a:srgbClr val="A31515"/>
-                </a:solidFill>
-                <a:highlight>
-                  <a:srgbClr val="FFFFFF"/>
-                </a:highlight>
-                <a:latin typeface="Consolas" panose="020B0609020204030204" pitchFamily="49" charset="0"/>
-              </a:rPr>
-              <a:t>$"Sum: </a:t>
-            </a:r>
-            <a:r>
-              <a:rPr lang="en-US" dirty="0">
-                <a:solidFill>
-                  <a:srgbClr val="000000"/>
-                </a:solidFill>
-                <a:highlight>
-                  <a:srgbClr val="FFFFFF"/>
-                </a:highlight>
-                <a:latin typeface="Consolas" panose="020B0609020204030204" pitchFamily="49" charset="0"/>
-              </a:rPr>
-              <a:t>{</a:t>
-            </a:r>
-            <a:r>
-              <a:rPr lang="en-US" dirty="0" err="1">
-                <a:solidFill>
-                  <a:srgbClr val="000000"/>
-                </a:solidFill>
-                <a:highlight>
-                  <a:srgbClr val="FFFFFF"/>
-                </a:highlight>
-                <a:latin typeface="Consolas" panose="020B0609020204030204" pitchFamily="49" charset="0"/>
-              </a:rPr>
-              <a:t>result.sum</a:t>
-            </a:r>
-            <a:r>
-              <a:rPr lang="en-US" dirty="0">
-                <a:solidFill>
-                  <a:srgbClr val="000000"/>
-                </a:solidFill>
-                <a:highlight>
-                  <a:srgbClr val="FFFFFF"/>
-                </a:highlight>
-                <a:latin typeface="Consolas" panose="020B0609020204030204" pitchFamily="49" charset="0"/>
-              </a:rPr>
-              <a:t>}</a:t>
-            </a:r>
-            <a:r>
-              <a:rPr lang="en-US" dirty="0">
-                <a:solidFill>
-                  <a:srgbClr val="A31515"/>
-                </a:solidFill>
-                <a:highlight>
-                  <a:srgbClr val="FFFFFF"/>
-                </a:highlight>
-                <a:latin typeface="Consolas" panose="020B0609020204030204" pitchFamily="49" charset="0"/>
-              </a:rPr>
-              <a:t> Count: </a:t>
-            </a:r>
-            <a:r>
-              <a:rPr lang="en-US" dirty="0">
-                <a:solidFill>
-                  <a:srgbClr val="000000"/>
-                </a:solidFill>
-                <a:highlight>
-                  <a:srgbClr val="FFFFFF"/>
-                </a:highlight>
-                <a:latin typeface="Consolas" panose="020B0609020204030204" pitchFamily="49" charset="0"/>
-              </a:rPr>
-              <a:t>{</a:t>
-            </a:r>
-            <a:r>
-              <a:rPr lang="en-US" dirty="0" err="1">
-                <a:solidFill>
-                  <a:srgbClr val="000000"/>
-                </a:solidFill>
-                <a:highlight>
-                  <a:srgbClr val="FFFFFF"/>
-                </a:highlight>
-                <a:latin typeface="Consolas" panose="020B0609020204030204" pitchFamily="49" charset="0"/>
-              </a:rPr>
-              <a:t>result.count</a:t>
-            </a:r>
-            <a:r>
-              <a:rPr lang="en-US" dirty="0">
-                <a:solidFill>
-                  <a:srgbClr val="000000"/>
-                </a:solidFill>
-                <a:highlight>
-                  <a:srgbClr val="FFFFFF"/>
-                </a:highlight>
-                <a:latin typeface="Consolas" panose="020B0609020204030204" pitchFamily="49" charset="0"/>
-              </a:rPr>
-              <a:t>}</a:t>
-            </a:r>
-            <a:r>
-              <a:rPr lang="en-US" dirty="0">
-                <a:solidFill>
-                  <a:srgbClr val="A31515"/>
-                </a:solidFill>
-                <a:highlight>
-                  <a:srgbClr val="FFFFFF"/>
-                </a:highlight>
-                <a:latin typeface="Consolas" panose="020B0609020204030204" pitchFamily="49" charset="0"/>
-              </a:rPr>
-              <a:t>"</a:t>
-            </a:r>
-            <a:r>
-              <a:rPr lang="en-US" dirty="0">
-                <a:solidFill>
-                  <a:srgbClr val="000000"/>
-                </a:solidFill>
-                <a:highlight>
-                  <a:srgbClr val="FFFFFF"/>
-                </a:highlight>
-                <a:latin typeface="Consolas" panose="020B0609020204030204" pitchFamily="49" charset="0"/>
-              </a:rPr>
-              <a:t>);</a:t>
-            </a:r>
-          </a:p>
-          <a:p>
-            <a:pPr marL="0" indent="0">
-              <a:buNone/>
-            </a:pPr>
-            <a:r>
-              <a:rPr lang="en-US" dirty="0">
-                <a:solidFill>
-                  <a:srgbClr val="000000"/>
-                </a:solidFill>
-                <a:highlight>
-                  <a:srgbClr val="FFFFFF"/>
-                </a:highlight>
-                <a:latin typeface="Consolas" panose="020B0609020204030204" pitchFamily="49" charset="0"/>
-              </a:rPr>
-              <a:t>        }</a:t>
-            </a:r>
-            <a:endParaRPr lang="en-US" dirty="0"/>
-          </a:p>
-        </p:txBody>
-      </p:sp>
-      <p:sp>
-        <p:nvSpPr>
           <p:cNvPr id="2" name="Title 1"/>
           <p:cNvSpPr>
             <a:spLocks noGrp="1"/>
@@ -27752,8 +28605,8 @@
         </p:nvSpPr>
         <p:spPr>
           <a:xfrm>
-            <a:off x="10439400" y="1524000"/>
-            <a:ext cx="1524000" cy="1143000"/>
+            <a:off x="609600" y="275167"/>
+            <a:ext cx="10972800" cy="896693"/>
           </a:xfrm>
         </p:spPr>
         <p:txBody>
@@ -27761,266 +28614,98 @@
           <a:lstStyle/>
           <a:p>
             <a:r>
-              <a:rPr lang="en-US" spc="0" dirty="0">
-                <a:ln w="12700">
-                  <a:solidFill>
-                    <a:schemeClr val="accent1"/>
-                  </a:solidFill>
-                  <a:prstDash val="solid"/>
-                </a:ln>
-                <a:pattFill prst="pct50">
-                  <a:fgClr>
-                    <a:schemeClr val="accent1"/>
-                  </a:fgClr>
-                  <a:bgClr>
-                    <a:schemeClr val="accent1">
-                      <a:lumMod val="20000"/>
-                      <a:lumOff val="80000"/>
-                    </a:schemeClr>
-                  </a:bgClr>
-                </a:pattFill>
-                <a:effectLst>
-                  <a:outerShdw dist="38100" dir="2640000" algn="bl" rotWithShape="0">
-                    <a:schemeClr val="accent1"/>
-                  </a:outerShdw>
-                </a:effectLst>
-              </a:rPr>
-              <a:t>C#7</a:t>
+              <a:rPr lang="en-US" dirty="0"/>
+              <a:t>C# Post Roslyn</a:t>
+            </a:r>
+          </a:p>
+        </p:txBody>
+      </p:sp>
+      <p:graphicFrame>
+        <p:nvGraphicFramePr>
+          <p:cNvPr id="4" name="Diagram 3"/>
+          <p:cNvGraphicFramePr/>
+          <p:nvPr>
+            <p:extLst>
+              <p:ext uri="{D42A27DB-BD31-4B8C-83A1-F6EECF244321}">
+                <p14:modId xmlns:p14="http://schemas.microsoft.com/office/powerpoint/2010/main" val="855142015"/>
+              </p:ext>
+            </p:extLst>
+          </p:nvPr>
+        </p:nvGraphicFramePr>
+        <p:xfrm>
+          <a:off x="406400" y="1190609"/>
+          <a:ext cx="11582400" cy="5156200"/>
+        </p:xfrm>
+        <a:graphic>
+          <a:graphicData uri="http://schemas.openxmlformats.org/drawingml/2006/diagram">
+            <dgm:relIds xmlns:dgm="http://schemas.openxmlformats.org/drawingml/2006/diagram" xmlns:r="http://schemas.openxmlformats.org/officeDocument/2006/relationships" r:dm="rId2" r:lo="rId3" r:qs="rId4" r:cs="rId5"/>
+          </a:graphicData>
+        </a:graphic>
+      </p:graphicFrame>
+      <p:sp>
+        <p:nvSpPr>
+          <p:cNvPr id="3" name="Rectangle 2">
+            <a:extLst>
+              <a:ext uri="{FF2B5EF4-FFF2-40B4-BE49-F238E27FC236}">
+                <a16:creationId xmlns:a16="http://schemas.microsoft.com/office/drawing/2014/main" id="{310C23A5-8299-4CC8-A05A-9163820D048A}"/>
+              </a:ext>
+            </a:extLst>
+          </p:cNvPr>
+          <p:cNvSpPr/>
+          <p:nvPr/>
+        </p:nvSpPr>
+        <p:spPr>
+          <a:xfrm>
+            <a:off x="1879600" y="6037777"/>
+            <a:ext cx="8636000" cy="461665"/>
+          </a:xfrm>
+          <a:prstGeom prst="rect">
+            <a:avLst/>
+          </a:prstGeom>
+        </p:spPr>
+        <p:txBody>
+          <a:bodyPr wrap="square">
+            <a:spAutoFit/>
+          </a:bodyPr>
+          <a:lstStyle/>
+          <a:p>
+            <a:r>
+              <a:rPr lang="en-US" sz="2400" dirty="0"/>
+              <a:t>https://docs.microsoft.com/en-us/dotnet/csharp/whats-new/</a:t>
             </a:r>
           </a:p>
         </p:txBody>
       </p:sp>
       <p:sp>
         <p:nvSpPr>
-          <p:cNvPr id="6" name="Rounded Rectangular Callout 5"/>
+          <p:cNvPr id="5" name="Rectangle 4">
+            <a:extLst>
+              <a:ext uri="{FF2B5EF4-FFF2-40B4-BE49-F238E27FC236}">
+                <a16:creationId xmlns:a16="http://schemas.microsoft.com/office/drawing/2014/main" id="{37D48EAE-644F-405C-9EE0-31F73307AC7F}"/>
+              </a:ext>
+            </a:extLst>
+          </p:cNvPr>
           <p:cNvSpPr/>
           <p:nvPr/>
         </p:nvSpPr>
         <p:spPr>
           <a:xfrm>
-            <a:off x="7924800" y="150876"/>
-            <a:ext cx="1981200" cy="612648"/>
+            <a:off x="355600" y="6365558"/>
+            <a:ext cx="11480800" cy="461665"/>
           </a:xfrm>
-          <a:prstGeom prst="wedgeRoundRectCallout">
-            <a:avLst>
-              <a:gd name="adj1" fmla="val -103229"/>
-              <a:gd name="adj2" fmla="val 68240"/>
-              <a:gd name="adj3" fmla="val 16667"/>
-            </a:avLst>
+          <a:prstGeom prst="rect">
+            <a:avLst/>
           </a:prstGeom>
         </p:spPr>
-        <p:style>
-          <a:lnRef idx="2">
-            <a:schemeClr val="accent1">
-              <a:shade val="50000"/>
-            </a:schemeClr>
-          </a:lnRef>
-          <a:fillRef idx="1">
-            <a:schemeClr val="accent1"/>
-          </a:fillRef>
-          <a:effectRef idx="0">
-            <a:schemeClr val="accent1"/>
-          </a:effectRef>
-          <a:fontRef idx="minor">
-            <a:schemeClr val="lt1"/>
-          </a:fontRef>
-        </p:style>
         <p:txBody>
-          <a:bodyPr rtlCol="0" anchor="ctr"/>
+          <a:bodyPr wrap="square">
+            <a:spAutoFit/>
+          </a:bodyPr>
           <a:lstStyle/>
           <a:p>
-            <a:pPr algn="ctr"/>
             <a:r>
-              <a:rPr lang="en-US" dirty="0"/>
-              <a:t>Binary Literals</a:t>
-            </a:r>
-          </a:p>
-        </p:txBody>
-      </p:sp>
-      <p:sp>
-        <p:nvSpPr>
-          <p:cNvPr id="7" name="Rounded Rectangular Callout 6"/>
-          <p:cNvSpPr/>
-          <p:nvPr/>
-        </p:nvSpPr>
-        <p:spPr>
-          <a:xfrm>
-            <a:off x="7939453" y="1270797"/>
-            <a:ext cx="1981200" cy="612648"/>
-          </a:xfrm>
-          <a:prstGeom prst="wedgeRoundRectCallout">
-            <a:avLst>
-              <a:gd name="adj1" fmla="val 88487"/>
-              <a:gd name="adj2" fmla="val -81014"/>
-              <a:gd name="adj3" fmla="val 16667"/>
-            </a:avLst>
-          </a:prstGeom>
-        </p:spPr>
-        <p:style>
-          <a:lnRef idx="2">
-            <a:schemeClr val="accent1">
-              <a:shade val="50000"/>
-            </a:schemeClr>
-          </a:lnRef>
-          <a:fillRef idx="1">
-            <a:schemeClr val="accent1"/>
-          </a:fillRef>
-          <a:effectRef idx="0">
-            <a:schemeClr val="accent1"/>
-          </a:effectRef>
-          <a:fontRef idx="minor">
-            <a:schemeClr val="lt1"/>
-          </a:fontRef>
-        </p:style>
-        <p:txBody>
-          <a:bodyPr rtlCol="0" anchor="ctr"/>
-          <a:lstStyle/>
-          <a:p>
-            <a:pPr algn="ctr"/>
-            <a:r>
-              <a:rPr lang="en-US" dirty="0"/>
-              <a:t>Digit Separators</a:t>
-            </a:r>
-          </a:p>
-        </p:txBody>
-      </p:sp>
-      <p:sp>
-        <p:nvSpPr>
-          <p:cNvPr id="8" name="Rounded Rectangular Callout 7"/>
-          <p:cNvSpPr/>
-          <p:nvPr/>
-        </p:nvSpPr>
-        <p:spPr>
-          <a:xfrm>
-            <a:off x="5029200" y="139153"/>
-            <a:ext cx="1981200" cy="612648"/>
-          </a:xfrm>
-          <a:prstGeom prst="wedgeRoundRectCallout">
-            <a:avLst>
-              <a:gd name="adj1" fmla="val -112548"/>
-              <a:gd name="adj2" fmla="val 108424"/>
-              <a:gd name="adj3" fmla="val 16667"/>
-            </a:avLst>
-          </a:prstGeom>
-        </p:spPr>
-        <p:style>
-          <a:lnRef idx="2">
-            <a:schemeClr val="accent1">
-              <a:shade val="50000"/>
-            </a:schemeClr>
-          </a:lnRef>
-          <a:fillRef idx="1">
-            <a:schemeClr val="accent1"/>
-          </a:fillRef>
-          <a:effectRef idx="0">
-            <a:schemeClr val="accent1"/>
-          </a:effectRef>
-          <a:fontRef idx="minor">
-            <a:schemeClr val="lt1"/>
-          </a:fontRef>
-        </p:style>
-        <p:txBody>
-          <a:bodyPr rtlCol="0" anchor="ctr"/>
-          <a:lstStyle/>
-          <a:p>
-            <a:pPr algn="ctr"/>
-            <a:r>
-              <a:rPr lang="en-US" dirty="0"/>
-              <a:t>Named Tuples</a:t>
-            </a:r>
-          </a:p>
-        </p:txBody>
-      </p:sp>
-      <p:sp>
-        <p:nvSpPr>
-          <p:cNvPr id="9" name="Rounded Rectangular Callout 8"/>
-          <p:cNvSpPr/>
-          <p:nvPr/>
-        </p:nvSpPr>
-        <p:spPr>
-          <a:xfrm>
-            <a:off x="7945315" y="2181110"/>
-            <a:ext cx="1981200" cy="612648"/>
-          </a:xfrm>
-          <a:prstGeom prst="wedgeRoundRectCallout">
-            <a:avLst>
-              <a:gd name="adj1" fmla="val -185330"/>
-              <a:gd name="adj2" fmla="val -187214"/>
-              <a:gd name="adj3" fmla="val 16667"/>
-            </a:avLst>
-          </a:prstGeom>
-        </p:spPr>
-        <p:style>
-          <a:lnRef idx="2">
-            <a:schemeClr val="accent1">
-              <a:shade val="50000"/>
-            </a:schemeClr>
-          </a:lnRef>
-          <a:fillRef idx="1">
-            <a:schemeClr val="accent1"/>
-          </a:fillRef>
-          <a:effectRef idx="0">
-            <a:schemeClr val="accent1"/>
-          </a:effectRef>
-          <a:fontRef idx="minor">
-            <a:schemeClr val="lt1"/>
-          </a:fontRef>
-        </p:style>
-        <p:txBody>
-          <a:bodyPr rtlCol="0" anchor="ctr"/>
-          <a:lstStyle/>
-          <a:p>
-            <a:pPr algn="ctr"/>
-            <a:r>
-              <a:rPr lang="en-US" dirty="0"/>
-              <a:t>Local Functions</a:t>
-            </a:r>
-          </a:p>
-        </p:txBody>
-      </p:sp>
-      <p:sp>
-        <p:nvSpPr>
-          <p:cNvPr id="10" name="Rounded Rectangular Callout 9"/>
-          <p:cNvSpPr/>
-          <p:nvPr/>
-        </p:nvSpPr>
-        <p:spPr>
-          <a:xfrm>
-            <a:off x="7945315" y="3003367"/>
-            <a:ext cx="1981200" cy="612648"/>
-          </a:xfrm>
-          <a:prstGeom prst="wedgeRoundRectCallout">
-            <a:avLst>
-              <a:gd name="adj1" fmla="val -83259"/>
-              <a:gd name="adj2" fmla="val 22316"/>
-              <a:gd name="adj3" fmla="val 16667"/>
-            </a:avLst>
-          </a:prstGeom>
-        </p:spPr>
-        <p:style>
-          <a:lnRef idx="2">
-            <a:schemeClr val="accent1">
-              <a:shade val="50000"/>
-            </a:schemeClr>
-          </a:lnRef>
-          <a:fillRef idx="1">
-            <a:schemeClr val="accent1"/>
-          </a:fillRef>
-          <a:effectRef idx="0">
-            <a:schemeClr val="accent1"/>
-          </a:effectRef>
-          <a:fontRef idx="minor">
-            <a:schemeClr val="lt1"/>
-          </a:fontRef>
-        </p:style>
-        <p:txBody>
-          <a:bodyPr rtlCol="0" anchor="ctr"/>
-          <a:lstStyle/>
-          <a:p>
-            <a:pPr algn="ctr"/>
-            <a:r>
-              <a:rPr lang="en-US" dirty="0"/>
-              <a:t>Pattern Matching</a:t>
+              <a:rPr lang="en-US" sz="2400" dirty="0"/>
+              <a:t>https://github.com/dotnet/roslyn/blob/master/docs/Language%20Feature%20Status.md</a:t>
             </a:r>
           </a:p>
         </p:txBody>
@@ -28028,402 +28713,7 @@
     </p:spTree>
     <p:extLst>
       <p:ext uri="{BB962C8B-B14F-4D97-AF65-F5344CB8AC3E}">
-        <p14:creationId xmlns:p14="http://schemas.microsoft.com/office/powerpoint/2010/main" val="1999170297"/>
-      </p:ext>
-    </p:extLst>
-  </p:cSld>
-  <p:clrMapOvr>
-    <a:masterClrMapping/>
-  </p:clrMapOvr>
-  <p:timing>
-    <p:tnLst>
-      <p:par>
-        <p:cTn id="1" dur="indefinite" restart="never" nodeType="tmRoot">
-          <p:childTnLst>
-            <p:seq concurrent="1" nextAc="seek">
-              <p:cTn id="2" dur="indefinite" nodeType="mainSeq">
-                <p:childTnLst>
-                  <p:par>
-                    <p:cTn id="3" fill="hold">
-                      <p:stCondLst>
-                        <p:cond delay="indefinite"/>
-                      </p:stCondLst>
-                      <p:childTnLst>
-                        <p:par>
-                          <p:cTn id="4" fill="hold">
-                            <p:stCondLst>
-                              <p:cond delay="0"/>
-                            </p:stCondLst>
-                            <p:childTnLst>
-                              <p:par>
-                                <p:cTn id="5" presetID="1" presetClass="entr" presetSubtype="0" fill="hold" grpId="0" nodeType="clickEffect">
-                                  <p:stCondLst>
-                                    <p:cond delay="0"/>
-                                  </p:stCondLst>
-                                  <p:childTnLst>
-                                    <p:set>
-                                      <p:cBhvr>
-                                        <p:cTn id="6" dur="1" fill="hold">
-                                          <p:stCondLst>
-                                            <p:cond delay="0"/>
-                                          </p:stCondLst>
-                                        </p:cTn>
-                                        <p:tgtEl>
-                                          <p:spTgt spid="6"/>
-                                        </p:tgtEl>
-                                        <p:attrNameLst>
-                                          <p:attrName>style.visibility</p:attrName>
-                                        </p:attrNameLst>
-                                      </p:cBhvr>
-                                      <p:to>
-                                        <p:strVal val="visible"/>
-                                      </p:to>
-                                    </p:set>
-                                  </p:childTnLst>
-                                </p:cTn>
-                              </p:par>
-                            </p:childTnLst>
-                          </p:cTn>
-                        </p:par>
-                      </p:childTnLst>
-                    </p:cTn>
-                  </p:par>
-                  <p:par>
-                    <p:cTn id="7" fill="hold">
-                      <p:stCondLst>
-                        <p:cond delay="indefinite"/>
-                      </p:stCondLst>
-                      <p:childTnLst>
-                        <p:par>
-                          <p:cTn id="8" fill="hold">
-                            <p:stCondLst>
-                              <p:cond delay="0"/>
-                            </p:stCondLst>
-                            <p:childTnLst>
-                              <p:par>
-                                <p:cTn id="9" presetID="1" presetClass="entr" presetSubtype="0" fill="hold" grpId="0" nodeType="clickEffect">
-                                  <p:stCondLst>
-                                    <p:cond delay="0"/>
-                                  </p:stCondLst>
-                                  <p:childTnLst>
-                                    <p:set>
-                                      <p:cBhvr>
-                                        <p:cTn id="10" dur="1" fill="hold">
-                                          <p:stCondLst>
-                                            <p:cond delay="0"/>
-                                          </p:stCondLst>
-                                        </p:cTn>
-                                        <p:tgtEl>
-                                          <p:spTgt spid="7"/>
-                                        </p:tgtEl>
-                                        <p:attrNameLst>
-                                          <p:attrName>style.visibility</p:attrName>
-                                        </p:attrNameLst>
-                                      </p:cBhvr>
-                                      <p:to>
-                                        <p:strVal val="visible"/>
-                                      </p:to>
-                                    </p:set>
-                                  </p:childTnLst>
-                                </p:cTn>
-                              </p:par>
-                            </p:childTnLst>
-                          </p:cTn>
-                        </p:par>
-                      </p:childTnLst>
-                    </p:cTn>
-                  </p:par>
-                  <p:par>
-                    <p:cTn id="11" fill="hold">
-                      <p:stCondLst>
-                        <p:cond delay="indefinite"/>
-                      </p:stCondLst>
-                      <p:childTnLst>
-                        <p:par>
-                          <p:cTn id="12" fill="hold">
-                            <p:stCondLst>
-                              <p:cond delay="0"/>
-                            </p:stCondLst>
-                            <p:childTnLst>
-                              <p:par>
-                                <p:cTn id="13" presetID="1" presetClass="entr" presetSubtype="0" fill="hold" grpId="0" nodeType="clickEffect">
-                                  <p:stCondLst>
-                                    <p:cond delay="0"/>
-                                  </p:stCondLst>
-                                  <p:childTnLst>
-                                    <p:set>
-                                      <p:cBhvr>
-                                        <p:cTn id="14" dur="1" fill="hold">
-                                          <p:stCondLst>
-                                            <p:cond delay="0"/>
-                                          </p:stCondLst>
-                                        </p:cTn>
-                                        <p:tgtEl>
-                                          <p:spTgt spid="9"/>
-                                        </p:tgtEl>
-                                        <p:attrNameLst>
-                                          <p:attrName>style.visibility</p:attrName>
-                                        </p:attrNameLst>
-                                      </p:cBhvr>
-                                      <p:to>
-                                        <p:strVal val="visible"/>
-                                      </p:to>
-                                    </p:set>
-                                  </p:childTnLst>
-                                </p:cTn>
-                              </p:par>
-                            </p:childTnLst>
-                          </p:cTn>
-                        </p:par>
-                      </p:childTnLst>
-                    </p:cTn>
-                  </p:par>
-                  <p:par>
-                    <p:cTn id="15" fill="hold">
-                      <p:stCondLst>
-                        <p:cond delay="indefinite"/>
-                      </p:stCondLst>
-                      <p:childTnLst>
-                        <p:par>
-                          <p:cTn id="16" fill="hold">
-                            <p:stCondLst>
-                              <p:cond delay="0"/>
-                            </p:stCondLst>
-                            <p:childTnLst>
-                              <p:par>
-                                <p:cTn id="17" presetID="1" presetClass="entr" presetSubtype="0" fill="hold" grpId="0" nodeType="clickEffect">
-                                  <p:stCondLst>
-                                    <p:cond delay="0"/>
-                                  </p:stCondLst>
-                                  <p:childTnLst>
-                                    <p:set>
-                                      <p:cBhvr>
-                                        <p:cTn id="18" dur="1" fill="hold">
-                                          <p:stCondLst>
-                                            <p:cond delay="0"/>
-                                          </p:stCondLst>
-                                        </p:cTn>
-                                        <p:tgtEl>
-                                          <p:spTgt spid="8"/>
-                                        </p:tgtEl>
-                                        <p:attrNameLst>
-                                          <p:attrName>style.visibility</p:attrName>
-                                        </p:attrNameLst>
-                                      </p:cBhvr>
-                                      <p:to>
-                                        <p:strVal val="visible"/>
-                                      </p:to>
-                                    </p:set>
-                                  </p:childTnLst>
-                                </p:cTn>
-                              </p:par>
-                            </p:childTnLst>
-                          </p:cTn>
-                        </p:par>
-                      </p:childTnLst>
-                    </p:cTn>
-                  </p:par>
-                  <p:par>
-                    <p:cTn id="19" fill="hold">
-                      <p:stCondLst>
-                        <p:cond delay="indefinite"/>
-                      </p:stCondLst>
-                      <p:childTnLst>
-                        <p:par>
-                          <p:cTn id="20" fill="hold">
-                            <p:stCondLst>
-                              <p:cond delay="0"/>
-                            </p:stCondLst>
-                            <p:childTnLst>
-                              <p:par>
-                                <p:cTn id="21" presetID="1" presetClass="entr" presetSubtype="0" fill="hold" grpId="0" nodeType="clickEffect">
-                                  <p:stCondLst>
-                                    <p:cond delay="0"/>
-                                  </p:stCondLst>
-                                  <p:childTnLst>
-                                    <p:set>
-                                      <p:cBhvr>
-                                        <p:cTn id="22" dur="1" fill="hold">
-                                          <p:stCondLst>
-                                            <p:cond delay="0"/>
-                                          </p:stCondLst>
-                                        </p:cTn>
-                                        <p:tgtEl>
-                                          <p:spTgt spid="10"/>
-                                        </p:tgtEl>
-                                        <p:attrNameLst>
-                                          <p:attrName>style.visibility</p:attrName>
-                                        </p:attrNameLst>
-                                      </p:cBhvr>
-                                      <p:to>
-                                        <p:strVal val="visible"/>
-                                      </p:to>
-                                    </p:set>
-                                  </p:childTnLst>
-                                </p:cTn>
-                              </p:par>
-                            </p:childTnLst>
-                          </p:cTn>
-                        </p:par>
-                      </p:childTnLst>
-                    </p:cTn>
-                  </p:par>
-                </p:childTnLst>
-              </p:cTn>
-              <p:prevCondLst>
-                <p:cond evt="onPrev" delay="0">
-                  <p:tgtEl>
-                    <p:sldTgt/>
-                  </p:tgtEl>
-                </p:cond>
-              </p:prevCondLst>
-              <p:nextCondLst>
-                <p:cond evt="onNext" delay="0">
-                  <p:tgtEl>
-                    <p:sldTgt/>
-                  </p:tgtEl>
-                </p:cond>
-              </p:nextCondLst>
-            </p:seq>
-          </p:childTnLst>
-        </p:cTn>
-      </p:par>
-    </p:tnLst>
-    <p:bldLst>
-      <p:bldP spid="6" grpId="0" animBg="1"/>
-      <p:bldP spid="7" grpId="0" animBg="1"/>
-      <p:bldP spid="8" grpId="0" animBg="1"/>
-      <p:bldP spid="9" grpId="0" animBg="1"/>
-      <p:bldP spid="10" grpId="0" animBg="1"/>
-    </p:bldLst>
-  </p:timing>
-</p:sld>
-</file>
-
-<file path=ppt/slides/slide8.xml><?xml version="1.0" encoding="utf-8"?>
-<p:sld xmlns:a="http://schemas.openxmlformats.org/drawingml/2006/main" xmlns:r="http://schemas.openxmlformats.org/officeDocument/2006/relationships" xmlns:p="http://schemas.openxmlformats.org/presentationml/2006/main">
-  <p:cSld>
-    <p:spTree>
-      <p:nvGrpSpPr>
-        <p:cNvPr id="1" name=""/>
-        <p:cNvGrpSpPr/>
-        <p:nvPr/>
-      </p:nvGrpSpPr>
-      <p:grpSpPr>
-        <a:xfrm>
-          <a:off x="0" y="0"/>
-          <a:ext cx="0" cy="0"/>
-          <a:chOff x="0" y="0"/>
-          <a:chExt cx="0" cy="0"/>
-        </a:xfrm>
-      </p:grpSpPr>
-      <p:sp>
-        <p:nvSpPr>
-          <p:cNvPr id="2" name="Title 1">
-            <a:extLst>
-              <a:ext uri="{FF2B5EF4-FFF2-40B4-BE49-F238E27FC236}">
-                <a16:creationId xmlns:a16="http://schemas.microsoft.com/office/drawing/2014/main" id="{74492B23-6706-4CB6-9B2D-54E62B4166A2}"/>
-              </a:ext>
-            </a:extLst>
-          </p:cNvPr>
-          <p:cNvSpPr>
-            <a:spLocks noGrp="1"/>
-          </p:cNvSpPr>
-          <p:nvPr>
-            <p:ph type="title"/>
-          </p:nvPr>
-        </p:nvSpPr>
-        <p:spPr/>
-        <p:txBody>
-          <a:bodyPr/>
-          <a:lstStyle/>
-          <a:p>
-            <a:r>
-              <a:rPr lang="en-US" dirty="0"/>
-              <a:t>(C# 7.x).Where(x =&gt; x &gt; 0) Objectives</a:t>
-            </a:r>
-          </a:p>
-        </p:txBody>
-      </p:sp>
-      <p:sp>
-        <p:nvSpPr>
-          <p:cNvPr id="3" name="Content Placeholder 2">
-            <a:extLst>
-              <a:ext uri="{FF2B5EF4-FFF2-40B4-BE49-F238E27FC236}">
-                <a16:creationId xmlns:a16="http://schemas.microsoft.com/office/drawing/2014/main" id="{2B714E50-287D-4A57-A9AF-EB866F17F7AD}"/>
-              </a:ext>
-            </a:extLst>
-          </p:cNvPr>
-          <p:cNvSpPr>
-            <a:spLocks noGrp="1"/>
-          </p:cNvSpPr>
-          <p:nvPr>
-            <p:ph idx="1"/>
-          </p:nvPr>
-        </p:nvSpPr>
-        <p:spPr/>
-        <p:txBody>
-          <a:bodyPr/>
-          <a:lstStyle/>
-          <a:p>
-            <a:r>
-              <a:rPr lang="en-US" dirty="0"/>
-              <a:t>Safe, efficient code</a:t>
-            </a:r>
-          </a:p>
-          <a:p>
-            <a:pPr lvl="1"/>
-            <a:r>
-              <a:rPr lang="en-US" dirty="0"/>
-              <a:t>Avoid garbage collection</a:t>
-            </a:r>
-          </a:p>
-          <a:p>
-            <a:pPr lvl="1"/>
-            <a:r>
-              <a:rPr lang="en-US" dirty="0"/>
-              <a:t>Avoid copying</a:t>
-            </a:r>
-          </a:p>
-          <a:p>
-            <a:pPr lvl="1"/>
-            <a:r>
-              <a:rPr lang="en-US" dirty="0"/>
-              <a:t>Stay safe</a:t>
-            </a:r>
-          </a:p>
-          <a:p>
-            <a:r>
-              <a:rPr lang="en-US" dirty="0"/>
-              <a:t>More Freedom</a:t>
-            </a:r>
-          </a:p>
-          <a:p>
-            <a:pPr lvl="1"/>
-            <a:r>
-              <a:rPr lang="en-US" dirty="0"/>
-              <a:t>Allow more things</a:t>
-            </a:r>
-          </a:p>
-          <a:p>
-            <a:r>
-              <a:rPr lang="en-US" dirty="0"/>
-              <a:t>Less code</a:t>
-            </a:r>
-          </a:p>
-          <a:p>
-            <a:pPr lvl="1"/>
-            <a:r>
-              <a:rPr lang="en-US" dirty="0"/>
-              <a:t>Say it shorter</a:t>
-            </a:r>
-          </a:p>
-        </p:txBody>
-      </p:sp>
-    </p:spTree>
-    <p:extLst>
-      <p:ext uri="{BB962C8B-B14F-4D97-AF65-F5344CB8AC3E}">
-        <p14:creationId xmlns:p14="http://schemas.microsoft.com/office/powerpoint/2010/main" val="261346667"/>
+        <p14:creationId xmlns:p14="http://schemas.microsoft.com/office/powerpoint/2010/main" val="3520949270"/>
       </p:ext>
     </p:extLst>
   </p:cSld>
@@ -28433,7 +28723,7 @@
 </p:sld>
 </file>
 
-<file path=ppt/slides/slide9.xml><?xml version="1.0" encoding="utf-8"?>
+<file path=ppt/slides/slide6.xml><?xml version="1.0" encoding="utf-8"?>
 <p:sld xmlns:a="http://schemas.openxmlformats.org/drawingml/2006/main" xmlns:r="http://schemas.openxmlformats.org/officeDocument/2006/relationships" xmlns:p="http://schemas.openxmlformats.org/presentationml/2006/main">
   <p:cSld>
     <p:spTree>
@@ -28665,6 +28955,56 @@
                     <a:lumOff val="35000"/>
                   </a:schemeClr>
                 </a:solidFill>
+                <a:hlinkClick r:id="rId6"/>
+              </a:rPr>
+              <a:t>https://github.com/dotnet/roslyn-sdk</a:t>
+            </a:r>
+            <a:r>
+              <a:rPr lang="en-US" dirty="0">
+                <a:solidFill>
+                  <a:schemeClr val="bg1">
+                    <a:lumMod val="65000"/>
+                    <a:lumOff val="35000"/>
+                  </a:schemeClr>
+                </a:solidFill>
+              </a:rPr>
+              <a:t> </a:t>
+            </a:r>
+          </a:p>
+          <a:p>
+            <a:r>
+              <a:rPr lang="en-US" dirty="0">
+                <a:solidFill>
+                  <a:schemeClr val="bg1">
+                    <a:lumMod val="65000"/>
+                    <a:lumOff val="35000"/>
+                  </a:schemeClr>
+                </a:solidFill>
+                <a:hlinkClick r:id="rId7"/>
+              </a:rPr>
+              <a:t>http://SharpLab.io</a:t>
+            </a:r>
+            <a:r>
+              <a:rPr lang="en-US" dirty="0">
+                <a:solidFill>
+                  <a:schemeClr val="bg1">
+                    <a:lumMod val="65000"/>
+                    <a:lumOff val="35000"/>
+                  </a:schemeClr>
+                </a:solidFill>
+              </a:rPr>
+              <a:t> </a:t>
+            </a:r>
+          </a:p>
+          <a:p>
+            <a:r>
+              <a:rPr lang="en-US" dirty="0">
+                <a:solidFill>
+                  <a:schemeClr val="bg1">
+                    <a:lumMod val="65000"/>
+                    <a:lumOff val="35000"/>
+                  </a:schemeClr>
+                </a:solidFill>
               </a:rPr>
               <a:t>This presentation</a:t>
             </a:r>
@@ -28677,7 +29017,7 @@
                 <a:solidFill>
                   <a:schemeClr val="tx1"/>
                 </a:solidFill>
-                <a:hlinkClick r:id="rId6"/>
+                <a:hlinkClick r:id="rId8"/>
               </a:rPr>
               <a:t>https://github.com/jwooley/RoslynAndYou</a:t>
             </a:r>
@@ -28708,7 +29048,7 @@
           <p:nvPr/>
         </p:nvPicPr>
         <p:blipFill>
-          <a:blip r:embed="rId7">
+          <a:blip r:embed="rId9">
             <a:extLst>
               <a:ext uri="{28A0092B-C50C-407E-A947-70E740481C1C}">
                 <a14:useLocalDpi xmlns:a14="http://schemas.microsoft.com/office/drawing/2010/main" val="0"/>
@@ -28733,6 +29073,542 @@
     <p:extLst>
       <p:ext uri="{BB962C8B-B14F-4D97-AF65-F5344CB8AC3E}">
         <p14:creationId xmlns:p14="http://schemas.microsoft.com/office/powerpoint/2010/main" val="2537536581"/>
+      </p:ext>
+    </p:extLst>
+  </p:cSld>
+  <p:clrMapOvr>
+    <a:masterClrMapping/>
+  </p:clrMapOvr>
+</p:sld>
+</file>
+
+<file path=ppt/slides/slide7.xml><?xml version="1.0" encoding="utf-8"?>
+<p:sld xmlns:a="http://schemas.openxmlformats.org/drawingml/2006/main" xmlns:r="http://schemas.openxmlformats.org/officeDocument/2006/relationships" xmlns:p="http://schemas.openxmlformats.org/presentationml/2006/main">
+  <p:cSld>
+    <p:spTree>
+      <p:nvGrpSpPr>
+        <p:cNvPr id="1" name=""/>
+        <p:cNvGrpSpPr/>
+        <p:nvPr/>
+      </p:nvGrpSpPr>
+      <p:grpSpPr>
+        <a:xfrm>
+          <a:off x="0" y="0"/>
+          <a:ext cx="0" cy="0"/>
+          <a:chOff x="0" y="0"/>
+          <a:chExt cx="0" cy="0"/>
+        </a:xfrm>
+      </p:grpSpPr>
+      <p:pic>
+        <p:nvPicPr>
+          <p:cNvPr id="4" name="Picture 3"/>
+          <p:cNvPicPr>
+            <a:picLocks noChangeAspect="1"/>
+          </p:cNvPicPr>
+          <p:nvPr/>
+        </p:nvPicPr>
+        <p:blipFill>
+          <a:blip r:embed="rId2">
+            <a:extLst>
+              <a:ext uri="{28A0092B-C50C-407E-A947-70E740481C1C}">
+                <a14:useLocalDpi xmlns:a14="http://schemas.microsoft.com/office/drawing/2010/main" val="0"/>
+              </a:ext>
+            </a:extLst>
+          </a:blip>
+          <a:stretch>
+            <a:fillRect/>
+          </a:stretch>
+        </p:blipFill>
+        <p:spPr>
+          <a:xfrm>
+            <a:off x="0" y="0"/>
+            <a:ext cx="12192000" cy="6858000"/>
+          </a:xfrm>
+          <a:prstGeom prst="rect">
+            <a:avLst/>
+          </a:prstGeom>
+        </p:spPr>
+      </p:pic>
+      <p:pic>
+        <p:nvPicPr>
+          <p:cNvPr id="5" name="Picture 2" descr="\\WOOLEYHOMESVR\Photos\MVP_Logo_Kit\MVP Logo Kit\MVP_FullColor_ForScreen.png"/>
+          <p:cNvPicPr>
+            <a:picLocks noChangeAspect="1" noChangeArrowheads="1"/>
+          </p:cNvPicPr>
+          <p:nvPr/>
+        </p:nvPicPr>
+        <p:blipFill>
+          <a:blip r:embed="rId3" cstate="print">
+            <a:extLst>
+              <a:ext uri="{28A0092B-C50C-407E-A947-70E740481C1C}">
+                <a14:useLocalDpi xmlns:a14="http://schemas.microsoft.com/office/drawing/2010/main" val="0"/>
+              </a:ext>
+            </a:extLst>
+          </a:blip>
+          <a:srcRect/>
+          <a:stretch>
+            <a:fillRect/>
+          </a:stretch>
+        </p:blipFill>
+        <p:spPr bwMode="auto">
+          <a:xfrm>
+            <a:off x="10961040" y="12555"/>
+            <a:ext cx="1230960" cy="1931970"/>
+          </a:xfrm>
+          <a:prstGeom prst="rect">
+            <a:avLst/>
+          </a:prstGeom>
+          <a:noFill/>
+          <a:extLst>
+            <a:ext uri="{909E8E84-426E-40DD-AFC4-6F175D3DCCD1}">
+              <a14:hiddenFill xmlns:a14="http://schemas.microsoft.com/office/drawing/2010/main">
+                <a:solidFill>
+                  <a:srgbClr val="FFFFFF"/>
+                </a:solidFill>
+              </a14:hiddenFill>
+            </a:ext>
+          </a:extLst>
+        </p:spPr>
+      </p:pic>
+      <p:pic>
+        <p:nvPicPr>
+          <p:cNvPr id="6" name="Picture 3" descr="\\WOOLEYHOMESVR\Photos\Misc Jims Pictures\LinqInActionCover.jpg"/>
+          <p:cNvPicPr>
+            <a:picLocks noChangeAspect="1" noChangeArrowheads="1"/>
+          </p:cNvPicPr>
+          <p:nvPr/>
+        </p:nvPicPr>
+        <p:blipFill>
+          <a:blip r:embed="rId4">
+            <a:extLst>
+              <a:ext uri="{28A0092B-C50C-407E-A947-70E740481C1C}">
+                <a14:useLocalDpi xmlns:a14="http://schemas.microsoft.com/office/drawing/2010/main" val="0"/>
+              </a:ext>
+            </a:extLst>
+          </a:blip>
+          <a:srcRect/>
+          <a:stretch>
+            <a:fillRect/>
+          </a:stretch>
+        </p:blipFill>
+        <p:spPr bwMode="auto">
+          <a:xfrm>
+            <a:off x="9360840" y="12555"/>
+            <a:ext cx="1600200" cy="2005584"/>
+          </a:xfrm>
+          <a:prstGeom prst="rect">
+            <a:avLst/>
+          </a:prstGeom>
+          <a:noFill/>
+          <a:extLst>
+            <a:ext uri="{909E8E84-426E-40DD-AFC4-6F175D3DCCD1}">
+              <a14:hiddenFill xmlns:a14="http://schemas.microsoft.com/office/drawing/2010/main">
+                <a:solidFill>
+                  <a:srgbClr val="FFFFFF"/>
+                </a:solidFill>
+              </a14:hiddenFill>
+            </a:ext>
+          </a:extLst>
+        </p:spPr>
+      </p:pic>
+      <p:sp>
+        <p:nvSpPr>
+          <p:cNvPr id="7" name="Subtitle 2"/>
+          <p:cNvSpPr txBox="1">
+            <a:spLocks/>
+          </p:cNvSpPr>
+          <p:nvPr/>
+        </p:nvSpPr>
+        <p:spPr>
+          <a:xfrm>
+            <a:off x="76200" y="5410642"/>
+            <a:ext cx="2895600" cy="1368798"/>
+          </a:xfrm>
+          <a:prstGeom prst="rect">
+            <a:avLst/>
+          </a:prstGeom>
+        </p:spPr>
+        <p:style>
+          <a:lnRef idx="0">
+            <a:schemeClr val="dk1"/>
+          </a:lnRef>
+          <a:fillRef idx="3">
+            <a:schemeClr val="dk1"/>
+          </a:fillRef>
+          <a:effectRef idx="3">
+            <a:schemeClr val="dk1"/>
+          </a:effectRef>
+          <a:fontRef idx="minor">
+            <a:schemeClr val="lt1"/>
+          </a:fontRef>
+        </p:style>
+        <p:txBody>
+          <a:bodyPr vert="horz" lIns="91440" tIns="45720" rIns="91440" bIns="45720" rtlCol="0">
+            <a:normAutofit/>
+          </a:bodyPr>
+          <a:lstStyle>
+            <a:lvl1pPr marL="0" indent="0" algn="l" defTabSz="914400" rtl="0" eaLnBrk="1" latinLnBrk="0" hangingPunct="1">
+              <a:spcBef>
+                <a:spcPct val="20000"/>
+              </a:spcBef>
+              <a:buClr>
+                <a:schemeClr val="accent1">
+                  <a:lumMod val="60000"/>
+                  <a:lumOff val="40000"/>
+                </a:schemeClr>
+              </a:buClr>
+              <a:buFont typeface="Arial" pitchFamily="34" charset="0"/>
+              <a:buNone/>
+              <a:defRPr sz="2200" kern="1200">
+                <a:solidFill>
+                  <a:srgbClr val="FFFFFF"/>
+                </a:solidFill>
+                <a:latin typeface="+mn-lt"/>
+                <a:ea typeface="+mn-ea"/>
+                <a:cs typeface="+mn-cs"/>
+              </a:defRPr>
+            </a:lvl1pPr>
+            <a:lvl2pPr marL="457200" indent="0" algn="ctr" defTabSz="914400" rtl="0" eaLnBrk="1" latinLnBrk="0" hangingPunct="1">
+              <a:spcBef>
+                <a:spcPct val="20000"/>
+              </a:spcBef>
+              <a:buClr>
+                <a:schemeClr val="accent1">
+                  <a:lumMod val="60000"/>
+                  <a:lumOff val="40000"/>
+                </a:schemeClr>
+              </a:buClr>
+              <a:buFont typeface="Arial" pitchFamily="34" charset="0"/>
+              <a:buNone/>
+              <a:defRPr sz="2000" kern="1200">
+                <a:solidFill>
+                  <a:schemeClr val="tx1">
+                    <a:tint val="75000"/>
+                  </a:schemeClr>
+                </a:solidFill>
+                <a:latin typeface="+mn-lt"/>
+                <a:ea typeface="+mn-ea"/>
+                <a:cs typeface="+mn-cs"/>
+              </a:defRPr>
+            </a:lvl2pPr>
+            <a:lvl3pPr marL="914400" indent="0" algn="ctr" defTabSz="914400" rtl="0" eaLnBrk="1" latinLnBrk="0" hangingPunct="1">
+              <a:spcBef>
+                <a:spcPct val="20000"/>
+              </a:spcBef>
+              <a:buClr>
+                <a:schemeClr val="accent2"/>
+              </a:buClr>
+              <a:buFont typeface="Arial" pitchFamily="34" charset="0"/>
+              <a:buNone/>
+              <a:defRPr sz="2000" kern="1200">
+                <a:solidFill>
+                  <a:schemeClr val="tx1">
+                    <a:tint val="75000"/>
+                  </a:schemeClr>
+                </a:solidFill>
+                <a:latin typeface="+mn-lt"/>
+                <a:ea typeface="+mn-ea"/>
+                <a:cs typeface="+mn-cs"/>
+              </a:defRPr>
+            </a:lvl3pPr>
+            <a:lvl4pPr marL="1371600" indent="0" algn="ctr" defTabSz="914400" rtl="0" eaLnBrk="1" latinLnBrk="0" hangingPunct="1">
+              <a:spcBef>
+                <a:spcPct val="20000"/>
+              </a:spcBef>
+              <a:buClr>
+                <a:schemeClr val="accent3"/>
+              </a:buClr>
+              <a:buFont typeface="Arial" pitchFamily="34" charset="0"/>
+              <a:buNone/>
+              <a:defRPr sz="1800" kern="1200">
+                <a:solidFill>
+                  <a:schemeClr val="tx1">
+                    <a:tint val="75000"/>
+                  </a:schemeClr>
+                </a:solidFill>
+                <a:latin typeface="+mn-lt"/>
+                <a:ea typeface="+mn-ea"/>
+                <a:cs typeface="+mn-cs"/>
+              </a:defRPr>
+            </a:lvl4pPr>
+            <a:lvl5pPr marL="1828800" indent="0" algn="ctr" defTabSz="914400" rtl="0" eaLnBrk="1" latinLnBrk="0" hangingPunct="1">
+              <a:spcBef>
+                <a:spcPct val="20000"/>
+              </a:spcBef>
+              <a:buClr>
+                <a:schemeClr val="accent4"/>
+              </a:buClr>
+              <a:buFont typeface="Arial" pitchFamily="34" charset="0"/>
+              <a:buNone/>
+              <a:defRPr sz="1600" kern="1200" baseline="0">
+                <a:solidFill>
+                  <a:schemeClr val="tx1">
+                    <a:tint val="75000"/>
+                  </a:schemeClr>
+                </a:solidFill>
+                <a:latin typeface="+mn-lt"/>
+                <a:ea typeface="+mn-ea"/>
+                <a:cs typeface="+mn-cs"/>
+              </a:defRPr>
+            </a:lvl5pPr>
+            <a:lvl6pPr marL="2286000" indent="0" algn="ctr" defTabSz="914400" rtl="0" eaLnBrk="1" latinLnBrk="0" hangingPunct="1">
+              <a:spcBef>
+                <a:spcPct val="20000"/>
+              </a:spcBef>
+              <a:buClr>
+                <a:schemeClr val="accent5"/>
+              </a:buClr>
+              <a:buFont typeface="Arial" pitchFamily="34" charset="0"/>
+              <a:buNone/>
+              <a:defRPr sz="1600" kern="1200">
+                <a:solidFill>
+                  <a:schemeClr val="tx1">
+                    <a:tint val="75000"/>
+                  </a:schemeClr>
+                </a:solidFill>
+                <a:latin typeface="+mn-lt"/>
+                <a:ea typeface="+mn-ea"/>
+                <a:cs typeface="+mn-cs"/>
+              </a:defRPr>
+            </a:lvl6pPr>
+            <a:lvl7pPr marL="2743200" indent="0" algn="ctr" defTabSz="914400" rtl="0" eaLnBrk="1" latinLnBrk="0" hangingPunct="1">
+              <a:spcBef>
+                <a:spcPct val="20000"/>
+              </a:spcBef>
+              <a:buClr>
+                <a:schemeClr val="accent6"/>
+              </a:buClr>
+              <a:buFont typeface="Arial" pitchFamily="34" charset="0"/>
+              <a:buNone/>
+              <a:defRPr sz="1600" kern="1200">
+                <a:solidFill>
+                  <a:schemeClr val="tx1">
+                    <a:tint val="75000"/>
+                  </a:schemeClr>
+                </a:solidFill>
+                <a:latin typeface="+mn-lt"/>
+                <a:ea typeface="+mn-ea"/>
+                <a:cs typeface="+mn-cs"/>
+              </a:defRPr>
+            </a:lvl7pPr>
+            <a:lvl8pPr marL="3200400" indent="0" algn="ctr" defTabSz="914400" rtl="0" eaLnBrk="1" latinLnBrk="0" hangingPunct="1">
+              <a:spcBef>
+                <a:spcPct val="20000"/>
+              </a:spcBef>
+              <a:buClr>
+                <a:schemeClr val="accent3"/>
+              </a:buClr>
+              <a:buFont typeface="Arial" pitchFamily="34" charset="0"/>
+              <a:buNone/>
+              <a:defRPr sz="1600" kern="1200">
+                <a:solidFill>
+                  <a:schemeClr val="tx1">
+                    <a:tint val="75000"/>
+                  </a:schemeClr>
+                </a:solidFill>
+                <a:latin typeface="+mn-lt"/>
+                <a:ea typeface="+mn-ea"/>
+                <a:cs typeface="+mn-cs"/>
+              </a:defRPr>
+            </a:lvl8pPr>
+            <a:lvl9pPr marL="3657600" indent="0" algn="ctr" defTabSz="914400" rtl="0" eaLnBrk="1" latinLnBrk="0" hangingPunct="1">
+              <a:spcBef>
+                <a:spcPct val="20000"/>
+              </a:spcBef>
+              <a:buClr>
+                <a:schemeClr val="accent6"/>
+              </a:buClr>
+              <a:buFont typeface="Arial" pitchFamily="34" charset="0"/>
+              <a:buNone/>
+              <a:defRPr sz="1600" kern="1200">
+                <a:solidFill>
+                  <a:schemeClr val="tx1">
+                    <a:tint val="75000"/>
+                  </a:schemeClr>
+                </a:solidFill>
+                <a:latin typeface="+mn-lt"/>
+                <a:ea typeface="+mn-ea"/>
+                <a:cs typeface="+mn-cs"/>
+              </a:defRPr>
+            </a:lvl9pPr>
+          </a:lstStyle>
+          <a:p>
+            <a:pPr algn="r"/>
+            <a:r>
+              <a:rPr lang="en-US" dirty="0"/>
+              <a:t>Jim Wooley</a:t>
+            </a:r>
+          </a:p>
+          <a:p>
+            <a:pPr algn="r"/>
+            <a:r>
+              <a:rPr lang="en-US" dirty="0">
+                <a:hlinkClick r:id="rId5"/>
+              </a:rPr>
+              <a:t>www.ThinqLinq.com</a:t>
+            </a:r>
+            <a:endParaRPr lang="en-US" dirty="0"/>
+          </a:p>
+          <a:p>
+            <a:pPr algn="r"/>
+            <a:r>
+              <a:rPr lang="en-US" dirty="0"/>
+              <a:t>Twitter: @</a:t>
+            </a:r>
+            <a:r>
+              <a:rPr lang="en-US" dirty="0" err="1"/>
+              <a:t>JimWooley</a:t>
+            </a:r>
+            <a:endParaRPr lang="en-US" dirty="0"/>
+          </a:p>
+        </p:txBody>
+      </p:sp>
+      <p:sp>
+        <p:nvSpPr>
+          <p:cNvPr id="11" name="Title 1"/>
+          <p:cNvSpPr>
+            <a:spLocks noGrp="1"/>
+          </p:cNvSpPr>
+          <p:nvPr>
+            <p:ph type="ctrTitle"/>
+          </p:nvPr>
+        </p:nvSpPr>
+        <p:spPr>
+          <a:xfrm>
+            <a:off x="2590800" y="2133600"/>
+            <a:ext cx="7848600" cy="2362200"/>
+          </a:xfrm>
+          <a:solidFill>
+            <a:srgbClr val="000000">
+              <a:alpha val="69804"/>
+            </a:srgbClr>
+          </a:solidFill>
+          <a:effectLst>
+            <a:softEdge rad="63500"/>
+          </a:effectLst>
+        </p:spPr>
+        <p:style>
+          <a:lnRef idx="1">
+            <a:schemeClr val="accent1"/>
+          </a:lnRef>
+          <a:fillRef idx="2">
+            <a:schemeClr val="accent1"/>
+          </a:fillRef>
+          <a:effectRef idx="1">
+            <a:schemeClr val="accent1"/>
+          </a:effectRef>
+          <a:fontRef idx="minor">
+            <a:schemeClr val="dk1"/>
+          </a:fontRef>
+        </p:style>
+        <p:txBody>
+          <a:bodyPr anchor="ctr">
+            <a:normAutofit fontScale="90000"/>
+          </a:bodyPr>
+          <a:lstStyle/>
+          <a:p>
+            <a:pPr algn="ctr"/>
+            <a:r>
+              <a:rPr lang="en-US" cap="small" dirty="0" err="1">
+                <a:solidFill>
+                  <a:schemeClr val="tx1"/>
+                </a:solidFill>
+              </a:rPr>
+              <a:t>.Net</a:t>
+            </a:r>
+            <a:r>
+              <a:rPr lang="en-US" cap="small" dirty="0">
+                <a:solidFill>
+                  <a:schemeClr val="tx1"/>
+                </a:solidFill>
+              </a:rPr>
+              <a:t> Compiler Platform</a:t>
+            </a:r>
+            <a:br>
+              <a:rPr lang="en-US" cap="small" dirty="0">
+                <a:solidFill>
+                  <a:schemeClr val="tx1"/>
+                </a:solidFill>
+              </a:rPr>
+            </a:br>
+            <a:r>
+              <a:rPr lang="en-US" cap="small" dirty="0">
+                <a:solidFill>
+                  <a:schemeClr val="tx1"/>
+                </a:solidFill>
+              </a:rPr>
+              <a:t>(Roslyn)</a:t>
+            </a:r>
+            <a:br>
+              <a:rPr lang="en-US" cap="small" dirty="0">
+                <a:solidFill>
+                  <a:schemeClr val="tx1"/>
+                </a:solidFill>
+              </a:rPr>
+            </a:br>
+            <a:r>
+              <a:rPr lang="en-US" cap="small" dirty="0">
+                <a:solidFill>
+                  <a:schemeClr val="tx1"/>
+                </a:solidFill>
+              </a:rPr>
+              <a:t>And You</a:t>
+            </a:r>
+            <a:br>
+              <a:rPr lang="en-US" cap="small" dirty="0">
+                <a:solidFill>
+                  <a:schemeClr val="tx1"/>
+                </a:solidFill>
+              </a:rPr>
+            </a:br>
+            <a:r>
+              <a:rPr lang="en-US" sz="2200" dirty="0">
+                <a:solidFill>
+                  <a:schemeClr val="tx1"/>
+                </a:solidFill>
+                <a:latin typeface="Segoe UI" panose="020B0502040204020203" pitchFamily="34" charset="0"/>
+                <a:hlinkClick r:id="rId6"/>
+              </a:rPr>
+              <a:t>https://github.com/jwooley/RoslynAndYou</a:t>
+            </a:r>
+            <a:br>
+              <a:rPr lang="en-US" sz="2200" dirty="0">
+                <a:solidFill>
+                  <a:schemeClr val="tx1"/>
+                </a:solidFill>
+                <a:latin typeface="Segoe UI" panose="020B0502040204020203" pitchFamily="34" charset="0"/>
+              </a:rPr>
+            </a:br>
+            <a:r>
+              <a:rPr lang="en-US" sz="2400" dirty="0">
+                <a:solidFill>
+                  <a:schemeClr val="tx1"/>
+                </a:solidFill>
+                <a:hlinkClick r:id="rId7"/>
+              </a:rPr>
+              <a:t>https://jwooley.github.io</a:t>
+            </a:r>
+            <a:r>
+              <a:rPr lang="en-US" sz="2400" cap="small" dirty="0">
+                <a:solidFill>
+                  <a:schemeClr val="tx1"/>
+                </a:solidFill>
+                <a:hlinkClick r:id="rId7"/>
+              </a:rPr>
+              <a:t>/</a:t>
+            </a:r>
+            <a:endParaRPr lang="en-US" sz="2200" cap="small" dirty="0">
+              <a:solidFill>
+                <a:schemeClr val="tx1"/>
+              </a:solidFill>
+            </a:endParaRPr>
+          </a:p>
+        </p:txBody>
+      </p:sp>
+    </p:spTree>
+    <p:extLst>
+      <p:ext uri="{BB962C8B-B14F-4D97-AF65-F5344CB8AC3E}">
+        <p14:creationId xmlns:p14="http://schemas.microsoft.com/office/powerpoint/2010/main" val="2613547704"/>
       </p:ext>
     </p:extLst>
   </p:cSld>
